--- a/Báo cáo KTPM.pptx
+++ b/Báo cáo KTPM.pptx
@@ -5,76 +5,78 @@
     <p:sldMasterId id="2147483648" r:id="rId1"/>
   </p:sldMasterIdLst>
   <p:notesMasterIdLst>
-    <p:notesMasterId r:id="rId37"/>
+    <p:notesMasterId r:id="rId39"/>
   </p:notesMasterIdLst>
   <p:sldIdLst>
     <p:sldId id="256" r:id="rId2"/>
     <p:sldId id="257" r:id="rId3"/>
     <p:sldId id="298" r:id="rId4"/>
     <p:sldId id="259" r:id="rId5"/>
-    <p:sldId id="260" r:id="rId6"/>
-    <p:sldId id="297" r:id="rId7"/>
-    <p:sldId id="299" r:id="rId8"/>
-    <p:sldId id="302" r:id="rId9"/>
-    <p:sldId id="300" r:id="rId10"/>
-    <p:sldId id="303" r:id="rId11"/>
-    <p:sldId id="304" r:id="rId12"/>
-    <p:sldId id="305" r:id="rId13"/>
-    <p:sldId id="306" r:id="rId14"/>
-    <p:sldId id="307" r:id="rId15"/>
-    <p:sldId id="308" r:id="rId16"/>
-    <p:sldId id="310" r:id="rId17"/>
-    <p:sldId id="311" r:id="rId18"/>
-    <p:sldId id="312" r:id="rId19"/>
-    <p:sldId id="313" r:id="rId20"/>
-    <p:sldId id="314" r:id="rId21"/>
-    <p:sldId id="315" r:id="rId22"/>
-    <p:sldId id="316" r:id="rId23"/>
-    <p:sldId id="317" r:id="rId24"/>
-    <p:sldId id="318" r:id="rId25"/>
-    <p:sldId id="319" r:id="rId26"/>
-    <p:sldId id="323" r:id="rId27"/>
-    <p:sldId id="324" r:id="rId28"/>
-    <p:sldId id="325" r:id="rId29"/>
-    <p:sldId id="326" r:id="rId30"/>
-    <p:sldId id="327" r:id="rId31"/>
-    <p:sldId id="330" r:id="rId32"/>
-    <p:sldId id="329" r:id="rId33"/>
-    <p:sldId id="331" r:id="rId34"/>
-    <p:sldId id="334" r:id="rId35"/>
-    <p:sldId id="335" r:id="rId36"/>
+    <p:sldId id="336" r:id="rId6"/>
+    <p:sldId id="260" r:id="rId7"/>
+    <p:sldId id="297" r:id="rId8"/>
+    <p:sldId id="299" r:id="rId9"/>
+    <p:sldId id="302" r:id="rId10"/>
+    <p:sldId id="300" r:id="rId11"/>
+    <p:sldId id="303" r:id="rId12"/>
+    <p:sldId id="304" r:id="rId13"/>
+    <p:sldId id="305" r:id="rId14"/>
+    <p:sldId id="306" r:id="rId15"/>
+    <p:sldId id="307" r:id="rId16"/>
+    <p:sldId id="308" r:id="rId17"/>
+    <p:sldId id="310" r:id="rId18"/>
+    <p:sldId id="311" r:id="rId19"/>
+    <p:sldId id="312" r:id="rId20"/>
+    <p:sldId id="313" r:id="rId21"/>
+    <p:sldId id="314" r:id="rId22"/>
+    <p:sldId id="315" r:id="rId23"/>
+    <p:sldId id="316" r:id="rId24"/>
+    <p:sldId id="317" r:id="rId25"/>
+    <p:sldId id="318" r:id="rId26"/>
+    <p:sldId id="319" r:id="rId27"/>
+    <p:sldId id="323" r:id="rId28"/>
+    <p:sldId id="324" r:id="rId29"/>
+    <p:sldId id="325" r:id="rId30"/>
+    <p:sldId id="326" r:id="rId31"/>
+    <p:sldId id="327" r:id="rId32"/>
+    <p:sldId id="330" r:id="rId33"/>
+    <p:sldId id="329" r:id="rId34"/>
+    <p:sldId id="331" r:id="rId35"/>
+    <p:sldId id="334" r:id="rId36"/>
+    <p:sldId id="338" r:id="rId37"/>
+    <p:sldId id="339" r:id="rId38"/>
   </p:sldIdLst>
   <p:sldSz cx="9144000" cy="5143500" type="screen16x9"/>
   <p:notesSz cx="6858000" cy="9144000"/>
   <p:embeddedFontLst>
     <p:embeddedFont>
       <p:font typeface="Barlow" panose="020B0604020202020204" charset="0"/>
-      <p:regular r:id="rId38"/>
-      <p:bold r:id="rId39"/>
-      <p:italic r:id="rId40"/>
-      <p:boldItalic r:id="rId41"/>
+      <p:regular r:id="rId40"/>
+      <p:bold r:id="rId41"/>
+      <p:italic r:id="rId42"/>
+      <p:boldItalic r:id="rId43"/>
     </p:embeddedFont>
     <p:embeddedFont>
       <p:font typeface="Barlow Light" panose="020B0604020202020204" charset="0"/>
-      <p:regular r:id="rId42"/>
+      <p:regular r:id="rId44"/>
     </p:embeddedFont>
     <p:embeddedFont>
       <p:font typeface="Calibri" panose="020F0502020204030204" pitchFamily="34" charset="0"/>
-      <p:regular r:id="rId43"/>
-      <p:bold r:id="rId44"/>
-      <p:italic r:id="rId45"/>
-      <p:boldItalic r:id="rId46"/>
+      <p:regular r:id="rId45"/>
+      <p:bold r:id="rId46"/>
+      <p:italic r:id="rId47"/>
+      <p:boldItalic r:id="rId48"/>
     </p:embeddedFont>
     <p:embeddedFont>
       <p:font typeface="Miriam Libre" panose="00000500000000000000" pitchFamily="2" charset="-79"/>
-      <p:regular r:id="rId47"/>
-      <p:bold r:id="rId48"/>
+      <p:regular r:id="rId49"/>
+      <p:bold r:id="rId50"/>
     </p:embeddedFont>
     <p:embeddedFont>
       <p:font typeface="Work Sans" panose="020B0604020202020204" charset="0"/>
-      <p:regular r:id="rId49"/>
-      <p:bold r:id="rId50"/>
-      <p:boldItalic r:id="rId51"/>
+      <p:regular r:id="rId51"/>
+      <p:bold r:id="rId52"/>
+      <p:boldItalic r:id="rId53"/>
     </p:embeddedFont>
   </p:embeddedFontLst>
   <p:defaultTextStyle>
@@ -306,6 +308,11 @@
       </a:defRPr>
     </a:lvl9pPr>
   </p:defaultTextStyle>
+  <p:extLst>
+    <p:ext uri="{EFAFB233-063F-42B5-8137-9DF3F51BA10A}">
+      <p15:sldGuideLst xmlns:p15="http://schemas.microsoft.com/office/powerpoint/2012/main"/>
+    </p:ext>
+  </p:extLst>
 </p:presentation>
 </file>
 
@@ -987,8 +994,8 @@
         </p:nvSpPr>
         <p:spPr>
           <a:xfrm>
-            <a:off x="381175" y="685800"/>
-            <a:ext cx="6096300" cy="3429000"/>
+            <a:off x="381000" y="685800"/>
+            <a:ext cx="6096000" cy="3429000"/>
           </a:xfrm>
           <a:custGeom>
             <a:avLst/>
@@ -34754,8 +34761,8 @@
         </p:nvSpPr>
         <p:spPr>
           <a:xfrm>
-            <a:off x="35560" y="194945"/>
-            <a:ext cx="6057900" cy="721360"/>
+            <a:off x="457200" y="307340"/>
+            <a:ext cx="5601335" cy="1136650"/>
           </a:xfrm>
         </p:spPr>
         <p:txBody>
@@ -34763,15 +34770,30 @@
           <a:lstStyle/>
           <a:p>
             <a:r>
+              <a:rPr lang="en-US"/>
+              <a:t>3.1 DATA MODELING </a:t>
+            </a:r>
+            <a:br>
+              <a:rPr lang="en-US"/>
+            </a:br>
+            <a:r>
               <a:rPr lang="en-US" sz="2400">
+                <a:ln/>
                 <a:solidFill>
                   <a:schemeClr val="tx1">
                     <a:lumMod val="65000"/>
                     <a:lumOff val="35000"/>
                   </a:schemeClr>
                 </a:solidFill>
+                <a:effectLst>
+                  <a:outerShdw blurRad="38100" dist="19050" dir="2700000" algn="tl" rotWithShape="0">
+                    <a:schemeClr val="dk1">
+                      <a:alpha val="40000"/>
+                    </a:schemeClr>
+                  </a:outerShdw>
+                </a:effectLst>
               </a:rPr>
-              <a:t>b. Chọn trường Đại học theo điểm</a:t>
+              <a:t>a. Biểu đồ điểm từng môn học</a:t>
             </a:r>
           </a:p>
         </p:txBody>
@@ -34810,7 +34832,7 @@
       </p:sp>
       <p:pic>
         <p:nvPicPr>
-          <p:cNvPr id="6" name="Picture 5" descr="2"/>
+          <p:cNvPr id="6" name="Picture 5" descr="1"/>
           <p:cNvPicPr>
             <a:picLocks noChangeAspect="1"/>
           </p:cNvPicPr>
@@ -34824,8 +34846,8 @@
         </p:blipFill>
         <p:spPr>
           <a:xfrm>
-            <a:off x="179705" y="1419860"/>
-            <a:ext cx="5794375" cy="2823845"/>
+            <a:off x="1043940" y="1707515"/>
+            <a:ext cx="4098290" cy="2927350"/>
           </a:xfrm>
           <a:prstGeom prst="rect">
             <a:avLst/>
@@ -34873,7 +34895,7 @@
         <p:spPr>
           <a:xfrm>
             <a:off x="35560" y="194945"/>
-            <a:ext cx="6057900" cy="1009650"/>
+            <a:ext cx="6057900" cy="721360"/>
           </a:xfrm>
         </p:spPr>
         <p:txBody>
@@ -34889,7 +34911,7 @@
                   </a:schemeClr>
                 </a:solidFill>
               </a:rPr>
-              <a:t>c. So sánh các ngành học  giữa các trường</a:t>
+              <a:t>b. Chọn trường Đại học theo điểm</a:t>
             </a:r>
           </a:p>
         </p:txBody>
@@ -34928,7 +34950,7 @@
       </p:sp>
       <p:pic>
         <p:nvPicPr>
-          <p:cNvPr id="6" name="Picture 5" descr="3"/>
+          <p:cNvPr id="6" name="Picture 5" descr="2"/>
           <p:cNvPicPr>
             <a:picLocks noChangeAspect="1"/>
           </p:cNvPicPr>
@@ -34942,8 +34964,8 @@
         </p:blipFill>
         <p:spPr>
           <a:xfrm>
-            <a:off x="251460" y="1276350"/>
-            <a:ext cx="5749290" cy="3708400"/>
+            <a:off x="179705" y="1419860"/>
+            <a:ext cx="5794375" cy="2823845"/>
           </a:xfrm>
           <a:prstGeom prst="rect">
             <a:avLst/>
@@ -34990,21 +35012,14 @@
         </p:nvSpPr>
         <p:spPr>
           <a:xfrm>
-            <a:off x="107315" y="123825"/>
-            <a:ext cx="6022975" cy="1136650"/>
+            <a:off x="35560" y="194945"/>
+            <a:ext cx="6057900" cy="1009650"/>
           </a:xfrm>
         </p:spPr>
         <p:txBody>
           <a:bodyPr/>
           <a:lstStyle/>
           <a:p>
-            <a:r>
-              <a:rPr lang="en-US"/>
-              <a:t>3.2 KIẾN TRÚC HỆ THỐNG</a:t>
-            </a:r>
-            <a:br>
-              <a:rPr lang="en-US"/>
-            </a:br>
             <a:r>
               <a:rPr lang="en-US" sz="2400">
                 <a:solidFill>
@@ -35014,7 +35029,7 @@
                   </a:schemeClr>
                 </a:solidFill>
               </a:rPr>
-              <a:t>3.2.1 Biểu đồ điểm từng môn học</a:t>
+              <a:t>c. So sánh các ngành học  giữa các trường</a:t>
             </a:r>
           </a:p>
         </p:txBody>
@@ -35051,50 +35066,30 @@
           </a:p>
         </p:txBody>
       </p:sp>
-      <p:sp>
-        <p:nvSpPr>
-          <p:cNvPr id="299" name="Google Shape;299;p20"/>
-          <p:cNvSpPr txBox="1">
-            <a:spLocks noGrp="1"/>
-          </p:cNvSpPr>
-          <p:nvPr>
-            <p:ph type="body" idx="1"/>
-          </p:nvPr>
-        </p:nvSpPr>
+      <p:pic>
+        <p:nvPicPr>
+          <p:cNvPr id="6" name="Picture 5" descr="3"/>
+          <p:cNvPicPr>
+            <a:picLocks noChangeAspect="1"/>
+          </p:cNvPicPr>
+          <p:nvPr/>
+        </p:nvPicPr>
+        <p:blipFill>
+          <a:blip r:embed="rId2"/>
+          <a:stretch>
+            <a:fillRect/>
+          </a:stretch>
+        </p:blipFill>
         <p:spPr>
           <a:xfrm>
-            <a:off x="202565" y="1240790"/>
-            <a:ext cx="5730240" cy="3587115"/>
+            <a:off x="251460" y="1276350"/>
+            <a:ext cx="5749290" cy="3708400"/>
           </a:xfrm>
           <a:prstGeom prst="rect">
             <a:avLst/>
           </a:prstGeom>
         </p:spPr>
-        <p:txBody>
-          <a:bodyPr spcFirstLastPara="1" wrap="square" lIns="91425" tIns="91425" rIns="91425" bIns="91425" anchor="t" anchorCtr="0">
-            <a:noAutofit/>
-          </a:bodyPr>
-          <a:lstStyle/>
-          <a:p>
-            <a:pPr marL="285750" lvl="0" indent="-285750" algn="l" rtl="0">
-              <a:spcBef>
-                <a:spcPts val="600"/>
-              </a:spcBef>
-              <a:spcAft>
-                <a:spcPts val="0"/>
-              </a:spcAft>
-            </a:pPr>
-            <a:r>
-              <a:rPr lang="en-GB"/>
-              <a:t>Phần mềm được thiết kế theo mô hình client-server. Người dùng nhập yêu cầu trên giao diện sau đó server xử lý yêu cầu rồi hiện lên giao diện các yêu cầu đã gửi</a:t>
-            </a:r>
-            <a:r>
-              <a:rPr lang="en-GB" sz="1800"/>
-              <a:t>.</a:t>
-            </a:r>
-          </a:p>
-        </p:txBody>
-      </p:sp>
+      </p:pic>
     </p:spTree>
   </p:cSld>
   <p:clrMapOvr>
@@ -35135,8 +35130,8 @@
         </p:nvSpPr>
         <p:spPr>
           <a:xfrm>
-            <a:off x="395605" y="339725"/>
-            <a:ext cx="5138420" cy="650240"/>
+            <a:off x="107315" y="123825"/>
+            <a:ext cx="6022975" cy="1136650"/>
           </a:xfrm>
         </p:spPr>
         <p:txBody>
@@ -35144,7 +35139,14 @@
           <a:lstStyle/>
           <a:p>
             <a:r>
-              <a:rPr lang="en-US" sz="2400">
+              <a:rPr lang="en-US" dirty="0"/>
+              <a:t>3.2 KIẾN TRÚC HỆ THỐNG</a:t>
+            </a:r>
+            <a:br>
+              <a:rPr lang="en-US" dirty="0"/>
+            </a:br>
+            <a:r>
+              <a:rPr lang="en-US" sz="2400" dirty="0">
                 <a:solidFill>
                   <a:schemeClr val="tx1">
                     <a:lumMod val="65000"/>
@@ -35152,8 +35154,27 @@
                   </a:schemeClr>
                 </a:solidFill>
               </a:rPr>
-              <a:t>3.2.2 UML Diagrams</a:t>
-            </a:r>
+              <a:t>3.2.1 </a:t>
+            </a:r>
+            <a:r>
+              <a:rPr lang="en-US" sz="2400" dirty="0" err="1">
+                <a:solidFill>
+                  <a:schemeClr val="tx1">
+                    <a:lumMod val="65000"/>
+                    <a:lumOff val="35000"/>
+                  </a:schemeClr>
+                </a:solidFill>
+              </a:rPr>
+              <a:t>Archtecture</a:t>
+            </a:r>
+            <a:endParaRPr lang="en-US" sz="2400" dirty="0">
+              <a:solidFill>
+                <a:schemeClr val="tx1">
+                  <a:lumMod val="65000"/>
+                  <a:lumOff val="35000"/>
+                </a:schemeClr>
+              </a:solidFill>
+            </a:endParaRPr>
           </a:p>
         </p:txBody>
       </p:sp>
@@ -35189,30 +35210,212 @@
           </a:p>
         </p:txBody>
       </p:sp>
-      <p:pic>
-        <p:nvPicPr>
-          <p:cNvPr id="5" name="Picture 4" descr="4"/>
-          <p:cNvPicPr>
-            <a:picLocks noChangeAspect="1"/>
-          </p:cNvPicPr>
-          <p:nvPr/>
-        </p:nvPicPr>
-        <p:blipFill>
-          <a:blip r:embed="rId2"/>
-          <a:stretch>
-            <a:fillRect/>
-          </a:stretch>
-        </p:blipFill>
+      <p:sp>
+        <p:nvSpPr>
+          <p:cNvPr id="299" name="Google Shape;299;p20"/>
+          <p:cNvSpPr txBox="1">
+            <a:spLocks noGrp="1"/>
+          </p:cNvSpPr>
+          <p:nvPr>
+            <p:ph type="body" idx="1"/>
+          </p:nvPr>
+        </p:nvSpPr>
         <p:spPr>
           <a:xfrm>
-            <a:off x="107315" y="1347470"/>
-            <a:ext cx="5733415" cy="3375025"/>
+            <a:off x="202565" y="1240790"/>
+            <a:ext cx="5730240" cy="3587115"/>
           </a:xfrm>
           <a:prstGeom prst="rect">
             <a:avLst/>
           </a:prstGeom>
         </p:spPr>
-      </p:pic>
+        <p:txBody>
+          <a:bodyPr spcFirstLastPara="1" wrap="square" lIns="91425" tIns="91425" rIns="91425" bIns="91425" anchor="t" anchorCtr="0">
+            <a:noAutofit/>
+          </a:bodyPr>
+          <a:lstStyle/>
+          <a:p>
+            <a:pPr marL="285750" lvl="0" indent="-285750" algn="l" rtl="0">
+              <a:spcBef>
+                <a:spcPts val="600"/>
+              </a:spcBef>
+              <a:spcAft>
+                <a:spcPts val="0"/>
+              </a:spcAft>
+            </a:pPr>
+            <a:r>
+              <a:rPr lang="en-GB" dirty="0" err="1"/>
+              <a:t>Phần</a:t>
+            </a:r>
+            <a:r>
+              <a:rPr lang="en-GB" dirty="0"/>
+              <a:t> </a:t>
+            </a:r>
+            <a:r>
+              <a:rPr lang="en-GB" dirty="0" err="1"/>
+              <a:t>mềm</a:t>
+            </a:r>
+            <a:r>
+              <a:rPr lang="en-GB" dirty="0"/>
+              <a:t> </a:t>
+            </a:r>
+            <a:r>
+              <a:rPr lang="en-GB" dirty="0" err="1"/>
+              <a:t>được</a:t>
+            </a:r>
+            <a:r>
+              <a:rPr lang="en-GB" dirty="0"/>
+              <a:t> </a:t>
+            </a:r>
+            <a:r>
+              <a:rPr lang="en-GB" dirty="0" err="1"/>
+              <a:t>thiết</a:t>
+            </a:r>
+            <a:r>
+              <a:rPr lang="en-GB" dirty="0"/>
+              <a:t> </a:t>
+            </a:r>
+            <a:r>
+              <a:rPr lang="en-GB" dirty="0" err="1"/>
+              <a:t>kế</a:t>
+            </a:r>
+            <a:r>
+              <a:rPr lang="en-GB" dirty="0"/>
+              <a:t> </a:t>
+            </a:r>
+            <a:r>
+              <a:rPr lang="en-GB" dirty="0" err="1"/>
+              <a:t>theo</a:t>
+            </a:r>
+            <a:r>
+              <a:rPr lang="en-GB" dirty="0"/>
+              <a:t> </a:t>
+            </a:r>
+            <a:r>
+              <a:rPr lang="en-GB" dirty="0" err="1"/>
+              <a:t>mô</a:t>
+            </a:r>
+            <a:r>
+              <a:rPr lang="en-GB" dirty="0"/>
+              <a:t> </a:t>
+            </a:r>
+            <a:r>
+              <a:rPr lang="en-GB" dirty="0" err="1"/>
+              <a:t>hình</a:t>
+            </a:r>
+            <a:r>
+              <a:rPr lang="en-GB" dirty="0"/>
+              <a:t> MVC. </a:t>
+            </a:r>
+          </a:p>
+          <a:p>
+            <a:pPr marL="285750" lvl="0" indent="-285750" algn="l" rtl="0">
+              <a:spcBef>
+                <a:spcPts val="600"/>
+              </a:spcBef>
+              <a:spcAft>
+                <a:spcPts val="0"/>
+              </a:spcAft>
+            </a:pPr>
+            <a:r>
+              <a:rPr lang="en-GB" dirty="0"/>
+              <a:t>Model : </a:t>
+            </a:r>
+            <a:r>
+              <a:rPr lang="en-GB" dirty="0" err="1"/>
+              <a:t>các</a:t>
+            </a:r>
+            <a:r>
+              <a:rPr lang="en-GB" dirty="0"/>
+              <a:t> file csv</a:t>
+            </a:r>
+          </a:p>
+          <a:p>
+            <a:pPr marL="285750" lvl="0" indent="-285750" algn="l" rtl="0">
+              <a:spcBef>
+                <a:spcPts val="600"/>
+              </a:spcBef>
+              <a:spcAft>
+                <a:spcPts val="0"/>
+              </a:spcAft>
+            </a:pPr>
+            <a:r>
+              <a:rPr lang="en-GB" dirty="0"/>
+              <a:t>View: </a:t>
+            </a:r>
+            <a:r>
+              <a:rPr lang="en-GB" dirty="0" err="1"/>
+              <a:t>giao</a:t>
+            </a:r>
+            <a:r>
+              <a:rPr lang="en-GB" dirty="0"/>
+              <a:t> </a:t>
+            </a:r>
+            <a:r>
+              <a:rPr lang="en-GB" dirty="0" err="1"/>
+              <a:t>diện</a:t>
+            </a:r>
+            <a:r>
+              <a:rPr lang="en-GB" dirty="0"/>
+              <a:t> </a:t>
+            </a:r>
+            <a:r>
+              <a:rPr lang="en-GB" dirty="0" err="1"/>
+              <a:t>phần</a:t>
+            </a:r>
+            <a:r>
+              <a:rPr lang="en-GB" dirty="0"/>
+              <a:t> </a:t>
+            </a:r>
+            <a:r>
+              <a:rPr lang="en-GB" dirty="0" err="1"/>
+              <a:t>mềm</a:t>
+            </a:r>
+            <a:endParaRPr lang="en-GB" dirty="0"/>
+          </a:p>
+          <a:p>
+            <a:pPr marL="285750" lvl="0" indent="-285750" algn="l" rtl="0">
+              <a:spcBef>
+                <a:spcPts val="600"/>
+              </a:spcBef>
+              <a:spcAft>
+                <a:spcPts val="0"/>
+              </a:spcAft>
+            </a:pPr>
+            <a:r>
+              <a:rPr lang="en-GB" dirty="0" err="1"/>
+              <a:t>Cotroller</a:t>
+            </a:r>
+            <a:r>
+              <a:rPr lang="en-GB" dirty="0"/>
+              <a:t>: </a:t>
+            </a:r>
+            <a:r>
+              <a:rPr lang="vi-VN" b="0" i="0" dirty="0">
+                <a:solidFill>
+                  <a:schemeClr val="tx1"/>
+                </a:solidFill>
+                <a:effectLst/>
+                <a:latin typeface="Barlow Light" panose="020B0604020202020204" charset="0"/>
+              </a:rPr>
+              <a:t>bộ phận có chức năng ghi nhận và điều hướng các yêu cầu (request) mà người dùng đưa ra tại View</a:t>
+            </a:r>
+            <a:r>
+              <a:rPr lang="vi-VN" b="0" i="0" dirty="0">
+                <a:solidFill>
+                  <a:srgbClr val="444444"/>
+                </a:solidFill>
+                <a:effectLst/>
+                <a:latin typeface="Barlow Light" panose="020B0604020202020204" charset="0"/>
+              </a:rPr>
+              <a:t>. </a:t>
+            </a:r>
+            <a:endParaRPr lang="en-GB" dirty="0">
+              <a:latin typeface="Barlow Light" panose="020B0604020202020204" charset="0"/>
+            </a:endParaRPr>
+          </a:p>
+        </p:txBody>
+      </p:sp>
     </p:spTree>
   </p:cSld>
   <p:clrMapOvr>
@@ -35253,8 +35456,8 @@
         </p:nvSpPr>
         <p:spPr>
           <a:xfrm>
-            <a:off x="374650" y="267335"/>
-            <a:ext cx="5138420" cy="628650"/>
+            <a:off x="395605" y="339725"/>
+            <a:ext cx="5138420" cy="650240"/>
           </a:xfrm>
         </p:spPr>
         <p:txBody>
@@ -35263,19 +35466,14 @@
           <a:p>
             <a:r>
               <a:rPr lang="en-US" sz="2400">
-                <a:ln/>
                 <a:solidFill>
-                  <a:schemeClr val="tx1"/>
+                  <a:schemeClr val="tx1">
+                    <a:lumMod val="65000"/>
+                    <a:lumOff val="35000"/>
+                  </a:schemeClr>
                 </a:solidFill>
-                <a:effectLst>
-                  <a:outerShdw blurRad="38100" dist="19050" dir="2700000" algn="tl" rotWithShape="0">
-                    <a:schemeClr val="dk1">
-                      <a:alpha val="40000"/>
-                    </a:schemeClr>
-                  </a:outerShdw>
-                </a:effectLst>
               </a:rPr>
-              <a:t>Sequence Diagram:</a:t>
+              <a:t>3.2.2 UML Diagrams</a:t>
             </a:r>
           </a:p>
         </p:txBody>
@@ -35314,26 +35512,49 @@
       </p:sp>
       <p:pic>
         <p:nvPicPr>
-          <p:cNvPr id="5" name="Picture 4"/>
+          <p:cNvPr id="1026" name="Picture 2" descr="Không có mô tả.">
+            <a:extLst>
+              <a:ext uri="{FF2B5EF4-FFF2-40B4-BE49-F238E27FC236}">
+                <a16:creationId xmlns:a16="http://schemas.microsoft.com/office/drawing/2014/main" id="{EE711F78-90AF-4867-928D-D4D17C026F87}"/>
+              </a:ext>
+            </a:extLst>
+          </p:cNvPr>
           <p:cNvPicPr>
-            <a:picLocks noChangeAspect="1"/>
+            <a:picLocks noChangeAspect="1" noChangeArrowheads="1"/>
           </p:cNvPicPr>
           <p:nvPr/>
         </p:nvPicPr>
         <p:blipFill>
-          <a:blip r:embed="rId2"/>
+          <a:blip r:embed="rId2">
+            <a:extLst>
+              <a:ext uri="{28A0092B-C50C-407E-A947-70E740481C1C}">
+                <a14:useLocalDpi xmlns:a14="http://schemas.microsoft.com/office/drawing/2010/main" val="0"/>
+              </a:ext>
+            </a:extLst>
+          </a:blip>
+          <a:srcRect/>
           <a:stretch>
             <a:fillRect/>
           </a:stretch>
         </p:blipFill>
-        <p:spPr>
+        <p:spPr bwMode="auto">
           <a:xfrm>
-            <a:off x="611505" y="1347470"/>
-            <a:ext cx="4901565" cy="3606165"/>
+            <a:off x="395605" y="1353791"/>
+            <a:ext cx="5400886" cy="3163376"/>
           </a:xfrm>
           <a:prstGeom prst="rect">
             <a:avLst/>
           </a:prstGeom>
+          <a:noFill/>
+          <a:extLst>
+            <a:ext uri="{909E8E84-426E-40DD-AFC4-6F175D3DCCD1}">
+              <a14:hiddenFill xmlns:a14="http://schemas.microsoft.com/office/drawing/2010/main">
+                <a:solidFill>
+                  <a:srgbClr val="FFFFFF"/>
+                </a:solidFill>
+              </a14:hiddenFill>
+            </a:ext>
+          </a:extLst>
         </p:spPr>
       </p:pic>
     </p:spTree>
@@ -35376,8 +35597,8 @@
         </p:nvSpPr>
         <p:spPr>
           <a:xfrm>
-            <a:off x="154305" y="635"/>
-            <a:ext cx="5441315" cy="1687830"/>
+            <a:off x="374650" y="267335"/>
+            <a:ext cx="5138420" cy="628650"/>
           </a:xfrm>
         </p:spPr>
         <p:txBody>
@@ -35385,20 +35606,10 @@
           <a:lstStyle/>
           <a:p>
             <a:r>
-              <a:rPr lang="en-US"/>
-              <a:t>3.3 Giao diện hệ thống</a:t>
-            </a:r>
-            <a:br>
-              <a:rPr lang="en-US"/>
-            </a:br>
-            <a:r>
               <a:rPr lang="en-US" sz="2400">
                 <a:ln/>
                 <a:solidFill>
-                  <a:schemeClr val="tx1">
-                    <a:lumMod val="65000"/>
-                    <a:lumOff val="35000"/>
-                  </a:schemeClr>
+                  <a:schemeClr val="tx1"/>
                 </a:solidFill>
                 <a:effectLst>
                   <a:outerShdw blurRad="38100" dist="19050" dir="2700000" algn="tl" rotWithShape="0">
@@ -35408,44 +35619,8 @@
                   </a:outerShdw>
                 </a:effectLst>
               </a:rPr>
-              <a:t>3.3.1 Giao diện biểu đồ điểm từng môn học</a:t>
-            </a:r>
-          </a:p>
-        </p:txBody>
-      </p:sp>
-      <p:sp>
-        <p:nvSpPr>
-          <p:cNvPr id="3" name="Text Placeholder 2"/>
-          <p:cNvSpPr>
-            <a:spLocks noGrp="1"/>
-          </p:cNvSpPr>
-          <p:nvPr>
-            <p:ph type="body" idx="1"/>
-          </p:nvPr>
-        </p:nvSpPr>
-        <p:spPr>
-          <a:xfrm>
-            <a:off x="130175" y="1657350"/>
-            <a:ext cx="5863590" cy="551815"/>
-          </a:xfrm>
-        </p:spPr>
-        <p:txBody>
-          <a:bodyPr/>
-          <a:lstStyle/>
-          <a:p>
-            <a:pPr marL="76200" indent="0">
-              <a:buNone/>
-            </a:pPr>
-            <a:r>
-              <a:rPr lang="en-US"/>
-              <a:t>Môn Toán :</a:t>
-            </a:r>
-          </a:p>
-          <a:p>
-            <a:pPr marL="76200" indent="0">
-              <a:buNone/>
-            </a:pPr>
-            <a:endParaRPr lang="en-US"/>
+              <a:t>Sequence Diagram:</a:t>
+            </a:r>
           </a:p>
         </p:txBody>
       </p:sp>
@@ -35483,26 +35658,49 @@
       </p:sp>
       <p:pic>
         <p:nvPicPr>
-          <p:cNvPr id="6" name="Picture 5"/>
+          <p:cNvPr id="2052" name="Picture 4" descr="Không có mô tả.">
+            <a:extLst>
+              <a:ext uri="{FF2B5EF4-FFF2-40B4-BE49-F238E27FC236}">
+                <a16:creationId xmlns:a16="http://schemas.microsoft.com/office/drawing/2014/main" id="{6363D858-6E36-4480-B108-11C529AE8BA0}"/>
+              </a:ext>
+            </a:extLst>
+          </p:cNvPr>
           <p:cNvPicPr>
-            <a:picLocks noChangeAspect="1"/>
+            <a:picLocks noChangeAspect="1" noChangeArrowheads="1"/>
           </p:cNvPicPr>
           <p:nvPr/>
         </p:nvPicPr>
         <p:blipFill>
-          <a:blip r:embed="rId2"/>
+          <a:blip r:embed="rId2">
+            <a:extLst>
+              <a:ext uri="{28A0092B-C50C-407E-A947-70E740481C1C}">
+                <a14:useLocalDpi xmlns:a14="http://schemas.microsoft.com/office/drawing/2010/main" val="0"/>
+              </a:ext>
+            </a:extLst>
+          </a:blip>
+          <a:srcRect/>
           <a:stretch>
             <a:fillRect/>
           </a:stretch>
         </p:blipFill>
-        <p:spPr>
+        <p:spPr bwMode="auto">
           <a:xfrm>
-            <a:off x="755650" y="2284095"/>
-            <a:ext cx="4614545" cy="2647315"/>
+            <a:off x="529509" y="1228967"/>
+            <a:ext cx="5063705" cy="3413023"/>
           </a:xfrm>
           <a:prstGeom prst="rect">
             <a:avLst/>
           </a:prstGeom>
+          <a:noFill/>
+          <a:extLst>
+            <a:ext uri="{909E8E84-426E-40DD-AFC4-6F175D3DCCD1}">
+              <a14:hiddenFill xmlns:a14="http://schemas.microsoft.com/office/drawing/2010/main">
+                <a:solidFill>
+                  <a:srgbClr val="FFFFFF"/>
+                </a:solidFill>
+              </a14:hiddenFill>
+            </a:ext>
+          </a:extLst>
         </p:spPr>
       </p:pic>
     </p:spTree>
@@ -35535,6 +35733,55 @@
       </p:grpSpPr>
       <p:sp>
         <p:nvSpPr>
+          <p:cNvPr id="2" name="Title 1"/>
+          <p:cNvSpPr>
+            <a:spLocks noGrp="1"/>
+          </p:cNvSpPr>
+          <p:nvPr>
+            <p:ph type="title"/>
+          </p:nvPr>
+        </p:nvSpPr>
+        <p:spPr>
+          <a:xfrm>
+            <a:off x="154305" y="635"/>
+            <a:ext cx="5441315" cy="1687830"/>
+          </a:xfrm>
+        </p:spPr>
+        <p:txBody>
+          <a:bodyPr/>
+          <a:lstStyle/>
+          <a:p>
+            <a:r>
+              <a:rPr lang="en-US"/>
+              <a:t>3.3 Giao diện hệ thống</a:t>
+            </a:r>
+            <a:br>
+              <a:rPr lang="en-US"/>
+            </a:br>
+            <a:r>
+              <a:rPr lang="en-US" sz="2400">
+                <a:ln/>
+                <a:solidFill>
+                  <a:schemeClr val="tx1">
+                    <a:lumMod val="65000"/>
+                    <a:lumOff val="35000"/>
+                  </a:schemeClr>
+                </a:solidFill>
+                <a:effectLst>
+                  <a:outerShdw blurRad="38100" dist="19050" dir="2700000" algn="tl" rotWithShape="0">
+                    <a:schemeClr val="dk1">
+                      <a:alpha val="40000"/>
+                    </a:schemeClr>
+                  </a:outerShdw>
+                </a:effectLst>
+              </a:rPr>
+              <a:t>3.3.1 Giao diện biểu đồ điểm từng môn học</a:t>
+            </a:r>
+          </a:p>
+        </p:txBody>
+      </p:sp>
+      <p:sp>
+        <p:nvSpPr>
           <p:cNvPr id="3" name="Text Placeholder 2"/>
           <p:cNvSpPr>
             <a:spLocks noGrp="1"/>
@@ -35545,7 +35792,7 @@
         </p:nvSpPr>
         <p:spPr>
           <a:xfrm>
-            <a:off x="179070" y="267335"/>
+            <a:off x="130175" y="1657350"/>
             <a:ext cx="5863590" cy="551815"/>
           </a:xfrm>
         </p:spPr>
@@ -35558,7 +35805,7 @@
             </a:pPr>
             <a:r>
               <a:rPr lang="en-US"/>
-              <a:t>Môn Văn :</a:t>
+              <a:t>Môn Toán :</a:t>
             </a:r>
           </a:p>
           <a:p>
@@ -35603,7 +35850,7 @@
       </p:sp>
       <p:pic>
         <p:nvPicPr>
-          <p:cNvPr id="7" name="Picture 6"/>
+          <p:cNvPr id="6" name="Picture 5"/>
           <p:cNvPicPr>
             <a:picLocks noChangeAspect="1"/>
           </p:cNvPicPr>
@@ -35617,8 +35864,8 @@
         </p:blipFill>
         <p:spPr>
           <a:xfrm>
-            <a:off x="107315" y="987425"/>
-            <a:ext cx="5869305" cy="3399155"/>
+            <a:off x="755650" y="2284095"/>
+            <a:ext cx="4614545" cy="2647315"/>
           </a:xfrm>
           <a:prstGeom prst="rect">
             <a:avLst/>
@@ -35678,8 +35925,14 @@
             </a:pPr>
             <a:r>
               <a:rPr lang="en-US"/>
-              <a:t>Môn Anh:</a:t>
-            </a:r>
+              <a:t>Môn Văn :</a:t>
+            </a:r>
+          </a:p>
+          <a:p>
+            <a:pPr marL="76200" indent="0">
+              <a:buNone/>
+            </a:pPr>
+            <a:endParaRPr lang="en-US"/>
           </a:p>
         </p:txBody>
       </p:sp>
@@ -35717,7 +35970,7 @@
       </p:sp>
       <p:pic>
         <p:nvPicPr>
-          <p:cNvPr id="5" name="Picture 4"/>
+          <p:cNvPr id="7" name="Picture 6"/>
           <p:cNvPicPr>
             <a:picLocks noChangeAspect="1"/>
           </p:cNvPicPr>
@@ -35731,8 +35984,8 @@
         </p:blipFill>
         <p:spPr>
           <a:xfrm>
-            <a:off x="71755" y="1059815"/>
-            <a:ext cx="5970905" cy="3427730"/>
+            <a:off x="107315" y="987425"/>
+            <a:ext cx="5869305" cy="3399155"/>
           </a:xfrm>
           <a:prstGeom prst="rect">
             <a:avLst/>
@@ -35792,7 +36045,7 @@
             </a:pPr>
             <a:r>
               <a:rPr lang="en-US"/>
-              <a:t>Môn Lý:</a:t>
+              <a:t>Môn Anh:</a:t>
             </a:r>
           </a:p>
         </p:txBody>
@@ -35845,8 +36098,8 @@
         </p:blipFill>
         <p:spPr>
           <a:xfrm>
-            <a:off x="107315" y="1131570"/>
-            <a:ext cx="5911850" cy="3302635"/>
+            <a:off x="71755" y="1059815"/>
+            <a:ext cx="5970905" cy="3427730"/>
           </a:xfrm>
           <a:prstGeom prst="rect">
             <a:avLst/>
@@ -35906,7 +36159,7 @@
             </a:pPr>
             <a:r>
               <a:rPr lang="en-US"/>
-              <a:t>Môn Hóa:</a:t>
+              <a:t>Môn Lý:</a:t>
             </a:r>
           </a:p>
         </p:txBody>
@@ -35945,7 +36198,7 @@
       </p:sp>
       <p:pic>
         <p:nvPicPr>
-          <p:cNvPr id="7" name="Picture 6"/>
+          <p:cNvPr id="5" name="Picture 4"/>
           <p:cNvPicPr>
             <a:picLocks noChangeAspect="1"/>
           </p:cNvPicPr>
@@ -35959,8 +36212,8 @@
         </p:blipFill>
         <p:spPr>
           <a:xfrm>
-            <a:off x="35560" y="1059815"/>
-            <a:ext cx="5928360" cy="3385185"/>
+            <a:off x="107315" y="1131570"/>
+            <a:ext cx="5911850" cy="3302635"/>
           </a:xfrm>
           <a:prstGeom prst="rect">
             <a:avLst/>
@@ -36182,7 +36435,7 @@
             </a:pPr>
             <a:r>
               <a:rPr lang="en-US"/>
-              <a:t>Môn Sinh:</a:t>
+              <a:t>Môn Hóa:</a:t>
             </a:r>
           </a:p>
         </p:txBody>
@@ -36221,7 +36474,7 @@
       </p:sp>
       <p:pic>
         <p:nvPicPr>
-          <p:cNvPr id="8" name="Picture 7"/>
+          <p:cNvPr id="7" name="Picture 6"/>
           <p:cNvPicPr>
             <a:picLocks noChangeAspect="1"/>
           </p:cNvPicPr>
@@ -36235,8 +36488,8 @@
         </p:blipFill>
         <p:spPr>
           <a:xfrm>
-            <a:off x="54610" y="1059815"/>
-            <a:ext cx="5988050" cy="3394075"/>
+            <a:off x="35560" y="1059815"/>
+            <a:ext cx="5928360" cy="3385185"/>
           </a:xfrm>
           <a:prstGeom prst="rect">
             <a:avLst/>
@@ -36296,7 +36549,7 @@
             </a:pPr>
             <a:r>
               <a:rPr lang="en-US"/>
-              <a:t>Môn Sử:</a:t>
+              <a:t>Môn Sinh:</a:t>
             </a:r>
           </a:p>
         </p:txBody>
@@ -36335,7 +36588,7 @@
       </p:sp>
       <p:pic>
         <p:nvPicPr>
-          <p:cNvPr id="2" name="Picture 1"/>
+          <p:cNvPr id="8" name="Picture 7"/>
           <p:cNvPicPr>
             <a:picLocks noChangeAspect="1"/>
           </p:cNvPicPr>
@@ -36349,8 +36602,8 @@
         </p:blipFill>
         <p:spPr>
           <a:xfrm>
-            <a:off x="107315" y="1059180"/>
-            <a:ext cx="5859145" cy="3311525"/>
+            <a:off x="54610" y="1059815"/>
+            <a:ext cx="5988050" cy="3394075"/>
           </a:xfrm>
           <a:prstGeom prst="rect">
             <a:avLst/>
@@ -36410,7 +36663,7 @@
             </a:pPr>
             <a:r>
               <a:rPr lang="en-US"/>
-              <a:t>Môn Địa:</a:t>
+              <a:t>Môn Sử:</a:t>
             </a:r>
           </a:p>
         </p:txBody>
@@ -36463,8 +36716,8 @@
         </p:blipFill>
         <p:spPr>
           <a:xfrm>
-            <a:off x="35560" y="987425"/>
-            <a:ext cx="5960110" cy="3391535"/>
+            <a:off x="107315" y="1059180"/>
+            <a:ext cx="5859145" cy="3311525"/>
           </a:xfrm>
           <a:prstGeom prst="rect">
             <a:avLst/>
@@ -36524,7 +36777,7 @@
             </a:pPr>
             <a:r>
               <a:rPr lang="en-US"/>
-              <a:t>Môn GDCD:</a:t>
+              <a:t>Môn Địa:</a:t>
             </a:r>
           </a:p>
         </p:txBody>
@@ -36556,6 +36809,120 @@
             <a:fld id="{00000000-1234-1234-1234-123412341234}" type="slidenum">
               <a:rPr lang="en-GB"/>
               <a:t>23</a:t>
+            </a:fld>
+            <a:endParaRPr lang="en-GB"/>
+          </a:p>
+        </p:txBody>
+      </p:sp>
+      <p:pic>
+        <p:nvPicPr>
+          <p:cNvPr id="2" name="Picture 1"/>
+          <p:cNvPicPr>
+            <a:picLocks noChangeAspect="1"/>
+          </p:cNvPicPr>
+          <p:nvPr/>
+        </p:nvPicPr>
+        <p:blipFill>
+          <a:blip r:embed="rId2"/>
+          <a:stretch>
+            <a:fillRect/>
+          </a:stretch>
+        </p:blipFill>
+        <p:spPr>
+          <a:xfrm>
+            <a:off x="35560" y="987425"/>
+            <a:ext cx="5960110" cy="3391535"/>
+          </a:xfrm>
+          <a:prstGeom prst="rect">
+            <a:avLst/>
+          </a:prstGeom>
+        </p:spPr>
+      </p:pic>
+    </p:spTree>
+  </p:cSld>
+  <p:clrMapOvr>
+    <a:masterClrMapping/>
+  </p:clrMapOvr>
+  <p:transition>
+    <p:fade thruBlk="1"/>
+  </p:transition>
+</p:sld>
+</file>
+
+<file path=ppt/slides/slide24.xml><?xml version="1.0" encoding="utf-8"?>
+<p:sld xmlns:a="http://schemas.openxmlformats.org/drawingml/2006/main" xmlns:r="http://schemas.openxmlformats.org/officeDocument/2006/relationships" xmlns:p="http://schemas.openxmlformats.org/presentationml/2006/main">
+  <p:cSld>
+    <p:spTree>
+      <p:nvGrpSpPr>
+        <p:cNvPr id="1" name=""/>
+        <p:cNvGrpSpPr/>
+        <p:nvPr/>
+      </p:nvGrpSpPr>
+      <p:grpSpPr>
+        <a:xfrm>
+          <a:off x="0" y="0"/>
+          <a:ext cx="0" cy="0"/>
+          <a:chOff x="0" y="0"/>
+          <a:chExt cx="0" cy="0"/>
+        </a:xfrm>
+      </p:grpSpPr>
+      <p:sp>
+        <p:nvSpPr>
+          <p:cNvPr id="3" name="Text Placeholder 2"/>
+          <p:cNvSpPr>
+            <a:spLocks noGrp="1"/>
+          </p:cNvSpPr>
+          <p:nvPr>
+            <p:ph type="body" idx="1"/>
+          </p:nvPr>
+        </p:nvSpPr>
+        <p:spPr>
+          <a:xfrm>
+            <a:off x="179070" y="267335"/>
+            <a:ext cx="5863590" cy="551815"/>
+          </a:xfrm>
+        </p:spPr>
+        <p:txBody>
+          <a:bodyPr/>
+          <a:lstStyle/>
+          <a:p>
+            <a:pPr marL="76200" indent="0">
+              <a:buNone/>
+            </a:pPr>
+            <a:r>
+              <a:rPr lang="en-US"/>
+              <a:t>Môn GDCD:</a:t>
+            </a:r>
+          </a:p>
+        </p:txBody>
+      </p:sp>
+      <p:sp>
+        <p:nvSpPr>
+          <p:cNvPr id="4" name="Slide Number Placeholder 3"/>
+          <p:cNvSpPr>
+            <a:spLocks noGrp="1"/>
+          </p:cNvSpPr>
+          <p:nvPr>
+            <p:ph type="sldNum" idx="12"/>
+          </p:nvPr>
+        </p:nvSpPr>
+        <p:spPr/>
+        <p:txBody>
+          <a:bodyPr/>
+          <a:lstStyle/>
+          <a:p>
+            <a:pPr marL="0" lvl="0" indent="0" algn="ctr" rtl="0">
+              <a:spcBef>
+                <a:spcPts val="0"/>
+              </a:spcBef>
+              <a:spcAft>
+                <a:spcPts val="0"/>
+              </a:spcAft>
+              <a:buNone/>
+            </a:pPr>
+            <a:fld id="{00000000-1234-1234-1234-123412341234}" type="slidenum">
+              <a:rPr lang="en-GB"/>
+              <a:t>24</a:t>
             </a:fld>
             <a:endParaRPr lang="en-GB"/>
           </a:p>
@@ -36596,7 +36963,7 @@
 </p:sld>
 </file>
 
-<file path=ppt/slides/slide24.xml><?xml version="1.0" encoding="utf-8"?>
+<file path=ppt/slides/slide25.xml><?xml version="1.0" encoding="utf-8"?>
 <p:sld xmlns:a="http://schemas.openxmlformats.org/drawingml/2006/main" xmlns:r="http://schemas.openxmlformats.org/officeDocument/2006/relationships" xmlns:p="http://schemas.openxmlformats.org/presentationml/2006/main">
   <p:cSld>
     <p:spTree>
@@ -36710,7 +37077,7 @@
             </a:pPr>
             <a:fld id="{00000000-1234-1234-1234-123412341234}" type="slidenum">
               <a:rPr lang="en-GB"/>
-              <a:t>24</a:t>
+              <a:t>25</a:t>
             </a:fld>
             <a:endParaRPr lang="en-GB"/>
           </a:p>
@@ -36734,120 +37101,6 @@
           <a:xfrm>
             <a:off x="147955" y="2067560"/>
             <a:ext cx="5782945" cy="2610485"/>
-          </a:xfrm>
-          <a:prstGeom prst="rect">
-            <a:avLst/>
-          </a:prstGeom>
-        </p:spPr>
-      </p:pic>
-    </p:spTree>
-  </p:cSld>
-  <p:clrMapOvr>
-    <a:masterClrMapping/>
-  </p:clrMapOvr>
-  <p:transition>
-    <p:fade thruBlk="1"/>
-  </p:transition>
-</p:sld>
-</file>
-
-<file path=ppt/slides/slide25.xml><?xml version="1.0" encoding="utf-8"?>
-<p:sld xmlns:a="http://schemas.openxmlformats.org/drawingml/2006/main" xmlns:r="http://schemas.openxmlformats.org/officeDocument/2006/relationships" xmlns:p="http://schemas.openxmlformats.org/presentationml/2006/main">
-  <p:cSld>
-    <p:spTree>
-      <p:nvGrpSpPr>
-        <p:cNvPr id="1" name=""/>
-        <p:cNvGrpSpPr/>
-        <p:nvPr/>
-      </p:nvGrpSpPr>
-      <p:grpSpPr>
-        <a:xfrm>
-          <a:off x="0" y="0"/>
-          <a:ext cx="0" cy="0"/>
-          <a:chOff x="0" y="0"/>
-          <a:chExt cx="0" cy="0"/>
-        </a:xfrm>
-      </p:grpSpPr>
-      <p:sp>
-        <p:nvSpPr>
-          <p:cNvPr id="3" name="Text Placeholder 2"/>
-          <p:cNvSpPr>
-            <a:spLocks noGrp="1"/>
-          </p:cNvSpPr>
-          <p:nvPr>
-            <p:ph type="body" idx="1"/>
-          </p:nvPr>
-        </p:nvSpPr>
-        <p:spPr>
-          <a:xfrm>
-            <a:off x="179070" y="267335"/>
-            <a:ext cx="5863590" cy="551815"/>
-          </a:xfrm>
-        </p:spPr>
-        <p:txBody>
-          <a:bodyPr/>
-          <a:lstStyle/>
-          <a:p>
-            <a:pPr marL="76200" indent="0">
-              <a:buNone/>
-            </a:pPr>
-            <a:r>
-              <a:rPr lang="en-US"/>
-              <a:t>Nghành QTKD:</a:t>
-            </a:r>
-          </a:p>
-        </p:txBody>
-      </p:sp>
-      <p:sp>
-        <p:nvSpPr>
-          <p:cNvPr id="4" name="Slide Number Placeholder 3"/>
-          <p:cNvSpPr>
-            <a:spLocks noGrp="1"/>
-          </p:cNvSpPr>
-          <p:nvPr>
-            <p:ph type="sldNum" idx="12"/>
-          </p:nvPr>
-        </p:nvSpPr>
-        <p:spPr/>
-        <p:txBody>
-          <a:bodyPr/>
-          <a:lstStyle/>
-          <a:p>
-            <a:pPr marL="0" lvl="0" indent="0" algn="ctr" rtl="0">
-              <a:spcBef>
-                <a:spcPts val="0"/>
-              </a:spcBef>
-              <a:spcAft>
-                <a:spcPts val="0"/>
-              </a:spcAft>
-              <a:buNone/>
-            </a:pPr>
-            <a:fld id="{00000000-1234-1234-1234-123412341234}" type="slidenum">
-              <a:rPr lang="en-GB"/>
-              <a:t>25</a:t>
-            </a:fld>
-            <a:endParaRPr lang="en-GB"/>
-          </a:p>
-        </p:txBody>
-      </p:sp>
-      <p:pic>
-        <p:nvPicPr>
-          <p:cNvPr id="6" name="Picture 5"/>
-          <p:cNvPicPr>
-            <a:picLocks noChangeAspect="1"/>
-          </p:cNvPicPr>
-          <p:nvPr/>
-        </p:nvPicPr>
-        <p:blipFill>
-          <a:blip r:embed="rId2"/>
-          <a:stretch>
-            <a:fillRect/>
-          </a:stretch>
-        </p:blipFill>
-        <p:spPr>
-          <a:xfrm>
-            <a:off x="71120" y="1176020"/>
-            <a:ext cx="5971540" cy="2792095"/>
           </a:xfrm>
           <a:prstGeom prst="rect">
             <a:avLst/>
@@ -36907,7 +37160,7 @@
             </a:pPr>
             <a:r>
               <a:rPr lang="en-US"/>
-              <a:t>Ngành Dược:</a:t>
+              <a:t>Nghành QTKD:</a:t>
             </a:r>
           </a:p>
         </p:txBody>
@@ -36939,6 +37192,120 @@
             <a:fld id="{00000000-1234-1234-1234-123412341234}" type="slidenum">
               <a:rPr lang="en-GB"/>
               <a:t>26</a:t>
+            </a:fld>
+            <a:endParaRPr lang="en-GB"/>
+          </a:p>
+        </p:txBody>
+      </p:sp>
+      <p:pic>
+        <p:nvPicPr>
+          <p:cNvPr id="6" name="Picture 5"/>
+          <p:cNvPicPr>
+            <a:picLocks noChangeAspect="1"/>
+          </p:cNvPicPr>
+          <p:nvPr/>
+        </p:nvPicPr>
+        <p:blipFill>
+          <a:blip r:embed="rId2"/>
+          <a:stretch>
+            <a:fillRect/>
+          </a:stretch>
+        </p:blipFill>
+        <p:spPr>
+          <a:xfrm>
+            <a:off x="71120" y="1176020"/>
+            <a:ext cx="5971540" cy="2792095"/>
+          </a:xfrm>
+          <a:prstGeom prst="rect">
+            <a:avLst/>
+          </a:prstGeom>
+        </p:spPr>
+      </p:pic>
+    </p:spTree>
+  </p:cSld>
+  <p:clrMapOvr>
+    <a:masterClrMapping/>
+  </p:clrMapOvr>
+  <p:transition>
+    <p:fade thruBlk="1"/>
+  </p:transition>
+</p:sld>
+</file>
+
+<file path=ppt/slides/slide27.xml><?xml version="1.0" encoding="utf-8"?>
+<p:sld xmlns:a="http://schemas.openxmlformats.org/drawingml/2006/main" xmlns:r="http://schemas.openxmlformats.org/officeDocument/2006/relationships" xmlns:p="http://schemas.openxmlformats.org/presentationml/2006/main">
+  <p:cSld>
+    <p:spTree>
+      <p:nvGrpSpPr>
+        <p:cNvPr id="1" name=""/>
+        <p:cNvGrpSpPr/>
+        <p:nvPr/>
+      </p:nvGrpSpPr>
+      <p:grpSpPr>
+        <a:xfrm>
+          <a:off x="0" y="0"/>
+          <a:ext cx="0" cy="0"/>
+          <a:chOff x="0" y="0"/>
+          <a:chExt cx="0" cy="0"/>
+        </a:xfrm>
+      </p:grpSpPr>
+      <p:sp>
+        <p:nvSpPr>
+          <p:cNvPr id="3" name="Text Placeholder 2"/>
+          <p:cNvSpPr>
+            <a:spLocks noGrp="1"/>
+          </p:cNvSpPr>
+          <p:nvPr>
+            <p:ph type="body" idx="1"/>
+          </p:nvPr>
+        </p:nvSpPr>
+        <p:spPr>
+          <a:xfrm>
+            <a:off x="179070" y="267335"/>
+            <a:ext cx="5863590" cy="551815"/>
+          </a:xfrm>
+        </p:spPr>
+        <p:txBody>
+          <a:bodyPr/>
+          <a:lstStyle/>
+          <a:p>
+            <a:pPr marL="76200" indent="0">
+              <a:buNone/>
+            </a:pPr>
+            <a:r>
+              <a:rPr lang="en-US"/>
+              <a:t>Ngành Dược:</a:t>
+            </a:r>
+          </a:p>
+        </p:txBody>
+      </p:sp>
+      <p:sp>
+        <p:nvSpPr>
+          <p:cNvPr id="4" name="Slide Number Placeholder 3"/>
+          <p:cNvSpPr>
+            <a:spLocks noGrp="1"/>
+          </p:cNvSpPr>
+          <p:nvPr>
+            <p:ph type="sldNum" idx="12"/>
+          </p:nvPr>
+        </p:nvSpPr>
+        <p:spPr/>
+        <p:txBody>
+          <a:bodyPr/>
+          <a:lstStyle/>
+          <a:p>
+            <a:pPr marL="0" lvl="0" indent="0" algn="ctr" rtl="0">
+              <a:spcBef>
+                <a:spcPts val="0"/>
+              </a:spcBef>
+              <a:spcAft>
+                <a:spcPts val="0"/>
+              </a:spcAft>
+              <a:buNone/>
+            </a:pPr>
+            <a:fld id="{00000000-1234-1234-1234-123412341234}" type="slidenum">
+              <a:rPr lang="en-GB"/>
+              <a:t>27</a:t>
             </a:fld>
             <a:endParaRPr lang="en-GB"/>
           </a:p>
@@ -36979,7 +37346,7 @@
 </p:sld>
 </file>
 
-<file path=ppt/slides/slide27.xml><?xml version="1.0" encoding="utf-8"?>
+<file path=ppt/slides/slide28.xml><?xml version="1.0" encoding="utf-8"?>
 <p:sld xmlns:a="http://schemas.openxmlformats.org/drawingml/2006/main" xmlns:r="http://schemas.openxmlformats.org/officeDocument/2006/relationships" xmlns:p="http://schemas.openxmlformats.org/presentationml/2006/main">
   <p:cSld>
     <p:spTree>
@@ -37093,7 +37460,7 @@
             </a:pPr>
             <a:fld id="{00000000-1234-1234-1234-123412341234}" type="slidenum">
               <a:rPr lang="en-GB"/>
-              <a:t>27</a:t>
+              <a:t>28</a:t>
             </a:fld>
             <a:endParaRPr lang="en-GB"/>
           </a:p>
@@ -37117,120 +37484,6 @@
           <a:xfrm>
             <a:off x="64770" y="1995805"/>
             <a:ext cx="5948680" cy="2553970"/>
-          </a:xfrm>
-          <a:prstGeom prst="rect">
-            <a:avLst/>
-          </a:prstGeom>
-        </p:spPr>
-      </p:pic>
-    </p:spTree>
-  </p:cSld>
-  <p:clrMapOvr>
-    <a:masterClrMapping/>
-  </p:clrMapOvr>
-  <p:transition>
-    <p:fade thruBlk="1"/>
-  </p:transition>
-</p:sld>
-</file>
-
-<file path=ppt/slides/slide28.xml><?xml version="1.0" encoding="utf-8"?>
-<p:sld xmlns:a="http://schemas.openxmlformats.org/drawingml/2006/main" xmlns:r="http://schemas.openxmlformats.org/officeDocument/2006/relationships" xmlns:p="http://schemas.openxmlformats.org/presentationml/2006/main">
-  <p:cSld>
-    <p:spTree>
-      <p:nvGrpSpPr>
-        <p:cNvPr id="1" name=""/>
-        <p:cNvGrpSpPr/>
-        <p:nvPr/>
-      </p:nvGrpSpPr>
-      <p:grpSpPr>
-        <a:xfrm>
-          <a:off x="0" y="0"/>
-          <a:ext cx="0" cy="0"/>
-          <a:chOff x="0" y="0"/>
-          <a:chExt cx="0" cy="0"/>
-        </a:xfrm>
-      </p:grpSpPr>
-      <p:sp>
-        <p:nvSpPr>
-          <p:cNvPr id="3" name="Text Placeholder 2"/>
-          <p:cNvSpPr>
-            <a:spLocks noGrp="1"/>
-          </p:cNvSpPr>
-          <p:nvPr>
-            <p:ph type="body" idx="1"/>
-          </p:nvPr>
-        </p:nvSpPr>
-        <p:spPr>
-          <a:xfrm>
-            <a:off x="179070" y="267335"/>
-            <a:ext cx="5863590" cy="551815"/>
-          </a:xfrm>
-        </p:spPr>
-        <p:txBody>
-          <a:bodyPr/>
-          <a:lstStyle/>
-          <a:p>
-            <a:pPr marL="76200" indent="0">
-              <a:buNone/>
-            </a:pPr>
-            <a:r>
-              <a:rPr lang="en-US"/>
-              <a:t>Nghành Dược:</a:t>
-            </a:r>
-          </a:p>
-        </p:txBody>
-      </p:sp>
-      <p:sp>
-        <p:nvSpPr>
-          <p:cNvPr id="4" name="Slide Number Placeholder 3"/>
-          <p:cNvSpPr>
-            <a:spLocks noGrp="1"/>
-          </p:cNvSpPr>
-          <p:nvPr>
-            <p:ph type="sldNum" idx="12"/>
-          </p:nvPr>
-        </p:nvSpPr>
-        <p:spPr/>
-        <p:txBody>
-          <a:bodyPr/>
-          <a:lstStyle/>
-          <a:p>
-            <a:pPr marL="0" lvl="0" indent="0" algn="ctr" rtl="0">
-              <a:spcBef>
-                <a:spcPts val="0"/>
-              </a:spcBef>
-              <a:spcAft>
-                <a:spcPts val="0"/>
-              </a:spcAft>
-              <a:buNone/>
-            </a:pPr>
-            <a:fld id="{00000000-1234-1234-1234-123412341234}" type="slidenum">
-              <a:rPr lang="en-GB"/>
-              <a:t>28</a:t>
-            </a:fld>
-            <a:endParaRPr lang="en-GB"/>
-          </a:p>
-        </p:txBody>
-      </p:sp>
-      <p:pic>
-        <p:nvPicPr>
-          <p:cNvPr id="2" name="Picture 1"/>
-          <p:cNvPicPr>
-            <a:picLocks noChangeAspect="1"/>
-          </p:cNvPicPr>
-          <p:nvPr/>
-        </p:nvPicPr>
-        <p:blipFill>
-          <a:blip r:embed="rId2"/>
-          <a:stretch>
-            <a:fillRect/>
-          </a:stretch>
-        </p:blipFill>
-        <p:spPr>
-          <a:xfrm>
-            <a:off x="35560" y="1348105"/>
-            <a:ext cx="5989955" cy="2454910"/>
           </a:xfrm>
           <a:prstGeom prst="rect">
             <a:avLst/>
@@ -37290,7 +37543,7 @@
             </a:pPr>
             <a:r>
               <a:rPr lang="en-US"/>
-              <a:t>Nghành QTKD:</a:t>
+              <a:t>Nghành Dược:</a:t>
             </a:r>
           </a:p>
         </p:txBody>
@@ -37343,8 +37596,8 @@
         </p:blipFill>
         <p:spPr>
           <a:xfrm>
-            <a:off x="35560" y="1275715"/>
-            <a:ext cx="6077585" cy="2491105"/>
+            <a:off x="35560" y="1348105"/>
+            <a:ext cx="5989955" cy="2454910"/>
           </a:xfrm>
           <a:prstGeom prst="rect">
             <a:avLst/>
@@ -37431,12 +37684,42 @@
       </p:grpSpPr>
       <p:sp>
         <p:nvSpPr>
-          <p:cNvPr id="2" name="Title 1"/>
+          <p:cNvPr id="3" name="Text Placeholder 2"/>
           <p:cNvSpPr>
             <a:spLocks noGrp="1"/>
           </p:cNvSpPr>
           <p:nvPr>
-            <p:ph type="ctrTitle"/>
+            <p:ph type="body" idx="1"/>
+          </p:nvPr>
+        </p:nvSpPr>
+        <p:spPr>
+          <a:xfrm>
+            <a:off x="179070" y="267335"/>
+            <a:ext cx="5863590" cy="551815"/>
+          </a:xfrm>
+        </p:spPr>
+        <p:txBody>
+          <a:bodyPr/>
+          <a:lstStyle/>
+          <a:p>
+            <a:pPr marL="76200" indent="0">
+              <a:buNone/>
+            </a:pPr>
+            <a:r>
+              <a:rPr lang="en-US"/>
+              <a:t>Nghành QTKD:</a:t>
+            </a:r>
+          </a:p>
+        </p:txBody>
+      </p:sp>
+      <p:sp>
+        <p:nvSpPr>
+          <p:cNvPr id="4" name="Slide Number Placeholder 3"/>
+          <p:cNvSpPr>
+            <a:spLocks noGrp="1"/>
+          </p:cNvSpPr>
+          <p:nvPr>
+            <p:ph type="sldNum" idx="12"/>
           </p:nvPr>
         </p:nvSpPr>
         <p:spPr/>
@@ -37444,13 +37727,47 @@
           <a:bodyPr/>
           <a:lstStyle/>
           <a:p>
-            <a:r>
-              <a:rPr lang="en-US"/>
-              <a:t>4. KIỂM THỬ </a:t>
-            </a:r>
+            <a:pPr marL="0" lvl="0" indent="0" algn="ctr" rtl="0">
+              <a:spcBef>
+                <a:spcPts val="0"/>
+              </a:spcBef>
+              <a:spcAft>
+                <a:spcPts val="0"/>
+              </a:spcAft>
+              <a:buNone/>
+            </a:pPr>
+            <a:fld id="{00000000-1234-1234-1234-123412341234}" type="slidenum">
+              <a:rPr lang="en-GB"/>
+              <a:t>30</a:t>
+            </a:fld>
+            <a:endParaRPr lang="en-GB"/>
           </a:p>
         </p:txBody>
       </p:sp>
+      <p:pic>
+        <p:nvPicPr>
+          <p:cNvPr id="2" name="Picture 1"/>
+          <p:cNvPicPr>
+            <a:picLocks noChangeAspect="1"/>
+          </p:cNvPicPr>
+          <p:nvPr/>
+        </p:nvPicPr>
+        <p:blipFill>
+          <a:blip r:embed="rId2"/>
+          <a:stretch>
+            <a:fillRect/>
+          </a:stretch>
+        </p:blipFill>
+        <p:spPr>
+          <a:xfrm>
+            <a:off x="35560" y="1275715"/>
+            <a:ext cx="6077585" cy="2491105"/>
+          </a:xfrm>
+          <a:prstGeom prst="rect">
+            <a:avLst/>
+          </a:prstGeom>
+        </p:spPr>
+      </p:pic>
     </p:spTree>
   </p:cSld>
   <p:clrMapOvr>
@@ -37486,124 +37803,7 @@
             <a:spLocks noGrp="1"/>
           </p:cNvSpPr>
           <p:nvPr>
-            <p:ph type="title"/>
-          </p:nvPr>
-        </p:nvSpPr>
-        <p:spPr>
-          <a:xfrm>
-            <a:off x="107950" y="195580"/>
-            <a:ext cx="5910580" cy="713740"/>
-          </a:xfrm>
-        </p:spPr>
-        <p:txBody>
-          <a:bodyPr/>
-          <a:lstStyle/>
-          <a:p>
-            <a:r>
-              <a:rPr lang="en-US" sz="2800"/>
-              <a:t>4.1 Biểu đồ điểm từng môn học</a:t>
-            </a:r>
-          </a:p>
-        </p:txBody>
-      </p:sp>
-      <p:sp>
-        <p:nvSpPr>
-          <p:cNvPr id="3" name="Text Placeholder 2"/>
-          <p:cNvSpPr>
-            <a:spLocks noGrp="1"/>
-          </p:cNvSpPr>
-          <p:nvPr>
-            <p:ph type="body" idx="1"/>
-          </p:nvPr>
-        </p:nvSpPr>
-        <p:spPr>
-          <a:xfrm>
-            <a:off x="107950" y="963930"/>
-            <a:ext cx="5909945" cy="3940810"/>
-          </a:xfrm>
-        </p:spPr>
-        <p:txBody>
-          <a:bodyPr/>
-          <a:lstStyle/>
-          <a:p>
-            <a:r>
-              <a:rPr lang="en-US" sz="1800"/>
-              <a:t>Test case:</a:t>
-            </a:r>
-          </a:p>
-          <a:p>
-            <a:pPr lvl="1"/>
-            <a:r>
-              <a:rPr lang="en-US" sz="1800"/>
-              <a:t>Lần 1: chọn Toán =&gt; hiển thị phổ điểm môn Toán</a:t>
-            </a:r>
-          </a:p>
-          <a:p>
-            <a:pPr lvl="1"/>
-            <a:r>
-              <a:rPr lang="en-US" sz="1800"/>
-              <a:t>Lần 2: chọn Văn =&gt; hiển thị phổ điểm môn Văn</a:t>
-            </a:r>
-          </a:p>
-          <a:p>
-            <a:pPr lvl="1"/>
-            <a:r>
-              <a:rPr lang="en-US" sz="1800"/>
-              <a:t>Lần 3: chọn T.Anh =&gt; hiển thị phổ điểm môn Anh</a:t>
-            </a:r>
-          </a:p>
-          <a:p>
-            <a:pPr lvl="1"/>
-            <a:r>
-              <a:rPr lang="en-US" sz="1800"/>
-              <a:t>Lần 4: chọn Lý =&gt; hiển thị phổ điểm môn Lý</a:t>
-            </a:r>
-          </a:p>
-          <a:p>
-            <a:pPr lvl="1"/>
-            <a:r>
-              <a:rPr lang="en-US" sz="1800"/>
-              <a:t>Lần 5: chọn Hóa =&gt; hiển thị phổ điểm môn Hóa</a:t>
-            </a:r>
-          </a:p>
-          <a:p>
-            <a:pPr lvl="1"/>
-            <a:r>
-              <a:rPr lang="en-US" sz="1800"/>
-              <a:t>Lần 6: chọn Sinh =&gt; hiển thị phổ điểm môn Sinh</a:t>
-            </a:r>
-          </a:p>
-          <a:p>
-            <a:pPr lvl="1"/>
-            <a:r>
-              <a:rPr lang="en-US" sz="1800"/>
-              <a:t>Lần 7: chọn Sử =&gt; hiển thị phổ điểm môn Sử</a:t>
-            </a:r>
-          </a:p>
-          <a:p>
-            <a:pPr lvl="1"/>
-            <a:r>
-              <a:rPr lang="en-US" sz="1800"/>
-              <a:t>Lần 8: chọn Địa =&gt; hiển thị phổ điểm môn Địa</a:t>
-            </a:r>
-          </a:p>
-          <a:p>
-            <a:pPr lvl="1"/>
-            <a:r>
-              <a:rPr lang="en-US" sz="1800"/>
-              <a:t>Lần 9: chọn GDCD: hiển thị phổ điểm môn GDCD</a:t>
-            </a:r>
-          </a:p>
-        </p:txBody>
-      </p:sp>
-      <p:sp>
-        <p:nvSpPr>
-          <p:cNvPr id="4" name="Slide Number Placeholder 3"/>
-          <p:cNvSpPr>
-            <a:spLocks noGrp="1"/>
-          </p:cNvSpPr>
-          <p:nvPr>
-            <p:ph type="sldNum" idx="12"/>
+            <p:ph type="ctrTitle"/>
           </p:nvPr>
         </p:nvSpPr>
         <p:spPr/>
@@ -37611,20 +37811,10 @@
           <a:bodyPr/>
           <a:lstStyle/>
           <a:p>
-            <a:pPr marL="0" lvl="0" indent="0" algn="ctr" rtl="0">
-              <a:spcBef>
-                <a:spcPts val="0"/>
-              </a:spcBef>
-              <a:spcAft>
-                <a:spcPts val="0"/>
-              </a:spcAft>
-              <a:buNone/>
-            </a:pPr>
-            <a:fld id="{00000000-1234-1234-1234-123412341234}" type="slidenum">
-              <a:rPr lang="en-GB"/>
-              <a:t>31</a:t>
-            </a:fld>
-            <a:endParaRPr lang="en-GB"/>
+            <a:r>
+              <a:rPr lang="en-US"/>
+              <a:t>4. KIỂM THỬ </a:t>
+            </a:r>
           </a:p>
         </p:txBody>
       </p:sp>
@@ -37668,8 +37858,8 @@
         </p:nvSpPr>
         <p:spPr>
           <a:xfrm>
-            <a:off x="35560" y="195580"/>
-            <a:ext cx="6029960" cy="581025"/>
+            <a:off x="107950" y="195580"/>
+            <a:ext cx="5910580" cy="713740"/>
           </a:xfrm>
         </p:spPr>
         <p:txBody>
@@ -37678,7 +37868,7 @@
           <a:p>
             <a:r>
               <a:rPr lang="en-US" sz="2800"/>
-              <a:t>4.2: Chọn trường ĐH theo điểm</a:t>
+              <a:t>4.1 Biểu đồ điểm từng môn học</a:t>
             </a:r>
           </a:p>
         </p:txBody>
@@ -37695,8 +37885,8 @@
         </p:nvSpPr>
         <p:spPr>
           <a:xfrm>
-            <a:off x="27305" y="1053465"/>
-            <a:ext cx="6038215" cy="3851275"/>
+            <a:off x="107950" y="963930"/>
+            <a:ext cx="5909945" cy="3940810"/>
           </a:xfrm>
         </p:spPr>
         <p:txBody>
@@ -37720,7 +37910,7 @@
             </a:r>
             <a:r>
               <a:rPr lang="en-US" sz="1800" dirty="0" err="1"/>
-              <a:t>Nhập</a:t>
+              <a:t>chọn</a:t>
             </a:r>
             <a:r>
               <a:rPr lang="en-US" sz="1800" dirty="0"/>
@@ -37728,7 +37918,15 @@
             </a:r>
             <a:r>
               <a:rPr lang="en-US" sz="1800" dirty="0" err="1"/>
-              <a:t>tổ</a:t>
+              <a:t>Toán</a:t>
+            </a:r>
+            <a:r>
+              <a:rPr lang="en-US" sz="1800" dirty="0"/>
+              <a:t> =&gt; </a:t>
+            </a:r>
+            <a:r>
+              <a:rPr lang="en-US" sz="1800" dirty="0" err="1"/>
+              <a:t>hiển</a:t>
             </a:r>
             <a:r>
               <a:rPr lang="en-US" sz="1800" dirty="0"/>
@@ -37736,7 +37934,7 @@
             </a:r>
             <a:r>
               <a:rPr lang="en-US" sz="1800" dirty="0" err="1"/>
-              <a:t>hợp</a:t>
+              <a:t>thị</a:t>
             </a:r>
             <a:r>
               <a:rPr lang="en-US" sz="1800" dirty="0"/>
@@ -37744,7 +37942,7 @@
             </a:r>
             <a:r>
               <a:rPr lang="en-US" sz="1800" dirty="0" err="1"/>
-              <a:t>điểm</a:t>
+              <a:t>phổ</a:t>
             </a:r>
             <a:r>
               <a:rPr lang="en-US" sz="1800" dirty="0"/>
@@ -37752,15 +37950,7 @@
             </a:r>
             <a:r>
               <a:rPr lang="en-US" sz="1800" dirty="0" err="1"/>
-              <a:t>khối</a:t>
-            </a:r>
-            <a:r>
-              <a:rPr lang="en-US" sz="1800" dirty="0"/>
-              <a:t> A, </a:t>
-            </a:r>
-            <a:r>
-              <a:rPr lang="en-US" sz="1800" dirty="0" err="1"/>
-              <a:t>chọn</a:t>
+              <a:t>điểm</a:t>
             </a:r>
             <a:r>
               <a:rPr lang="en-US" sz="1800" dirty="0"/>
@@ -37768,7 +37958,7 @@
             </a:r>
             <a:r>
               <a:rPr lang="en-US" sz="1800" dirty="0" err="1"/>
-              <a:t>khối</a:t>
+              <a:t>môn</a:t>
             </a:r>
             <a:r>
               <a:rPr lang="en-US" sz="1800" dirty="0"/>
@@ -37776,100 +37966,8 @@
             </a:r>
             <a:r>
               <a:rPr lang="en-US" sz="1800" dirty="0" err="1"/>
-              <a:t>nghành</a:t>
-            </a:r>
-            <a:r>
-              <a:rPr lang="en-US" sz="1800" dirty="0"/>
-              <a:t> CNTT, </a:t>
-            </a:r>
-            <a:r>
-              <a:rPr lang="en-US" sz="1800" dirty="0" err="1"/>
-              <a:t>tìm</a:t>
-            </a:r>
-            <a:r>
-              <a:rPr lang="en-US" sz="1800" dirty="0"/>
-              <a:t> </a:t>
-            </a:r>
-            <a:r>
-              <a:rPr lang="en-US" sz="1800" dirty="0" err="1"/>
-              <a:t>kiếm</a:t>
-            </a:r>
-            <a:endParaRPr lang="en-US" sz="1800" dirty="0"/>
-          </a:p>
-          <a:p>
-            <a:pPr marL="533400" lvl="1" indent="0">
-              <a:buNone/>
-            </a:pPr>
-            <a:r>
-              <a:rPr lang="en-US" sz="1800" dirty="0"/>
-              <a:t>	=&gt; </a:t>
-            </a:r>
-            <a:r>
-              <a:rPr lang="en-US" sz="1800" dirty="0" err="1"/>
-              <a:t>Hiển</a:t>
-            </a:r>
-            <a:r>
-              <a:rPr lang="en-US" sz="1800" dirty="0"/>
-              <a:t> </a:t>
-            </a:r>
-            <a:r>
-              <a:rPr lang="en-US" sz="1800" dirty="0" err="1"/>
-              <a:t>thị</a:t>
-            </a:r>
-            <a:r>
-              <a:rPr lang="en-US" sz="1800" dirty="0"/>
-              <a:t> </a:t>
-            </a:r>
-            <a:r>
-              <a:rPr lang="en-US" sz="1800" dirty="0" err="1"/>
-              <a:t>các</a:t>
-            </a:r>
-            <a:r>
-              <a:rPr lang="en-US" sz="1800" dirty="0"/>
-              <a:t> </a:t>
-            </a:r>
-            <a:r>
-              <a:rPr lang="en-US" sz="1800" dirty="0" err="1"/>
-              <a:t>trường</a:t>
-            </a:r>
-            <a:r>
-              <a:rPr lang="en-US" sz="1800" dirty="0"/>
-              <a:t> </a:t>
-            </a:r>
-            <a:r>
-              <a:rPr lang="en-US" sz="1800" dirty="0" err="1"/>
-              <a:t>có</a:t>
-            </a:r>
-            <a:r>
-              <a:rPr lang="en-US" sz="1800" dirty="0"/>
-              <a:t> </a:t>
-            </a:r>
-            <a:r>
-              <a:rPr lang="en-US" sz="1800" dirty="0" err="1"/>
-              <a:t>điểm</a:t>
-            </a:r>
-            <a:r>
-              <a:rPr lang="en-US" sz="1800" dirty="0"/>
-              <a:t> &lt;= </a:t>
-            </a:r>
-            <a:r>
-              <a:rPr lang="en-US" sz="1800" dirty="0" err="1"/>
-              <a:t>điểm</a:t>
-            </a:r>
-            <a:r>
-              <a:rPr lang="en-US" sz="1800" dirty="0"/>
-              <a:t> </a:t>
-            </a:r>
-            <a:r>
-              <a:rPr lang="en-US" sz="1800" dirty="0" err="1"/>
-              <a:t>nhập</a:t>
-            </a:r>
-            <a:endParaRPr lang="en-US" sz="1800" dirty="0"/>
-          </a:p>
-          <a:p>
-            <a:pPr marL="533400" lvl="1" indent="0">
-              <a:buNone/>
-            </a:pPr>
+              <a:t>Toán</a:t>
+            </a:r>
             <a:endParaRPr lang="en-US" sz="1800" dirty="0"/>
           </a:p>
           <a:p>
@@ -37884,7 +37982,7 @@
             </a:r>
             <a:r>
               <a:rPr lang="en-US" sz="1800" dirty="0" err="1"/>
-              <a:t>Nhập</a:t>
+              <a:t>chọn</a:t>
             </a:r>
             <a:r>
               <a:rPr lang="en-US" sz="1800" dirty="0"/>
@@ -37892,7 +37990,15 @@
             </a:r>
             <a:r>
               <a:rPr lang="en-US" sz="1800" dirty="0" err="1"/>
-              <a:t>tổ</a:t>
+              <a:t>Văn</a:t>
+            </a:r>
+            <a:r>
+              <a:rPr lang="en-US" sz="1800" dirty="0"/>
+              <a:t> =&gt; </a:t>
+            </a:r>
+            <a:r>
+              <a:rPr lang="en-US" sz="1800" dirty="0" err="1"/>
+              <a:t>hiển</a:t>
             </a:r>
             <a:r>
               <a:rPr lang="en-US" sz="1800" dirty="0"/>
@@ -37900,7 +38006,7 @@
             </a:r>
             <a:r>
               <a:rPr lang="en-US" sz="1800" dirty="0" err="1"/>
-              <a:t>hợp</a:t>
+              <a:t>thị</a:t>
             </a:r>
             <a:r>
               <a:rPr lang="en-US" sz="1800" dirty="0"/>
@@ -37908,23 +38014,7 @@
             </a:r>
             <a:r>
               <a:rPr lang="en-US" sz="1800" dirty="0" err="1"/>
-              <a:t>khối</a:t>
-            </a:r>
-            <a:r>
-              <a:rPr lang="en-US" sz="1800" dirty="0"/>
-              <a:t> D, </a:t>
-            </a:r>
-            <a:r>
-              <a:rPr lang="en-US" sz="1800" dirty="0" err="1"/>
-              <a:t>chọn</a:t>
-            </a:r>
-            <a:r>
-              <a:rPr lang="en-US" sz="1800" dirty="0"/>
-              <a:t> QTKD, </a:t>
-            </a:r>
-            <a:r>
-              <a:rPr lang="en-US" sz="1800" dirty="0" err="1"/>
-              <a:t>tìm</a:t>
+              <a:t>phổ</a:t>
             </a:r>
             <a:r>
               <a:rPr lang="en-US" sz="1800" dirty="0"/>
@@ -37932,21 +38022,7 @@
             </a:r>
             <a:r>
               <a:rPr lang="en-US" sz="1800" dirty="0" err="1"/>
-              <a:t>kiếm</a:t>
-            </a:r>
-            <a:endParaRPr lang="en-US" sz="1800" dirty="0"/>
-          </a:p>
-          <a:p>
-            <a:pPr marL="990600" lvl="2" indent="0">
-              <a:buNone/>
-            </a:pPr>
-            <a:r>
-              <a:rPr lang="en-US" sz="1800" dirty="0"/>
-              <a:t>=&gt; </a:t>
-            </a:r>
-            <a:r>
-              <a:rPr lang="en-US" sz="1800" dirty="0" err="1"/>
-              <a:t>Hiển</a:t>
+              <a:t>điểm</a:t>
             </a:r>
             <a:r>
               <a:rPr lang="en-US" sz="1800" dirty="0"/>
@@ -37954,7 +38030,7 @@
             </a:r>
             <a:r>
               <a:rPr lang="en-US" sz="1800" dirty="0" err="1"/>
-              <a:t>thị</a:t>
+              <a:t>môn</a:t>
             </a:r>
             <a:r>
               <a:rPr lang="en-US" sz="1800" dirty="0"/>
@@ -37962,54 +38038,8 @@
             </a:r>
             <a:r>
               <a:rPr lang="en-US" sz="1800" dirty="0" err="1"/>
-              <a:t>các</a:t>
-            </a:r>
-            <a:r>
-              <a:rPr lang="en-US" sz="1800" dirty="0"/>
-              <a:t> </a:t>
-            </a:r>
-            <a:r>
-              <a:rPr lang="en-US" sz="1800" dirty="0" err="1"/>
-              <a:t>trường</a:t>
-            </a:r>
-            <a:r>
-              <a:rPr lang="en-US" sz="1800" dirty="0"/>
-              <a:t> </a:t>
-            </a:r>
-            <a:r>
-              <a:rPr lang="en-US" sz="1800" dirty="0" err="1"/>
-              <a:t>có</a:t>
-            </a:r>
-            <a:r>
-              <a:rPr lang="en-US" sz="1800" dirty="0"/>
-              <a:t> </a:t>
-            </a:r>
-            <a:r>
-              <a:rPr lang="en-US" sz="1800" dirty="0" err="1"/>
-              <a:t>điểm</a:t>
-            </a:r>
-            <a:r>
-              <a:rPr lang="en-US" sz="1800" dirty="0"/>
-              <a:t> &lt;= </a:t>
-            </a:r>
-            <a:r>
-              <a:rPr lang="en-US" sz="1800" dirty="0" err="1"/>
-              <a:t>điểm</a:t>
-            </a:r>
-            <a:r>
-              <a:rPr lang="en-US" sz="1800" dirty="0"/>
-              <a:t> </a:t>
-            </a:r>
-            <a:r>
-              <a:rPr lang="en-US" sz="1800" dirty="0" err="1"/>
-              <a:t>nhập</a:t>
-            </a:r>
-            <a:endParaRPr lang="en-US" sz="1800" dirty="0"/>
-          </a:p>
-          <a:p>
-            <a:pPr marL="990600" lvl="2" indent="0">
-              <a:buNone/>
-            </a:pPr>
+              <a:t>Văn</a:t>
+            </a:r>
             <a:endParaRPr lang="en-US" sz="1800" dirty="0"/>
           </a:p>
           <a:p>
@@ -38024,7 +38054,7 @@
             </a:r>
             <a:r>
               <a:rPr lang="en-US" sz="1800" dirty="0" err="1"/>
-              <a:t>Nhập</a:t>
+              <a:t>chọn</a:t>
             </a:r>
             <a:r>
               <a:rPr lang="en-US" sz="1800" dirty="0"/>
@@ -38032,7 +38062,15 @@
             </a:r>
             <a:r>
               <a:rPr lang="en-US" sz="1800" dirty="0" err="1"/>
-              <a:t>tổ</a:t>
+              <a:t>T.Anh</a:t>
+            </a:r>
+            <a:r>
+              <a:rPr lang="en-US" sz="1800" dirty="0"/>
+              <a:t> =&gt; </a:t>
+            </a:r>
+            <a:r>
+              <a:rPr lang="en-US" sz="1800" dirty="0" err="1"/>
+              <a:t>hiển</a:t>
             </a:r>
             <a:r>
               <a:rPr lang="en-US" sz="1800" dirty="0"/>
@@ -38040,7 +38078,7 @@
             </a:r>
             <a:r>
               <a:rPr lang="en-US" sz="1800" dirty="0" err="1"/>
-              <a:t>hợp</a:t>
+              <a:t>thị</a:t>
             </a:r>
             <a:r>
               <a:rPr lang="en-US" sz="1800" dirty="0"/>
@@ -38048,11 +38086,38 @@
             </a:r>
             <a:r>
               <a:rPr lang="en-US" sz="1800" dirty="0" err="1"/>
-              <a:t>khối</a:t>
+              <a:t>phổ</a:t>
             </a:r>
             <a:r>
               <a:rPr lang="en-US" sz="1800" dirty="0"/>
-              <a:t> B, </a:t>
+              <a:t> </a:t>
+            </a:r>
+            <a:r>
+              <a:rPr lang="en-US" sz="1800" dirty="0" err="1"/>
+              <a:t>điểm</a:t>
+            </a:r>
+            <a:r>
+              <a:rPr lang="en-US" sz="1800" dirty="0"/>
+              <a:t> </a:t>
+            </a:r>
+            <a:r>
+              <a:rPr lang="en-US" sz="1800" dirty="0" err="1"/>
+              <a:t>môn</a:t>
+            </a:r>
+            <a:r>
+              <a:rPr lang="en-US" sz="1800" dirty="0"/>
+              <a:t> Anh</a:t>
+            </a:r>
+          </a:p>
+          <a:p>
+            <a:pPr lvl="1"/>
+            <a:r>
+              <a:rPr lang="en-US" sz="1800" dirty="0" err="1"/>
+              <a:t>Lần</a:t>
+            </a:r>
+            <a:r>
+              <a:rPr lang="en-US" sz="1800" dirty="0"/>
+              <a:t> 4: </a:t>
             </a:r>
             <a:r>
               <a:rPr lang="en-US" sz="1800" dirty="0" err="1"/>
@@ -38064,7 +38129,15 @@
             </a:r>
             <a:r>
               <a:rPr lang="en-US" sz="1800" dirty="0" err="1"/>
-              <a:t>nghành</a:t>
+              <a:t>Lý</a:t>
+            </a:r>
+            <a:r>
+              <a:rPr lang="en-US" sz="1800" dirty="0"/>
+              <a:t> =&gt; </a:t>
+            </a:r>
+            <a:r>
+              <a:rPr lang="en-US" sz="1800" dirty="0" err="1"/>
+              <a:t>hiển</a:t>
             </a:r>
             <a:r>
               <a:rPr lang="en-US" sz="1800" dirty="0"/>
@@ -38072,15 +38145,7 @@
             </a:r>
             <a:r>
               <a:rPr lang="en-US" sz="1800" dirty="0" err="1"/>
-              <a:t>Dược</a:t>
-            </a:r>
-            <a:r>
-              <a:rPr lang="en-US" sz="1800" dirty="0"/>
-              <a:t>, </a:t>
-            </a:r>
-            <a:r>
-              <a:rPr lang="en-US" sz="1800" dirty="0" err="1"/>
-              <a:t>tìm</a:t>
+              <a:t>thị</a:t>
             </a:r>
             <a:r>
               <a:rPr lang="en-US" sz="1800" dirty="0"/>
@@ -38088,21 +38153,47 @@
             </a:r>
             <a:r>
               <a:rPr lang="en-US" sz="1800" dirty="0" err="1"/>
-              <a:t>kiếm</a:t>
+              <a:t>phổ</a:t>
+            </a:r>
+            <a:r>
+              <a:rPr lang="en-US" sz="1800" dirty="0"/>
+              <a:t> </a:t>
+            </a:r>
+            <a:r>
+              <a:rPr lang="en-US" sz="1800" dirty="0" err="1"/>
+              <a:t>điểm</a:t>
+            </a:r>
+            <a:r>
+              <a:rPr lang="en-US" sz="1800" dirty="0"/>
+              <a:t> </a:t>
+            </a:r>
+            <a:r>
+              <a:rPr lang="en-US" sz="1800" dirty="0" err="1"/>
+              <a:t>môn</a:t>
+            </a:r>
+            <a:r>
+              <a:rPr lang="en-US" sz="1800" dirty="0"/>
+              <a:t> </a:t>
+            </a:r>
+            <a:r>
+              <a:rPr lang="en-US" sz="1800" dirty="0" err="1"/>
+              <a:t>Lý</a:t>
             </a:r>
             <a:endParaRPr lang="en-US" sz="1800" dirty="0"/>
           </a:p>
           <a:p>
-            <a:pPr marL="76200" indent="0">
-              <a:buNone/>
-            </a:pPr>
+            <a:pPr lvl="1"/>
+            <a:r>
+              <a:rPr lang="en-US" sz="1800" dirty="0" err="1"/>
+              <a:t>Lần</a:t>
+            </a:r>
             <a:r>
               <a:rPr lang="en-US" sz="1800" dirty="0"/>
-              <a:t>	=&gt; </a:t>
+              <a:t> 5: </a:t>
             </a:r>
             <a:r>
               <a:rPr lang="en-US" sz="1800" dirty="0" err="1"/>
-              <a:t>Hiển</a:t>
+              <a:t>chọn</a:t>
             </a:r>
             <a:r>
               <a:rPr lang="en-US" sz="1800" dirty="0"/>
@@ -38110,7 +38201,15 @@
             </a:r>
             <a:r>
               <a:rPr lang="en-US" sz="1800" dirty="0" err="1"/>
-              <a:t>thị</a:t>
+              <a:t>Hóa</a:t>
+            </a:r>
+            <a:r>
+              <a:rPr lang="en-US" sz="1800" dirty="0"/>
+              <a:t> =&gt; </a:t>
+            </a:r>
+            <a:r>
+              <a:rPr lang="en-US" sz="1800" dirty="0" err="1"/>
+              <a:t>hiển</a:t>
             </a:r>
             <a:r>
               <a:rPr lang="en-US" sz="1800" dirty="0"/>
@@ -38118,7 +38217,7 @@
             </a:r>
             <a:r>
               <a:rPr lang="en-US" sz="1800" dirty="0" err="1"/>
-              <a:t>các</a:t>
+              <a:t>thị</a:t>
             </a:r>
             <a:r>
               <a:rPr lang="en-US" sz="1800" dirty="0"/>
@@ -38126,7 +38225,7 @@
             </a:r>
             <a:r>
               <a:rPr lang="en-US" sz="1800" dirty="0" err="1"/>
-              <a:t>trường</a:t>
+              <a:t>phổ</a:t>
             </a:r>
             <a:r>
               <a:rPr lang="en-US" sz="1800" dirty="0"/>
@@ -38134,7 +38233,7 @@
             </a:r>
             <a:r>
               <a:rPr lang="en-US" sz="1800" dirty="0" err="1"/>
-              <a:t>có</a:t>
+              <a:t>điểm</a:t>
             </a:r>
             <a:r>
               <a:rPr lang="en-US" sz="1800" dirty="0"/>
@@ -38142,11 +38241,67 @@
             </a:r>
             <a:r>
               <a:rPr lang="en-US" sz="1800" dirty="0" err="1"/>
-              <a:t>điểm</a:t>
+              <a:t>môn</a:t>
             </a:r>
             <a:r>
               <a:rPr lang="en-US" sz="1800" dirty="0"/>
-              <a:t> &lt;= </a:t>
+              <a:t> </a:t>
+            </a:r>
+            <a:r>
+              <a:rPr lang="en-US" sz="1800" dirty="0" err="1"/>
+              <a:t>Hóa</a:t>
+            </a:r>
+            <a:endParaRPr lang="en-US" sz="1800" dirty="0"/>
+          </a:p>
+          <a:p>
+            <a:pPr lvl="1"/>
+            <a:r>
+              <a:rPr lang="en-US" sz="1800" dirty="0" err="1"/>
+              <a:t>Lần</a:t>
+            </a:r>
+            <a:r>
+              <a:rPr lang="en-US" sz="1800" dirty="0"/>
+              <a:t> 6: </a:t>
+            </a:r>
+            <a:r>
+              <a:rPr lang="en-US" sz="1800" dirty="0" err="1"/>
+              <a:t>chọn</a:t>
+            </a:r>
+            <a:r>
+              <a:rPr lang="en-US" sz="1800" dirty="0"/>
+              <a:t> </a:t>
+            </a:r>
+            <a:r>
+              <a:rPr lang="en-US" sz="1800" dirty="0" err="1"/>
+              <a:t>Sinh</a:t>
+            </a:r>
+            <a:r>
+              <a:rPr lang="en-US" sz="1800" dirty="0"/>
+              <a:t> =&gt; </a:t>
+            </a:r>
+            <a:r>
+              <a:rPr lang="en-US" sz="1800" dirty="0" err="1"/>
+              <a:t>hiển</a:t>
+            </a:r>
+            <a:r>
+              <a:rPr lang="en-US" sz="1800" dirty="0"/>
+              <a:t> </a:t>
+            </a:r>
+            <a:r>
+              <a:rPr lang="en-US" sz="1800" dirty="0" err="1"/>
+              <a:t>thị</a:t>
+            </a:r>
+            <a:r>
+              <a:rPr lang="en-US" sz="1800" dirty="0"/>
+              <a:t> </a:t>
+            </a:r>
+            <a:r>
+              <a:rPr lang="en-US" sz="1800" dirty="0" err="1"/>
+              <a:t>phổ</a:t>
+            </a:r>
+            <a:r>
+              <a:rPr lang="en-US" sz="1800" dirty="0"/>
+              <a:t> </a:t>
             </a:r>
             <a:r>
               <a:rPr lang="en-US" sz="1800" dirty="0" err="1"/>
@@ -38158,9 +38313,220 @@
             </a:r>
             <a:r>
               <a:rPr lang="en-US" sz="1800" dirty="0" err="1"/>
-              <a:t>nhập</a:t>
+              <a:t>môn</a:t>
+            </a:r>
+            <a:r>
+              <a:rPr lang="en-US" sz="1800" dirty="0"/>
+              <a:t> </a:t>
+            </a:r>
+            <a:r>
+              <a:rPr lang="en-US" sz="1800" dirty="0" err="1"/>
+              <a:t>Sinh</a:t>
             </a:r>
             <a:endParaRPr lang="en-US" sz="1800" dirty="0"/>
+          </a:p>
+          <a:p>
+            <a:pPr lvl="1"/>
+            <a:r>
+              <a:rPr lang="en-US" sz="1800" dirty="0" err="1"/>
+              <a:t>Lần</a:t>
+            </a:r>
+            <a:r>
+              <a:rPr lang="en-US" sz="1800" dirty="0"/>
+              <a:t> 7: </a:t>
+            </a:r>
+            <a:r>
+              <a:rPr lang="en-US" sz="1800" dirty="0" err="1"/>
+              <a:t>chọn</a:t>
+            </a:r>
+            <a:r>
+              <a:rPr lang="en-US" sz="1800" dirty="0"/>
+              <a:t> </a:t>
+            </a:r>
+            <a:r>
+              <a:rPr lang="en-US" sz="1800" dirty="0" err="1"/>
+              <a:t>Sử</a:t>
+            </a:r>
+            <a:r>
+              <a:rPr lang="en-US" sz="1800" dirty="0"/>
+              <a:t> =&gt; </a:t>
+            </a:r>
+            <a:r>
+              <a:rPr lang="en-US" sz="1800" dirty="0" err="1"/>
+              <a:t>hiển</a:t>
+            </a:r>
+            <a:r>
+              <a:rPr lang="en-US" sz="1800" dirty="0"/>
+              <a:t> </a:t>
+            </a:r>
+            <a:r>
+              <a:rPr lang="en-US" sz="1800" dirty="0" err="1"/>
+              <a:t>thị</a:t>
+            </a:r>
+            <a:r>
+              <a:rPr lang="en-US" sz="1800" dirty="0"/>
+              <a:t> </a:t>
+            </a:r>
+            <a:r>
+              <a:rPr lang="en-US" sz="1800" dirty="0" err="1"/>
+              <a:t>phổ</a:t>
+            </a:r>
+            <a:r>
+              <a:rPr lang="en-US" sz="1800" dirty="0"/>
+              <a:t> </a:t>
+            </a:r>
+            <a:r>
+              <a:rPr lang="en-US" sz="1800" dirty="0" err="1"/>
+              <a:t>điểm</a:t>
+            </a:r>
+            <a:r>
+              <a:rPr lang="en-US" sz="1800" dirty="0"/>
+              <a:t> </a:t>
+            </a:r>
+            <a:r>
+              <a:rPr lang="en-US" sz="1800" dirty="0" err="1"/>
+              <a:t>môn</a:t>
+            </a:r>
+            <a:r>
+              <a:rPr lang="en-US" sz="1800" dirty="0"/>
+              <a:t> </a:t>
+            </a:r>
+            <a:r>
+              <a:rPr lang="en-US" sz="1800" dirty="0" err="1"/>
+              <a:t>Sử</a:t>
+            </a:r>
+            <a:endParaRPr lang="en-US" sz="1800" dirty="0"/>
+          </a:p>
+          <a:p>
+            <a:pPr lvl="1"/>
+            <a:r>
+              <a:rPr lang="en-US" sz="1800" dirty="0" err="1"/>
+              <a:t>Lần</a:t>
+            </a:r>
+            <a:r>
+              <a:rPr lang="en-US" sz="1800" dirty="0"/>
+              <a:t> 8: </a:t>
+            </a:r>
+            <a:r>
+              <a:rPr lang="en-US" sz="1800" dirty="0" err="1"/>
+              <a:t>chọn</a:t>
+            </a:r>
+            <a:r>
+              <a:rPr lang="en-US" sz="1800" dirty="0"/>
+              <a:t> </a:t>
+            </a:r>
+            <a:r>
+              <a:rPr lang="en-US" sz="1800" dirty="0" err="1"/>
+              <a:t>Địa</a:t>
+            </a:r>
+            <a:r>
+              <a:rPr lang="en-US" sz="1800" dirty="0"/>
+              <a:t> =&gt; </a:t>
+            </a:r>
+            <a:r>
+              <a:rPr lang="en-US" sz="1800" dirty="0" err="1"/>
+              <a:t>hiển</a:t>
+            </a:r>
+            <a:r>
+              <a:rPr lang="en-US" sz="1800" dirty="0"/>
+              <a:t> </a:t>
+            </a:r>
+            <a:r>
+              <a:rPr lang="en-US" sz="1800" dirty="0" err="1"/>
+              <a:t>thị</a:t>
+            </a:r>
+            <a:r>
+              <a:rPr lang="en-US" sz="1800" dirty="0"/>
+              <a:t> </a:t>
+            </a:r>
+            <a:r>
+              <a:rPr lang="en-US" sz="1800" dirty="0" err="1"/>
+              <a:t>phổ</a:t>
+            </a:r>
+            <a:r>
+              <a:rPr lang="en-US" sz="1800" dirty="0"/>
+              <a:t> </a:t>
+            </a:r>
+            <a:r>
+              <a:rPr lang="en-US" sz="1800" dirty="0" err="1"/>
+              <a:t>điểm</a:t>
+            </a:r>
+            <a:r>
+              <a:rPr lang="en-US" sz="1800" dirty="0"/>
+              <a:t> </a:t>
+            </a:r>
+            <a:r>
+              <a:rPr lang="en-US" sz="1800" dirty="0" err="1"/>
+              <a:t>môn</a:t>
+            </a:r>
+            <a:r>
+              <a:rPr lang="en-US" sz="1800" dirty="0"/>
+              <a:t> </a:t>
+            </a:r>
+            <a:r>
+              <a:rPr lang="en-US" sz="1800" dirty="0" err="1"/>
+              <a:t>Địa</a:t>
+            </a:r>
+            <a:endParaRPr lang="en-US" sz="1800" dirty="0"/>
+          </a:p>
+          <a:p>
+            <a:pPr lvl="1"/>
+            <a:r>
+              <a:rPr lang="en-US" sz="1800" dirty="0" err="1"/>
+              <a:t>Lần</a:t>
+            </a:r>
+            <a:r>
+              <a:rPr lang="en-US" sz="1800" dirty="0"/>
+              <a:t> 9: </a:t>
+            </a:r>
+            <a:r>
+              <a:rPr lang="en-US" sz="1800" dirty="0" err="1"/>
+              <a:t>chọn</a:t>
+            </a:r>
+            <a:r>
+              <a:rPr lang="en-US" sz="1800" dirty="0"/>
+              <a:t> GDCD: </a:t>
+            </a:r>
+            <a:r>
+              <a:rPr lang="en-US" sz="1800" dirty="0" err="1"/>
+              <a:t>hiển</a:t>
+            </a:r>
+            <a:r>
+              <a:rPr lang="en-US" sz="1800" dirty="0"/>
+              <a:t> </a:t>
+            </a:r>
+            <a:r>
+              <a:rPr lang="en-US" sz="1800" dirty="0" err="1"/>
+              <a:t>thị</a:t>
+            </a:r>
+            <a:r>
+              <a:rPr lang="en-US" sz="1800" dirty="0"/>
+              <a:t> </a:t>
+            </a:r>
+            <a:r>
+              <a:rPr lang="en-US" sz="1800" dirty="0" err="1"/>
+              <a:t>phổ</a:t>
+            </a:r>
+            <a:r>
+              <a:rPr lang="en-US" sz="1800" dirty="0"/>
+              <a:t> </a:t>
+            </a:r>
+            <a:r>
+              <a:rPr lang="en-US" sz="1800" dirty="0" err="1"/>
+              <a:t>điểm</a:t>
+            </a:r>
+            <a:r>
+              <a:rPr lang="en-US" sz="1800" dirty="0"/>
+              <a:t> </a:t>
+            </a:r>
+            <a:r>
+              <a:rPr lang="en-US" sz="1800" dirty="0" err="1"/>
+              <a:t>môn</a:t>
+            </a:r>
+            <a:r>
+              <a:rPr lang="en-US" sz="1800" dirty="0"/>
+              <a:t> GDCD</a:t>
+            </a:r>
           </a:p>
         </p:txBody>
       </p:sp>
@@ -38236,8 +38602,8 @@
         </p:nvSpPr>
         <p:spPr>
           <a:xfrm>
-            <a:off x="107950" y="195580"/>
-            <a:ext cx="5910580" cy="1108710"/>
+            <a:off x="35560" y="195580"/>
+            <a:ext cx="6029960" cy="581025"/>
           </a:xfrm>
         </p:spPr>
         <p:txBody>
@@ -38246,7 +38612,7 @@
           <a:p>
             <a:r>
               <a:rPr lang="en-US" sz="2800"/>
-              <a:t>4.3 So sánh các ngành học giữa các trường</a:t>
+              <a:t>4.2: Chọn trường ĐH theo điểm</a:t>
             </a:r>
           </a:p>
         </p:txBody>
@@ -38263,8 +38629,8 @@
         </p:nvSpPr>
         <p:spPr>
           <a:xfrm>
-            <a:off x="107950" y="1303655"/>
-            <a:ext cx="5909945" cy="3601085"/>
+            <a:off x="27305" y="1053465"/>
+            <a:ext cx="6038215" cy="3851275"/>
           </a:xfrm>
         </p:spPr>
         <p:txBody>
@@ -38288,7 +38654,7 @@
             </a:r>
             <a:r>
               <a:rPr lang="en-US" sz="1800" dirty="0" err="1"/>
-              <a:t>chọn</a:t>
+              <a:t>Nhập</a:t>
             </a:r>
             <a:r>
               <a:rPr lang="en-US" sz="1800" dirty="0"/>
@@ -38296,7 +38662,7 @@
             </a:r>
             <a:r>
               <a:rPr lang="en-US" sz="1800" dirty="0" err="1"/>
-              <a:t>khối</a:t>
+              <a:t>tổ</a:t>
             </a:r>
             <a:r>
               <a:rPr lang="en-US" sz="1800" dirty="0"/>
@@ -38304,15 +38670,68 @@
             </a:r>
             <a:r>
               <a:rPr lang="en-US" sz="1800" dirty="0" err="1"/>
+              <a:t>hợp</a:t>
+            </a:r>
+            <a:r>
+              <a:rPr lang="en-US" sz="1800" dirty="0"/>
+              <a:t> </a:t>
+            </a:r>
+            <a:r>
+              <a:rPr lang="en-US" sz="1800" dirty="0" err="1"/>
+              <a:t>điểm</a:t>
+            </a:r>
+            <a:r>
+              <a:rPr lang="en-US" sz="1800" dirty="0"/>
+              <a:t> </a:t>
+            </a:r>
+            <a:r>
+              <a:rPr lang="en-US" sz="1800" dirty="0" err="1"/>
+              <a:t>khối</a:t>
+            </a:r>
+            <a:r>
+              <a:rPr lang="en-US" sz="1800" dirty="0"/>
+              <a:t> A, </a:t>
+            </a:r>
+            <a:r>
+              <a:rPr lang="en-US" sz="1800" dirty="0" err="1"/>
+              <a:t>chọn</a:t>
+            </a:r>
+            <a:r>
+              <a:rPr lang="en-US" sz="1800" dirty="0"/>
+              <a:t> </a:t>
+            </a:r>
+            <a:r>
+              <a:rPr lang="en-US" sz="1800" dirty="0" err="1"/>
+              <a:t>khối</a:t>
+            </a:r>
+            <a:r>
+              <a:rPr lang="en-US" sz="1800" dirty="0"/>
+              <a:t> </a:t>
+            </a:r>
+            <a:r>
+              <a:rPr lang="en-US" sz="1800" dirty="0" err="1"/>
               <a:t>nghành</a:t>
             </a:r>
             <a:r>
               <a:rPr lang="en-US" sz="1800" dirty="0"/>
-              <a:t> CNTT</a:t>
-            </a:r>
+              <a:t> CNTT, </a:t>
+            </a:r>
+            <a:r>
+              <a:rPr lang="en-US" sz="1800" dirty="0" err="1"/>
+              <a:t>tìm</a:t>
+            </a:r>
+            <a:r>
+              <a:rPr lang="en-US" sz="1800" dirty="0"/>
+              <a:t> </a:t>
+            </a:r>
+            <a:r>
+              <a:rPr lang="en-US" sz="1800" dirty="0" err="1"/>
+              <a:t>kiếm</a:t>
+            </a:r>
+            <a:endParaRPr lang="en-US" sz="1800" dirty="0"/>
           </a:p>
           <a:p>
-            <a:pPr marL="76200" indent="0">
+            <a:pPr marL="533400" lvl="1" indent="0">
               <a:buNone/>
             </a:pPr>
             <a:r>
@@ -38361,15 +38780,15 @@
             </a:r>
             <a:r>
               <a:rPr lang="en-US" sz="1800" dirty="0" err="1"/>
-              <a:t>nghành</a:t>
+              <a:t>điểm</a:t>
             </a:r>
             <a:r>
               <a:rPr lang="en-US" sz="1800" dirty="0"/>
-              <a:t> CNTT </a:t>
+              <a:t> &lt;= </a:t>
             </a:r>
             <a:r>
               <a:rPr lang="en-US" sz="1800" dirty="0" err="1"/>
-              <a:t>cùng</a:t>
+              <a:t>điểm</a:t>
             </a:r>
             <a:r>
               <a:rPr lang="en-US" sz="1800" dirty="0"/>
@@ -38377,32 +38796,14 @@
             </a:r>
             <a:r>
               <a:rPr lang="en-US" sz="1800" dirty="0" err="1"/>
-              <a:t>các</a:t>
-            </a:r>
-            <a:r>
-              <a:rPr lang="en-US" sz="1800" dirty="0"/>
-              <a:t> 	</a:t>
-            </a:r>
-            <a:r>
-              <a:rPr lang="en-US" sz="1800" dirty="0" err="1"/>
-              <a:t>thông</a:t>
-            </a:r>
-            <a:r>
-              <a:rPr lang="en-US" sz="1800" dirty="0"/>
-              <a:t> tin </a:t>
-            </a:r>
-            <a:r>
-              <a:rPr lang="en-US" sz="1800" dirty="0" err="1"/>
-              <a:t>liên</a:t>
-            </a:r>
-            <a:r>
-              <a:rPr lang="en-US" sz="1800" dirty="0"/>
-              <a:t> </a:t>
-            </a:r>
-            <a:r>
-              <a:rPr lang="en-US" sz="1800" dirty="0" err="1"/>
-              <a:t>quan</a:t>
-            </a:r>
+              <a:t>nhập</a:t>
+            </a:r>
+            <a:endParaRPr lang="en-US" sz="1800" dirty="0"/>
+          </a:p>
+          <a:p>
+            <a:pPr marL="533400" lvl="1" indent="0">
+              <a:buNone/>
+            </a:pPr>
             <a:endParaRPr lang="en-US" sz="1800" dirty="0"/>
           </a:p>
           <a:p>
@@ -38417,20 +38818,65 @@
             </a:r>
             <a:r>
               <a:rPr lang="en-US" sz="1800" dirty="0" err="1"/>
+              <a:t>Nhập</a:t>
+            </a:r>
+            <a:r>
+              <a:rPr lang="en-US" sz="1800" dirty="0"/>
+              <a:t> </a:t>
+            </a:r>
+            <a:r>
+              <a:rPr lang="en-US" sz="1800" dirty="0" err="1"/>
+              <a:t>tổ</a:t>
+            </a:r>
+            <a:r>
+              <a:rPr lang="en-US" sz="1800" dirty="0"/>
+              <a:t> </a:t>
+            </a:r>
+            <a:r>
+              <a:rPr lang="en-US" sz="1800" dirty="0" err="1"/>
+              <a:t>hợp</a:t>
+            </a:r>
+            <a:r>
+              <a:rPr lang="en-US" sz="1800" dirty="0"/>
+              <a:t> </a:t>
+            </a:r>
+            <a:r>
+              <a:rPr lang="en-US" sz="1800" dirty="0" err="1"/>
+              <a:t>khối</a:t>
+            </a:r>
+            <a:r>
+              <a:rPr lang="en-US" sz="1800" dirty="0"/>
+              <a:t> D, </a:t>
+            </a:r>
+            <a:r>
+              <a:rPr lang="en-US" sz="1800" dirty="0" err="1"/>
               <a:t>chọn</a:t>
             </a:r>
             <a:r>
               <a:rPr lang="en-US" sz="1800" dirty="0"/>
-              <a:t> QTKD</a:t>
-            </a:r>
+              <a:t> QTKD, </a:t>
+            </a:r>
+            <a:r>
+              <a:rPr lang="en-US" sz="1800" dirty="0" err="1"/>
+              <a:t>tìm</a:t>
+            </a:r>
+            <a:r>
+              <a:rPr lang="en-US" sz="1800" dirty="0"/>
+              <a:t> </a:t>
+            </a:r>
+            <a:r>
+              <a:rPr lang="en-US" sz="1800" dirty="0" err="1"/>
+              <a:t>kiếm</a:t>
+            </a:r>
+            <a:endParaRPr lang="en-US" sz="1800" dirty="0"/>
           </a:p>
           <a:p>
-            <a:pPr marL="76200" indent="0">
+            <a:pPr marL="990600" lvl="2" indent="0">
               <a:buNone/>
             </a:pPr>
             <a:r>
               <a:rPr lang="en-US" sz="1800" dirty="0"/>
-              <a:t>	=&gt; </a:t>
+              <a:t>=&gt; </a:t>
             </a:r>
             <a:r>
               <a:rPr lang="en-US" sz="1800" dirty="0" err="1"/>
@@ -38474,7 +38920,15 @@
             </a:r>
             <a:r>
               <a:rPr lang="en-US" sz="1800" dirty="0" err="1"/>
-              <a:t>khối</a:t>
+              <a:t>điểm</a:t>
+            </a:r>
+            <a:r>
+              <a:rPr lang="en-US" sz="1800" dirty="0"/>
+              <a:t> &lt;= </a:t>
+            </a:r>
+            <a:r>
+              <a:rPr lang="en-US" sz="1800" dirty="0" err="1"/>
+              <a:t>điểm</a:t>
             </a:r>
             <a:r>
               <a:rPr lang="en-US" sz="1800" dirty="0"/>
@@ -38482,48 +38936,14 @@
             </a:r>
             <a:r>
               <a:rPr lang="en-US" sz="1800" dirty="0" err="1"/>
-              <a:t>nghành</a:t>
-            </a:r>
-            <a:r>
-              <a:rPr lang="en-US" sz="1800" dirty="0"/>
-              <a:t> QTKD </a:t>
-            </a:r>
-            <a:r>
-              <a:rPr lang="en-US" sz="1800" dirty="0" err="1"/>
-              <a:t>cùng</a:t>
-            </a:r>
-            <a:r>
-              <a:rPr lang="en-US" sz="1800" dirty="0"/>
-              <a:t> 	</a:t>
-            </a:r>
-            <a:r>
-              <a:rPr lang="en-US" sz="1800" dirty="0" err="1"/>
-              <a:t>các</a:t>
-            </a:r>
-            <a:r>
-              <a:rPr lang="en-US" sz="1800" dirty="0"/>
-              <a:t> </a:t>
-            </a:r>
-            <a:r>
-              <a:rPr lang="en-US" sz="1800" dirty="0" err="1"/>
-              <a:t>thông</a:t>
-            </a:r>
-            <a:r>
-              <a:rPr lang="en-US" sz="1800" dirty="0"/>
-              <a:t> tin </a:t>
-            </a:r>
-            <a:r>
-              <a:rPr lang="en-US" sz="1800" dirty="0" err="1"/>
-              <a:t>liên</a:t>
-            </a:r>
-            <a:r>
-              <a:rPr lang="en-US" sz="1800" dirty="0"/>
-              <a:t> </a:t>
-            </a:r>
-            <a:r>
-              <a:rPr lang="en-US" sz="1800" dirty="0" err="1"/>
-              <a:t>quan</a:t>
-            </a:r>
+              <a:t>nhập</a:t>
+            </a:r>
+            <a:endParaRPr lang="en-US" sz="1800" dirty="0"/>
+          </a:p>
+          <a:p>
+            <a:pPr marL="990600" lvl="2" indent="0">
+              <a:buNone/>
+            </a:pPr>
             <a:endParaRPr lang="en-US" sz="1800" dirty="0"/>
           </a:p>
           <a:p>
@@ -38538,7 +38958,7 @@
             </a:r>
             <a:r>
               <a:rPr lang="en-US" sz="1800" dirty="0" err="1"/>
-              <a:t>chọn</a:t>
+              <a:t>Nhập</a:t>
             </a:r>
             <a:r>
               <a:rPr lang="en-US" sz="1800" dirty="0"/>
@@ -38546,7 +38966,7 @@
             </a:r>
             <a:r>
               <a:rPr lang="en-US" sz="1800" dirty="0" err="1"/>
-              <a:t>nghành</a:t>
+              <a:t>tổ</a:t>
             </a:r>
             <a:r>
               <a:rPr lang="en-US" sz="1800" dirty="0"/>
@@ -38554,7 +38974,55 @@
             </a:r>
             <a:r>
               <a:rPr lang="en-US" sz="1800" dirty="0" err="1"/>
+              <a:t>hợp</a:t>
+            </a:r>
+            <a:r>
+              <a:rPr lang="en-US" sz="1800" dirty="0"/>
+              <a:t> </a:t>
+            </a:r>
+            <a:r>
+              <a:rPr lang="en-US" sz="1800" dirty="0" err="1"/>
+              <a:t>khối</a:t>
+            </a:r>
+            <a:r>
+              <a:rPr lang="en-US" sz="1800" dirty="0"/>
+              <a:t> B, </a:t>
+            </a:r>
+            <a:r>
+              <a:rPr lang="en-US" sz="1800" dirty="0" err="1"/>
+              <a:t>chọn</a:t>
+            </a:r>
+            <a:r>
+              <a:rPr lang="en-US" sz="1800" dirty="0"/>
+              <a:t> </a:t>
+            </a:r>
+            <a:r>
+              <a:rPr lang="en-US" sz="1800" dirty="0" err="1"/>
+              <a:t>nghành</a:t>
+            </a:r>
+            <a:r>
+              <a:rPr lang="en-US" sz="1800" dirty="0"/>
+              <a:t> </a:t>
+            </a:r>
+            <a:r>
+              <a:rPr lang="en-US" sz="1800" dirty="0" err="1"/>
               <a:t>Dược</a:t>
+            </a:r>
+            <a:r>
+              <a:rPr lang="en-US" sz="1800" dirty="0"/>
+              <a:t>, </a:t>
+            </a:r>
+            <a:r>
+              <a:rPr lang="en-US" sz="1800" dirty="0" err="1"/>
+              <a:t>tìm</a:t>
+            </a:r>
+            <a:r>
+              <a:rPr lang="en-US" sz="1800" dirty="0"/>
+              <a:t> </a:t>
+            </a:r>
+            <a:r>
+              <a:rPr lang="en-US" sz="1800" dirty="0" err="1"/>
+              <a:t>kiếm</a:t>
             </a:r>
             <a:endParaRPr lang="en-US" sz="1800" dirty="0"/>
           </a:p>
@@ -38608,7 +39076,15 @@
             </a:r>
             <a:r>
               <a:rPr lang="en-US" sz="1800" dirty="0" err="1"/>
-              <a:t>khối</a:t>
+              <a:t>điểm</a:t>
+            </a:r>
+            <a:r>
+              <a:rPr lang="en-US" sz="1800" dirty="0"/>
+              <a:t> &lt;= </a:t>
+            </a:r>
+            <a:r>
+              <a:rPr lang="en-US" sz="1800" dirty="0" err="1"/>
+              <a:t>điểm</a:t>
             </a:r>
             <a:r>
               <a:rPr lang="en-US" sz="1800" dirty="0"/>
@@ -38616,60 +39092,9 @@
             </a:r>
             <a:r>
               <a:rPr lang="en-US" sz="1800" dirty="0" err="1"/>
-              <a:t>nghành</a:t>
-            </a:r>
-            <a:r>
-              <a:rPr lang="en-US" sz="1800" dirty="0"/>
-              <a:t> </a:t>
-            </a:r>
-            <a:r>
-              <a:rPr lang="en-US" sz="1800" dirty="0" err="1"/>
-              <a:t>Dược</a:t>
-            </a:r>
-            <a:r>
-              <a:rPr lang="en-US" sz="1800" dirty="0"/>
-              <a:t> </a:t>
-            </a:r>
-            <a:r>
-              <a:rPr lang="en-US" sz="1800" dirty="0" err="1"/>
-              <a:t>cùng</a:t>
-            </a:r>
-            <a:r>
-              <a:rPr lang="en-US" sz="1800" dirty="0"/>
-              <a:t> 	</a:t>
-            </a:r>
-            <a:r>
-              <a:rPr lang="en-US" sz="1800" dirty="0" err="1"/>
-              <a:t>các</a:t>
-            </a:r>
-            <a:r>
-              <a:rPr lang="en-US" sz="1800" dirty="0"/>
-              <a:t> </a:t>
-            </a:r>
-            <a:r>
-              <a:rPr lang="en-US" sz="1800" dirty="0" err="1"/>
-              <a:t>thông</a:t>
-            </a:r>
-            <a:r>
-              <a:rPr lang="en-US" sz="1800" dirty="0"/>
-              <a:t> tin </a:t>
-            </a:r>
-            <a:r>
-              <a:rPr lang="en-US" sz="1800" dirty="0" err="1"/>
-              <a:t>liên</a:t>
-            </a:r>
-            <a:r>
-              <a:rPr lang="en-US" sz="1800" dirty="0"/>
-              <a:t> </a:t>
-            </a:r>
-            <a:r>
-              <a:rPr lang="en-US" sz="1800" dirty="0" err="1"/>
-              <a:t>quan</a:t>
-            </a:r>
-            <a:r>
-              <a:rPr lang="en-US" sz="1800" dirty="0"/>
-              <a:t> </a:t>
-            </a:r>
+              <a:t>nhập</a:t>
+            </a:r>
+            <a:endParaRPr lang="en-US" sz="1800" dirty="0"/>
           </a:p>
         </p:txBody>
       </p:sp>
@@ -38740,7 +39165,509 @@
             <a:spLocks noGrp="1"/>
           </p:cNvSpPr>
           <p:nvPr>
-            <p:ph type="ctrTitle"/>
+            <p:ph type="title"/>
+          </p:nvPr>
+        </p:nvSpPr>
+        <p:spPr>
+          <a:xfrm>
+            <a:off x="107950" y="195580"/>
+            <a:ext cx="5910580" cy="1108710"/>
+          </a:xfrm>
+        </p:spPr>
+        <p:txBody>
+          <a:bodyPr/>
+          <a:lstStyle/>
+          <a:p>
+            <a:r>
+              <a:rPr lang="en-US" sz="2800" dirty="0"/>
+              <a:t>4.3 So </a:t>
+            </a:r>
+            <a:r>
+              <a:rPr lang="en-US" sz="2800" dirty="0" err="1"/>
+              <a:t>sánh</a:t>
+            </a:r>
+            <a:r>
+              <a:rPr lang="en-US" sz="2800" dirty="0"/>
+              <a:t> </a:t>
+            </a:r>
+            <a:r>
+              <a:rPr lang="en-US" sz="2800" dirty="0" err="1"/>
+              <a:t>các</a:t>
+            </a:r>
+            <a:r>
+              <a:rPr lang="en-US" sz="2800" dirty="0"/>
+              <a:t> </a:t>
+            </a:r>
+            <a:r>
+              <a:rPr lang="en-US" sz="2800" dirty="0" err="1"/>
+              <a:t>ngành</a:t>
+            </a:r>
+            <a:r>
+              <a:rPr lang="en-US" sz="2800" dirty="0"/>
+              <a:t> </a:t>
+            </a:r>
+            <a:r>
+              <a:rPr lang="en-US" sz="2800" dirty="0" err="1"/>
+              <a:t>học</a:t>
+            </a:r>
+            <a:r>
+              <a:rPr lang="en-US" sz="2800" dirty="0"/>
+              <a:t> </a:t>
+            </a:r>
+            <a:r>
+              <a:rPr lang="en-US" sz="2800" dirty="0" err="1"/>
+              <a:t>giữa</a:t>
+            </a:r>
+            <a:r>
+              <a:rPr lang="en-US" sz="2800" dirty="0"/>
+              <a:t> </a:t>
+            </a:r>
+            <a:r>
+              <a:rPr lang="en-US" sz="2800" dirty="0" err="1"/>
+              <a:t>các</a:t>
+            </a:r>
+            <a:r>
+              <a:rPr lang="en-US" sz="2800" dirty="0"/>
+              <a:t> </a:t>
+            </a:r>
+            <a:r>
+              <a:rPr lang="en-US" sz="2800" dirty="0" err="1"/>
+              <a:t>trường</a:t>
+            </a:r>
+            <a:endParaRPr lang="en-US" sz="2800" dirty="0"/>
+          </a:p>
+        </p:txBody>
+      </p:sp>
+      <p:sp>
+        <p:nvSpPr>
+          <p:cNvPr id="3" name="Text Placeholder 2"/>
+          <p:cNvSpPr>
+            <a:spLocks noGrp="1"/>
+          </p:cNvSpPr>
+          <p:nvPr>
+            <p:ph type="body" idx="1"/>
+          </p:nvPr>
+        </p:nvSpPr>
+        <p:spPr>
+          <a:xfrm>
+            <a:off x="107950" y="1303655"/>
+            <a:ext cx="5909945" cy="3601085"/>
+          </a:xfrm>
+        </p:spPr>
+        <p:txBody>
+          <a:bodyPr/>
+          <a:lstStyle/>
+          <a:p>
+            <a:r>
+              <a:rPr lang="en-US" sz="1800" dirty="0"/>
+              <a:t>Test case:</a:t>
+            </a:r>
+          </a:p>
+          <a:p>
+            <a:pPr lvl="1"/>
+            <a:r>
+              <a:rPr lang="en-US" sz="1800" dirty="0" err="1"/>
+              <a:t>Lần</a:t>
+            </a:r>
+            <a:r>
+              <a:rPr lang="en-US" sz="1800" dirty="0"/>
+              <a:t> 1: </a:t>
+            </a:r>
+            <a:r>
+              <a:rPr lang="en-US" sz="1800" dirty="0" err="1"/>
+              <a:t>chọn</a:t>
+            </a:r>
+            <a:r>
+              <a:rPr lang="en-US" sz="1800" dirty="0"/>
+              <a:t> </a:t>
+            </a:r>
+            <a:r>
+              <a:rPr lang="en-US" sz="1800" dirty="0" err="1"/>
+              <a:t>khối</a:t>
+            </a:r>
+            <a:r>
+              <a:rPr lang="en-US" sz="1800" dirty="0"/>
+              <a:t> </a:t>
+            </a:r>
+            <a:r>
+              <a:rPr lang="en-US" sz="1800" dirty="0" err="1"/>
+              <a:t>nghành</a:t>
+            </a:r>
+            <a:r>
+              <a:rPr lang="en-US" sz="1800" dirty="0"/>
+              <a:t> CNTT</a:t>
+            </a:r>
+          </a:p>
+          <a:p>
+            <a:pPr marL="76200" indent="0">
+              <a:buNone/>
+            </a:pPr>
+            <a:r>
+              <a:rPr lang="en-US" sz="1800" dirty="0"/>
+              <a:t>	=&gt; </a:t>
+            </a:r>
+            <a:r>
+              <a:rPr lang="en-US" sz="1800" dirty="0" err="1"/>
+              <a:t>Hiển</a:t>
+            </a:r>
+            <a:r>
+              <a:rPr lang="en-US" sz="1800" dirty="0"/>
+              <a:t> </a:t>
+            </a:r>
+            <a:r>
+              <a:rPr lang="en-US" sz="1800" dirty="0" err="1"/>
+              <a:t>thị</a:t>
+            </a:r>
+            <a:r>
+              <a:rPr lang="en-US" sz="1800" dirty="0"/>
+              <a:t> </a:t>
+            </a:r>
+            <a:r>
+              <a:rPr lang="en-US" sz="1800" dirty="0" err="1"/>
+              <a:t>các</a:t>
+            </a:r>
+            <a:r>
+              <a:rPr lang="en-US" sz="1800" dirty="0"/>
+              <a:t> </a:t>
+            </a:r>
+            <a:r>
+              <a:rPr lang="en-US" sz="1800" dirty="0" err="1"/>
+              <a:t>trường</a:t>
+            </a:r>
+            <a:r>
+              <a:rPr lang="en-US" sz="1800" dirty="0"/>
+              <a:t> </a:t>
+            </a:r>
+            <a:r>
+              <a:rPr lang="en-US" sz="1800" dirty="0" err="1"/>
+              <a:t>có</a:t>
+            </a:r>
+            <a:r>
+              <a:rPr lang="en-US" sz="1800" dirty="0"/>
+              <a:t> </a:t>
+            </a:r>
+            <a:r>
+              <a:rPr lang="en-US" sz="1800" dirty="0" err="1"/>
+              <a:t>nghành</a:t>
+            </a:r>
+            <a:r>
+              <a:rPr lang="en-US" sz="1800" dirty="0"/>
+              <a:t> CNTT </a:t>
+            </a:r>
+            <a:r>
+              <a:rPr lang="en-US" sz="1800" dirty="0" err="1"/>
+              <a:t>cùng</a:t>
+            </a:r>
+            <a:r>
+              <a:rPr lang="en-US" sz="1800" dirty="0"/>
+              <a:t> </a:t>
+            </a:r>
+            <a:r>
+              <a:rPr lang="en-US" sz="1800" dirty="0" err="1"/>
+              <a:t>các</a:t>
+            </a:r>
+            <a:r>
+              <a:rPr lang="en-US" sz="1800" dirty="0"/>
+              <a:t> 	</a:t>
+            </a:r>
+            <a:r>
+              <a:rPr lang="en-US" sz="1800" dirty="0" err="1"/>
+              <a:t>thông</a:t>
+            </a:r>
+            <a:r>
+              <a:rPr lang="en-US" sz="1800" dirty="0"/>
+              <a:t> tin </a:t>
+            </a:r>
+            <a:r>
+              <a:rPr lang="en-US" sz="1800" dirty="0" err="1"/>
+              <a:t>liên</a:t>
+            </a:r>
+            <a:r>
+              <a:rPr lang="en-US" sz="1800" dirty="0"/>
+              <a:t> </a:t>
+            </a:r>
+            <a:r>
+              <a:rPr lang="en-US" sz="1800" dirty="0" err="1"/>
+              <a:t>quan</a:t>
+            </a:r>
+            <a:endParaRPr lang="en-US" sz="1800" dirty="0"/>
+          </a:p>
+          <a:p>
+            <a:pPr lvl="1"/>
+            <a:r>
+              <a:rPr lang="en-US" sz="1800" dirty="0" err="1"/>
+              <a:t>Lần</a:t>
+            </a:r>
+            <a:r>
+              <a:rPr lang="en-US" sz="1800" dirty="0"/>
+              <a:t> 2: </a:t>
+            </a:r>
+            <a:r>
+              <a:rPr lang="en-US" sz="1800" dirty="0" err="1"/>
+              <a:t>chọn</a:t>
+            </a:r>
+            <a:r>
+              <a:rPr lang="en-US" sz="1800" dirty="0"/>
+              <a:t> QTKD</a:t>
+            </a:r>
+          </a:p>
+          <a:p>
+            <a:pPr marL="76200" indent="0">
+              <a:buNone/>
+            </a:pPr>
+            <a:r>
+              <a:rPr lang="en-US" sz="1800" dirty="0"/>
+              <a:t>	=&gt; </a:t>
+            </a:r>
+            <a:r>
+              <a:rPr lang="en-US" sz="1800" dirty="0" err="1"/>
+              <a:t>Hiển</a:t>
+            </a:r>
+            <a:r>
+              <a:rPr lang="en-US" sz="1800" dirty="0"/>
+              <a:t> </a:t>
+            </a:r>
+            <a:r>
+              <a:rPr lang="en-US" sz="1800" dirty="0" err="1"/>
+              <a:t>thị</a:t>
+            </a:r>
+            <a:r>
+              <a:rPr lang="en-US" sz="1800" dirty="0"/>
+              <a:t> </a:t>
+            </a:r>
+            <a:r>
+              <a:rPr lang="en-US" sz="1800" dirty="0" err="1"/>
+              <a:t>các</a:t>
+            </a:r>
+            <a:r>
+              <a:rPr lang="en-US" sz="1800" dirty="0"/>
+              <a:t> </a:t>
+            </a:r>
+            <a:r>
+              <a:rPr lang="en-US" sz="1800" dirty="0" err="1"/>
+              <a:t>trường</a:t>
+            </a:r>
+            <a:r>
+              <a:rPr lang="en-US" sz="1800" dirty="0"/>
+              <a:t> </a:t>
+            </a:r>
+            <a:r>
+              <a:rPr lang="en-US" sz="1800" dirty="0" err="1"/>
+              <a:t>có</a:t>
+            </a:r>
+            <a:r>
+              <a:rPr lang="en-US" sz="1800" dirty="0"/>
+              <a:t> </a:t>
+            </a:r>
+            <a:r>
+              <a:rPr lang="en-US" sz="1800" dirty="0" err="1"/>
+              <a:t>khối</a:t>
+            </a:r>
+            <a:r>
+              <a:rPr lang="en-US" sz="1800" dirty="0"/>
+              <a:t> </a:t>
+            </a:r>
+            <a:r>
+              <a:rPr lang="en-US" sz="1800" dirty="0" err="1"/>
+              <a:t>nghành</a:t>
+            </a:r>
+            <a:r>
+              <a:rPr lang="en-US" sz="1800" dirty="0"/>
+              <a:t> QTKD </a:t>
+            </a:r>
+            <a:r>
+              <a:rPr lang="en-US" sz="1800" dirty="0" err="1"/>
+              <a:t>cùng</a:t>
+            </a:r>
+            <a:r>
+              <a:rPr lang="en-US" sz="1800" dirty="0"/>
+              <a:t> 	</a:t>
+            </a:r>
+            <a:r>
+              <a:rPr lang="en-US" sz="1800" dirty="0" err="1"/>
+              <a:t>các</a:t>
+            </a:r>
+            <a:r>
+              <a:rPr lang="en-US" sz="1800" dirty="0"/>
+              <a:t> </a:t>
+            </a:r>
+            <a:r>
+              <a:rPr lang="en-US" sz="1800" dirty="0" err="1"/>
+              <a:t>thông</a:t>
+            </a:r>
+            <a:r>
+              <a:rPr lang="en-US" sz="1800" dirty="0"/>
+              <a:t> tin </a:t>
+            </a:r>
+            <a:r>
+              <a:rPr lang="en-US" sz="1800" dirty="0" err="1"/>
+              <a:t>liên</a:t>
+            </a:r>
+            <a:r>
+              <a:rPr lang="en-US" sz="1800" dirty="0"/>
+              <a:t> </a:t>
+            </a:r>
+            <a:r>
+              <a:rPr lang="en-US" sz="1800" dirty="0" err="1"/>
+              <a:t>quan</a:t>
+            </a:r>
+            <a:endParaRPr lang="en-US" sz="1800" dirty="0"/>
+          </a:p>
+          <a:p>
+            <a:pPr lvl="1"/>
+            <a:r>
+              <a:rPr lang="en-US" sz="1800" dirty="0" err="1"/>
+              <a:t>Lần</a:t>
+            </a:r>
+            <a:r>
+              <a:rPr lang="en-US" sz="1800" dirty="0"/>
+              <a:t> 3: </a:t>
+            </a:r>
+            <a:r>
+              <a:rPr lang="en-US" sz="1800" dirty="0" err="1"/>
+              <a:t>chọn</a:t>
+            </a:r>
+            <a:r>
+              <a:rPr lang="en-US" sz="1800" dirty="0"/>
+              <a:t> </a:t>
+            </a:r>
+            <a:r>
+              <a:rPr lang="en-US" sz="1800" dirty="0" err="1"/>
+              <a:t>nghành</a:t>
+            </a:r>
+            <a:r>
+              <a:rPr lang="en-US" sz="1800" dirty="0"/>
+              <a:t> </a:t>
+            </a:r>
+            <a:r>
+              <a:rPr lang="en-US" sz="1800" dirty="0" err="1"/>
+              <a:t>Dược</a:t>
+            </a:r>
+            <a:endParaRPr lang="en-US" sz="1800" dirty="0"/>
+          </a:p>
+          <a:p>
+            <a:pPr marL="76200" indent="0">
+              <a:buNone/>
+            </a:pPr>
+            <a:r>
+              <a:rPr lang="en-US" sz="1800" dirty="0"/>
+              <a:t>	=&gt; </a:t>
+            </a:r>
+            <a:r>
+              <a:rPr lang="en-US" sz="1800" dirty="0" err="1"/>
+              <a:t>Hiển</a:t>
+            </a:r>
+            <a:r>
+              <a:rPr lang="en-US" sz="1800" dirty="0"/>
+              <a:t> </a:t>
+            </a:r>
+            <a:r>
+              <a:rPr lang="en-US" sz="1800" dirty="0" err="1"/>
+              <a:t>thị</a:t>
+            </a:r>
+            <a:r>
+              <a:rPr lang="en-US" sz="1800" dirty="0"/>
+              <a:t> </a:t>
+            </a:r>
+            <a:r>
+              <a:rPr lang="en-US" sz="1800" dirty="0" err="1"/>
+              <a:t>các</a:t>
+            </a:r>
+            <a:r>
+              <a:rPr lang="en-US" sz="1800" dirty="0"/>
+              <a:t> </a:t>
+            </a:r>
+            <a:r>
+              <a:rPr lang="en-US" sz="1800" dirty="0" err="1"/>
+              <a:t>trường</a:t>
+            </a:r>
+            <a:r>
+              <a:rPr lang="en-US" sz="1800" dirty="0"/>
+              <a:t> </a:t>
+            </a:r>
+            <a:r>
+              <a:rPr lang="en-US" sz="1800" dirty="0" err="1"/>
+              <a:t>có</a:t>
+            </a:r>
+            <a:r>
+              <a:rPr lang="en-US" sz="1800" dirty="0"/>
+              <a:t> </a:t>
+            </a:r>
+            <a:r>
+              <a:rPr lang="en-US" sz="1800" dirty="0" err="1"/>
+              <a:t>khối</a:t>
+            </a:r>
+            <a:r>
+              <a:rPr lang="en-US" sz="1800" dirty="0"/>
+              <a:t> </a:t>
+            </a:r>
+            <a:r>
+              <a:rPr lang="en-US" sz="1800" dirty="0" err="1"/>
+              <a:t>nghành</a:t>
+            </a:r>
+            <a:r>
+              <a:rPr lang="en-US" sz="1800" dirty="0"/>
+              <a:t> </a:t>
+            </a:r>
+            <a:r>
+              <a:rPr lang="en-US" sz="1800" dirty="0" err="1"/>
+              <a:t>Dược</a:t>
+            </a:r>
+            <a:r>
+              <a:rPr lang="en-US" sz="1800" dirty="0"/>
+              <a:t> </a:t>
+            </a:r>
+            <a:r>
+              <a:rPr lang="en-US" sz="1800" dirty="0" err="1"/>
+              <a:t>cùng</a:t>
+            </a:r>
+            <a:r>
+              <a:rPr lang="en-US" sz="1800" dirty="0"/>
+              <a:t> 	</a:t>
+            </a:r>
+            <a:r>
+              <a:rPr lang="en-US" sz="1800" dirty="0" err="1"/>
+              <a:t>các</a:t>
+            </a:r>
+            <a:r>
+              <a:rPr lang="en-US" sz="1800" dirty="0"/>
+              <a:t> </a:t>
+            </a:r>
+            <a:r>
+              <a:rPr lang="en-US" sz="1800" dirty="0" err="1"/>
+              <a:t>thông</a:t>
+            </a:r>
+            <a:r>
+              <a:rPr lang="en-US" sz="1800" dirty="0"/>
+              <a:t> tin </a:t>
+            </a:r>
+            <a:r>
+              <a:rPr lang="en-US" sz="1800" dirty="0" err="1"/>
+              <a:t>liên</a:t>
+            </a:r>
+            <a:r>
+              <a:rPr lang="en-US" sz="1800" dirty="0"/>
+              <a:t> </a:t>
+            </a:r>
+            <a:r>
+              <a:rPr lang="en-US" sz="1800" dirty="0" err="1"/>
+              <a:t>quan</a:t>
+            </a:r>
+            <a:r>
+              <a:rPr lang="en-US" sz="1800" dirty="0"/>
+              <a:t> </a:t>
+            </a:r>
+          </a:p>
+        </p:txBody>
+      </p:sp>
+      <p:sp>
+        <p:nvSpPr>
+          <p:cNvPr id="4" name="Slide Number Placeholder 3"/>
+          <p:cNvSpPr>
+            <a:spLocks noGrp="1"/>
+          </p:cNvSpPr>
+          <p:nvPr>
+            <p:ph type="sldNum" idx="12"/>
           </p:nvPr>
         </p:nvSpPr>
         <p:spPr/>
@@ -38748,10 +39675,20 @@
           <a:bodyPr/>
           <a:lstStyle/>
           <a:p>
-            <a:r>
-              <a:rPr lang="en-US"/>
-              <a:t>5. KẾT QUẢ </a:t>
-            </a:r>
+            <a:pPr marL="0" lvl="0" indent="0" algn="ctr" rtl="0">
+              <a:spcBef>
+                <a:spcPts val="0"/>
+              </a:spcBef>
+              <a:spcAft>
+                <a:spcPts val="0"/>
+              </a:spcAft>
+              <a:buNone/>
+            </a:pPr>
+            <a:fld id="{00000000-1234-1234-1234-123412341234}" type="slidenum">
+              <a:rPr lang="en-GB"/>
+              <a:t>34</a:t>
+            </a:fld>
+            <a:endParaRPr lang="en-GB"/>
           </a:p>
         </p:txBody>
       </p:sp>
@@ -38785,642 +39722,63 @@
       </p:grpSpPr>
       <p:sp>
         <p:nvSpPr>
-          <p:cNvPr id="3" name="Text Placeholder 2"/>
+          <p:cNvPr id="2" name="Title 1"/>
           <p:cNvSpPr>
             <a:spLocks noGrp="1"/>
           </p:cNvSpPr>
           <p:nvPr>
-            <p:ph type="body" idx="1"/>
+            <p:ph type="ctrTitle"/>
           </p:nvPr>
         </p:nvSpPr>
-        <p:spPr>
-          <a:xfrm>
-            <a:off x="107950" y="603885"/>
-            <a:ext cx="5909945" cy="4300855"/>
-          </a:xfrm>
-        </p:spPr>
+        <p:spPr/>
         <p:txBody>
           <a:bodyPr/>
           <a:lstStyle/>
           <a:p>
             <a:r>
-              <a:rPr lang="en-US" sz="1800" dirty="0" err="1"/>
-              <a:t>Tìm</a:t>
-            </a:r>
-            <a:r>
-              <a:rPr lang="en-US" sz="1800" dirty="0"/>
-              <a:t> </a:t>
-            </a:r>
-            <a:r>
-              <a:rPr lang="en-US" sz="1800" dirty="0" err="1"/>
-              <a:t>hiểu</a:t>
-            </a:r>
-            <a:r>
-              <a:rPr lang="en-US" sz="1800" dirty="0"/>
-              <a:t> </a:t>
-            </a:r>
-            <a:r>
-              <a:rPr lang="en-US" sz="1800" dirty="0" err="1"/>
-              <a:t>thêm</a:t>
-            </a:r>
-            <a:r>
-              <a:rPr lang="en-US" sz="1800" dirty="0"/>
-              <a:t> </a:t>
-            </a:r>
-            <a:r>
-              <a:rPr lang="en-US" sz="1800" dirty="0" err="1"/>
-              <a:t>được</a:t>
-            </a:r>
-            <a:r>
-              <a:rPr lang="en-US" sz="1800" dirty="0"/>
-              <a:t> </a:t>
-            </a:r>
-            <a:r>
-              <a:rPr lang="en-US" sz="1800" dirty="0" err="1"/>
-              <a:t>cách</a:t>
-            </a:r>
-            <a:r>
-              <a:rPr lang="en-US" sz="1800" dirty="0"/>
-              <a:t> crawl data </a:t>
-            </a:r>
-            <a:r>
-              <a:rPr lang="en-US" sz="1800" dirty="0" err="1"/>
-              <a:t>từ</a:t>
-            </a:r>
-            <a:r>
-              <a:rPr lang="en-US" sz="1800" dirty="0"/>
-              <a:t> web </a:t>
-            </a:r>
-            <a:r>
-              <a:rPr lang="en-US" sz="1800" dirty="0" err="1"/>
-              <a:t>bằng</a:t>
-            </a:r>
-            <a:r>
-              <a:rPr lang="en-US" sz="1800" dirty="0"/>
-              <a:t> selenium.</a:t>
-            </a:r>
-          </a:p>
-          <a:p>
-            <a:r>
-              <a:rPr lang="en-US" sz="1800" dirty="0" err="1"/>
-              <a:t>Tạo</a:t>
-            </a:r>
-            <a:r>
-              <a:rPr lang="en-US" sz="1800" dirty="0"/>
-              <a:t> ra </a:t>
-            </a:r>
-            <a:r>
-              <a:rPr lang="en-US" sz="1800" dirty="0" err="1"/>
-              <a:t>được</a:t>
-            </a:r>
-            <a:r>
-              <a:rPr lang="en-US" sz="1800" dirty="0"/>
-              <a:t> </a:t>
-            </a:r>
-            <a:r>
-              <a:rPr lang="en-US" sz="1800" dirty="0" err="1"/>
-              <a:t>biểu</a:t>
-            </a:r>
-            <a:r>
-              <a:rPr lang="en-US" sz="1800" dirty="0"/>
-              <a:t> </a:t>
-            </a:r>
-            <a:r>
-              <a:rPr lang="en-US" sz="1800" dirty="0" err="1"/>
-              <a:t>đồ</a:t>
-            </a:r>
-            <a:r>
-              <a:rPr lang="en-US" sz="1800" dirty="0"/>
-              <a:t> </a:t>
-            </a:r>
-            <a:r>
-              <a:rPr lang="en-US" sz="1800" dirty="0" err="1"/>
-              <a:t>phổ</a:t>
-            </a:r>
-            <a:r>
-              <a:rPr lang="en-US" sz="1800" dirty="0"/>
-              <a:t> </a:t>
-            </a:r>
-            <a:r>
-              <a:rPr lang="en-US" sz="1800" dirty="0" err="1"/>
-              <a:t>điểm</a:t>
-            </a:r>
-            <a:r>
-              <a:rPr lang="en-US" sz="1800" dirty="0"/>
-              <a:t> </a:t>
-            </a:r>
-            <a:r>
-              <a:rPr lang="en-US" sz="1800" dirty="0" err="1"/>
-              <a:t>cho</a:t>
-            </a:r>
-            <a:r>
-              <a:rPr lang="en-US" sz="1800" dirty="0"/>
-              <a:t> </a:t>
-            </a:r>
-            <a:r>
-              <a:rPr lang="en-US" sz="1800" dirty="0" err="1"/>
-              <a:t>các</a:t>
-            </a:r>
-            <a:r>
-              <a:rPr lang="en-US" sz="1800" dirty="0"/>
-              <a:t> </a:t>
-            </a:r>
-            <a:r>
-              <a:rPr lang="en-US" sz="1800" dirty="0" err="1"/>
-              <a:t>môn</a:t>
-            </a:r>
-            <a:r>
-              <a:rPr lang="en-US" sz="1800" dirty="0"/>
-              <a:t>.</a:t>
-            </a:r>
-          </a:p>
-          <a:p>
-            <a:r>
-              <a:rPr lang="en-US" sz="1800" dirty="0" err="1"/>
-              <a:t>Giúp</a:t>
-            </a:r>
-            <a:r>
-              <a:rPr lang="en-US" sz="1800" dirty="0"/>
-              <a:t> </a:t>
-            </a:r>
-            <a:r>
-              <a:rPr lang="en-US" sz="1800" dirty="0" err="1"/>
-              <a:t>các</a:t>
-            </a:r>
-            <a:r>
-              <a:rPr lang="en-US" sz="1800" dirty="0"/>
-              <a:t> </a:t>
-            </a:r>
-            <a:r>
-              <a:rPr lang="en-US" sz="1800" dirty="0" err="1"/>
-              <a:t>học</a:t>
-            </a:r>
-            <a:r>
-              <a:rPr lang="en-US" sz="1800" dirty="0"/>
-              <a:t> </a:t>
-            </a:r>
-            <a:r>
-              <a:rPr lang="en-US" sz="1800" dirty="0" err="1"/>
-              <a:t>sinh</a:t>
-            </a:r>
-            <a:r>
-              <a:rPr lang="en-US" sz="1800" dirty="0"/>
-              <a:t> 12 THPT </a:t>
-            </a:r>
-            <a:r>
-              <a:rPr lang="en-US" sz="1800" dirty="0" err="1"/>
-              <a:t>có</a:t>
-            </a:r>
-            <a:r>
-              <a:rPr lang="en-US" sz="1800" dirty="0"/>
-              <a:t> </a:t>
-            </a:r>
-            <a:r>
-              <a:rPr lang="en-US" sz="1800" dirty="0" err="1"/>
-              <a:t>thể</a:t>
-            </a:r>
-            <a:r>
-              <a:rPr lang="en-US" sz="1800" dirty="0"/>
-              <a:t> </a:t>
-            </a:r>
-            <a:r>
-              <a:rPr lang="en-US" sz="1800" dirty="0" err="1"/>
-              <a:t>tra</a:t>
-            </a:r>
-            <a:r>
-              <a:rPr lang="en-US" sz="1800" dirty="0"/>
-              <a:t> </a:t>
-            </a:r>
-            <a:r>
-              <a:rPr lang="en-US" sz="1800" dirty="0" err="1"/>
-              <a:t>cứu</a:t>
-            </a:r>
-            <a:r>
-              <a:rPr lang="en-US" sz="1800" dirty="0"/>
-              <a:t> </a:t>
-            </a:r>
-            <a:r>
-              <a:rPr lang="en-US" sz="1800" dirty="0" err="1"/>
-              <a:t>được</a:t>
-            </a:r>
-            <a:r>
-              <a:rPr lang="en-US" sz="1800" dirty="0"/>
-              <a:t> </a:t>
-            </a:r>
-            <a:r>
-              <a:rPr lang="en-US" sz="1800" dirty="0" err="1"/>
-              <a:t>điểm</a:t>
-            </a:r>
-            <a:r>
-              <a:rPr lang="en-US" sz="1800" dirty="0"/>
-              <a:t> </a:t>
-            </a:r>
-            <a:r>
-              <a:rPr lang="en-US" sz="1800" dirty="0" err="1"/>
-              <a:t>chuẩn</a:t>
-            </a:r>
-            <a:r>
-              <a:rPr lang="en-US" sz="1800" dirty="0"/>
-              <a:t> </a:t>
-            </a:r>
-            <a:r>
-              <a:rPr lang="en-US" sz="1800" dirty="0" err="1"/>
-              <a:t>hàng</a:t>
-            </a:r>
-            <a:r>
-              <a:rPr lang="en-US" sz="1800" dirty="0"/>
-              <a:t> </a:t>
-            </a:r>
-            <a:r>
-              <a:rPr lang="en-US" sz="1800" dirty="0" err="1"/>
-              <a:t>năm</a:t>
-            </a:r>
-            <a:r>
-              <a:rPr lang="en-US" sz="1800" dirty="0"/>
-              <a:t> </a:t>
-            </a:r>
-            <a:r>
-              <a:rPr lang="en-US" sz="1800" dirty="0" err="1"/>
-              <a:t>của</a:t>
-            </a:r>
-            <a:r>
-              <a:rPr lang="en-US" sz="1800" dirty="0"/>
-              <a:t> </a:t>
-            </a:r>
-            <a:r>
-              <a:rPr lang="en-US" sz="1800" dirty="0" err="1"/>
-              <a:t>cùng</a:t>
-            </a:r>
-            <a:r>
-              <a:rPr lang="en-US" sz="1800" dirty="0"/>
-              <a:t> 1 </a:t>
-            </a:r>
-            <a:r>
-              <a:rPr lang="en-US" sz="1800" dirty="0" err="1"/>
-              <a:t>nghành</a:t>
-            </a:r>
-            <a:r>
-              <a:rPr lang="en-US" sz="1800" dirty="0"/>
-              <a:t> </a:t>
-            </a:r>
-            <a:r>
-              <a:rPr lang="en-US" sz="1800" dirty="0" err="1"/>
-              <a:t>của</a:t>
-            </a:r>
-            <a:r>
-              <a:rPr lang="en-US" sz="1800" dirty="0"/>
-              <a:t> </a:t>
-            </a:r>
-            <a:r>
-              <a:rPr lang="en-US" sz="1800" dirty="0" err="1"/>
-              <a:t>cá</a:t>
-            </a:r>
-            <a:r>
-              <a:rPr lang="en-US" sz="1800" dirty="0"/>
-              <a:t> </a:t>
-            </a:r>
-            <a:r>
-              <a:rPr lang="en-US" sz="1800" dirty="0" err="1"/>
-              <a:t>trường</a:t>
-            </a:r>
-            <a:r>
-              <a:rPr lang="en-US" sz="1800" dirty="0"/>
-              <a:t> </a:t>
-            </a:r>
-            <a:r>
-              <a:rPr lang="en-US" sz="1800" dirty="0" err="1"/>
-              <a:t>với</a:t>
-            </a:r>
-            <a:r>
-              <a:rPr lang="en-US" sz="1800" dirty="0"/>
-              <a:t> </a:t>
-            </a:r>
-            <a:r>
-              <a:rPr lang="en-US" sz="1800" dirty="0" err="1"/>
-              <a:t>nhau</a:t>
-            </a:r>
-            <a:r>
-              <a:rPr lang="en-US" sz="1800" dirty="0"/>
-              <a:t> </a:t>
-            </a:r>
-            <a:r>
-              <a:rPr lang="en-US" sz="1800" dirty="0" err="1"/>
-              <a:t>cùng</a:t>
-            </a:r>
-            <a:r>
-              <a:rPr lang="en-US" sz="1800" dirty="0"/>
-              <a:t> </a:t>
-            </a:r>
-            <a:r>
-              <a:rPr lang="en-US" sz="1800" dirty="0" err="1"/>
-              <a:t>với</a:t>
-            </a:r>
-            <a:r>
-              <a:rPr lang="en-US" sz="1800" dirty="0"/>
-              <a:t> </a:t>
-            </a:r>
-            <a:r>
-              <a:rPr lang="en-US" sz="1800" dirty="0" err="1"/>
-              <a:t>đó</a:t>
-            </a:r>
-            <a:r>
-              <a:rPr lang="en-US" sz="1800" dirty="0"/>
-              <a:t> </a:t>
-            </a:r>
-            <a:r>
-              <a:rPr lang="en-US" sz="1800" dirty="0" err="1"/>
-              <a:t>là</a:t>
-            </a:r>
-            <a:r>
-              <a:rPr lang="en-US" sz="1800" dirty="0"/>
-              <a:t> 1 </a:t>
-            </a:r>
-            <a:r>
-              <a:rPr lang="en-US" sz="1800" dirty="0" err="1"/>
-              <a:t>số</a:t>
-            </a:r>
-            <a:r>
-              <a:rPr lang="en-US" sz="1800" dirty="0"/>
-              <a:t> </a:t>
-            </a:r>
-            <a:r>
-              <a:rPr lang="en-US" sz="1800" dirty="0" err="1"/>
-              <a:t>thông</a:t>
-            </a:r>
-            <a:r>
-              <a:rPr lang="en-US" sz="1800" dirty="0"/>
-              <a:t> tin </a:t>
-            </a:r>
-            <a:r>
-              <a:rPr lang="en-US" sz="1800" dirty="0" err="1"/>
-              <a:t>như</a:t>
-            </a:r>
-            <a:r>
-              <a:rPr lang="en-US" sz="1800" dirty="0"/>
-              <a:t> </a:t>
-            </a:r>
-            <a:r>
-              <a:rPr lang="en-US" sz="1800" dirty="0" err="1"/>
-              <a:t>học</a:t>
-            </a:r>
-            <a:r>
-              <a:rPr lang="en-US" sz="1800" dirty="0"/>
-              <a:t> </a:t>
-            </a:r>
-            <a:r>
-              <a:rPr lang="en-US" sz="1800" dirty="0" err="1"/>
-              <a:t>phí</a:t>
-            </a:r>
-            <a:r>
-              <a:rPr lang="en-US" sz="1800" dirty="0"/>
-              <a:t>, </a:t>
-            </a:r>
-            <a:r>
-              <a:rPr lang="en-US" sz="1800" dirty="0" err="1"/>
-              <a:t>chỉ</a:t>
-            </a:r>
-            <a:r>
-              <a:rPr lang="en-US" sz="1800" dirty="0"/>
-              <a:t> </a:t>
-            </a:r>
-            <a:r>
-              <a:rPr lang="en-US" sz="1800" dirty="0" err="1"/>
-              <a:t>tiêu</a:t>
-            </a:r>
-            <a:r>
-              <a:rPr lang="en-US" sz="1800" dirty="0"/>
-              <a:t>.</a:t>
-            </a:r>
-          </a:p>
-          <a:p>
-            <a:r>
-              <a:rPr lang="en-US" sz="1800" dirty="0" err="1"/>
-              <a:t>Hướng</a:t>
-            </a:r>
-            <a:r>
-              <a:rPr lang="en-US" sz="1800" dirty="0"/>
-              <a:t> </a:t>
-            </a:r>
-            <a:r>
-              <a:rPr lang="en-US" sz="1800" dirty="0" err="1"/>
-              <a:t>phát</a:t>
-            </a:r>
-            <a:r>
-              <a:rPr lang="en-US" sz="1800" dirty="0"/>
-              <a:t> </a:t>
-            </a:r>
-            <a:r>
-              <a:rPr lang="en-US" sz="1800" dirty="0" err="1"/>
-              <a:t>triển</a:t>
-            </a:r>
-            <a:r>
-              <a:rPr lang="en-US" sz="1800" dirty="0"/>
-              <a:t>:</a:t>
-            </a:r>
-          </a:p>
-          <a:p>
-            <a:pPr lvl="1"/>
-            <a:r>
-              <a:rPr lang="en-US" sz="1800" dirty="0" err="1"/>
-              <a:t>Tạo</a:t>
-            </a:r>
-            <a:r>
-              <a:rPr lang="en-US" sz="1800" dirty="0"/>
-              <a:t> ra </a:t>
-            </a:r>
-            <a:r>
-              <a:rPr lang="en-US" sz="1800" dirty="0" err="1"/>
-              <a:t>phổ</a:t>
-            </a:r>
-            <a:r>
-              <a:rPr lang="en-US" sz="1800" dirty="0"/>
-              <a:t> </a:t>
-            </a:r>
-            <a:r>
-              <a:rPr lang="en-US" sz="1800" dirty="0" err="1"/>
-              <a:t>điểm</a:t>
-            </a:r>
-            <a:r>
-              <a:rPr lang="en-US" sz="1800" dirty="0"/>
-              <a:t> </a:t>
-            </a:r>
-            <a:r>
-              <a:rPr lang="en-US" sz="1800" dirty="0" err="1"/>
-              <a:t>các</a:t>
-            </a:r>
-            <a:r>
-              <a:rPr lang="en-US" sz="1800" dirty="0"/>
-              <a:t> </a:t>
-            </a:r>
-            <a:r>
-              <a:rPr lang="en-US" sz="1800" dirty="0" err="1"/>
-              <a:t>tổ</a:t>
-            </a:r>
-            <a:r>
-              <a:rPr lang="en-US" sz="1800" dirty="0"/>
-              <a:t> </a:t>
-            </a:r>
-            <a:r>
-              <a:rPr lang="en-US" sz="1800" dirty="0" err="1"/>
-              <a:t>hợp</a:t>
-            </a:r>
-            <a:r>
-              <a:rPr lang="en-US" sz="1800" dirty="0"/>
-              <a:t> </a:t>
-            </a:r>
-            <a:r>
-              <a:rPr lang="en-US" sz="1800" dirty="0" err="1"/>
-              <a:t>theo</a:t>
-            </a:r>
-            <a:r>
-              <a:rPr lang="en-US" sz="1800" dirty="0"/>
-              <a:t> </a:t>
-            </a:r>
-            <a:r>
-              <a:rPr lang="en-US" sz="1800" dirty="0" err="1"/>
-              <a:t>khối</a:t>
-            </a:r>
-            <a:r>
-              <a:rPr lang="en-US" sz="1800" dirty="0"/>
-              <a:t>.</a:t>
-            </a:r>
-          </a:p>
-          <a:p>
-            <a:pPr marL="533400" lvl="1" indent="0">
-              <a:buNone/>
-            </a:pPr>
-            <a:endParaRPr lang="en-US" sz="1800" dirty="0"/>
-          </a:p>
-          <a:p>
-            <a:pPr lvl="1"/>
-            <a:r>
-              <a:rPr lang="en-US" sz="1800" dirty="0" err="1"/>
-              <a:t>Có</a:t>
-            </a:r>
-            <a:r>
-              <a:rPr lang="en-US" sz="1800" dirty="0"/>
-              <a:t> </a:t>
-            </a:r>
-            <a:r>
-              <a:rPr lang="en-US" sz="1800" dirty="0" err="1"/>
-              <a:t>thể</a:t>
-            </a:r>
-            <a:r>
-              <a:rPr lang="en-US" sz="1800" dirty="0"/>
-              <a:t> </a:t>
-            </a:r>
-            <a:r>
-              <a:rPr lang="en-US" sz="1800" dirty="0" err="1"/>
-              <a:t>dự</a:t>
-            </a:r>
-            <a:r>
-              <a:rPr lang="en-US" sz="1800" dirty="0"/>
-              <a:t> </a:t>
-            </a:r>
-            <a:r>
-              <a:rPr lang="en-US" sz="1800" dirty="0" err="1"/>
-              <a:t>đoán</a:t>
-            </a:r>
-            <a:r>
-              <a:rPr lang="en-US" sz="1800" dirty="0"/>
-              <a:t> </a:t>
-            </a:r>
-            <a:r>
-              <a:rPr lang="en-US" sz="1800" dirty="0" err="1"/>
-              <a:t>điểm</a:t>
-            </a:r>
-            <a:r>
-              <a:rPr lang="en-US" sz="1800" dirty="0"/>
-              <a:t> </a:t>
-            </a:r>
-            <a:r>
-              <a:rPr lang="en-US" sz="1800" dirty="0" err="1"/>
-              <a:t>chuẩn</a:t>
-            </a:r>
-            <a:r>
-              <a:rPr lang="en-US" sz="1800" dirty="0"/>
-              <a:t> </a:t>
-            </a:r>
-            <a:r>
-              <a:rPr lang="en-US" sz="1800" dirty="0" err="1"/>
-              <a:t>của</a:t>
-            </a:r>
-            <a:r>
-              <a:rPr lang="en-US" sz="1800" dirty="0"/>
-              <a:t> </a:t>
-            </a:r>
-            <a:r>
-              <a:rPr lang="en-US" sz="1800" dirty="0" err="1"/>
-              <a:t>các</a:t>
-            </a:r>
-            <a:r>
-              <a:rPr lang="en-US" sz="1800" dirty="0"/>
-              <a:t> </a:t>
-            </a:r>
-            <a:r>
-              <a:rPr lang="en-US" sz="1800" dirty="0" err="1"/>
-              <a:t>trường</a:t>
-            </a:r>
-            <a:r>
-              <a:rPr lang="en-US" sz="1800" dirty="0"/>
-              <a:t> ĐH.</a:t>
-            </a:r>
-          </a:p>
-          <a:p>
-            <a:pPr marL="533400" lvl="1" indent="0">
-              <a:buNone/>
-            </a:pPr>
-            <a:endParaRPr lang="en-US" sz="1800" dirty="0"/>
-          </a:p>
-          <a:p>
-            <a:pPr lvl="1"/>
-            <a:r>
-              <a:rPr lang="en-US" sz="1800" dirty="0"/>
-              <a:t>Thu </a:t>
-            </a:r>
-            <a:r>
-              <a:rPr lang="en-US" sz="1800" dirty="0" err="1"/>
-              <a:t>thập</a:t>
-            </a:r>
-            <a:r>
-              <a:rPr lang="en-US" sz="1800" dirty="0"/>
-              <a:t> </a:t>
-            </a:r>
-            <a:r>
-              <a:rPr lang="en-US" sz="1800" dirty="0" err="1"/>
-              <a:t>thêm</a:t>
-            </a:r>
-            <a:r>
-              <a:rPr lang="en-US" sz="1800" dirty="0"/>
-              <a:t> </a:t>
-            </a:r>
-            <a:r>
-              <a:rPr lang="en-US" sz="1800" dirty="0" err="1"/>
-              <a:t>nhiều</a:t>
-            </a:r>
-            <a:r>
-              <a:rPr lang="en-US" sz="1800" dirty="0"/>
-              <a:t> </a:t>
-            </a:r>
-            <a:r>
-              <a:rPr lang="en-US" sz="1800" dirty="0" err="1"/>
-              <a:t>nghành</a:t>
-            </a:r>
-            <a:r>
-              <a:rPr lang="en-US" sz="1800" dirty="0"/>
-              <a:t> </a:t>
-            </a:r>
-            <a:r>
-              <a:rPr lang="en-US" sz="1800" dirty="0" err="1"/>
-              <a:t>khác</a:t>
-            </a:r>
-            <a:endParaRPr lang="en-US" sz="1800" dirty="0"/>
+              <a:rPr lang="en-US"/>
+              <a:t>5. KẾT QUẢ </a:t>
+            </a:r>
           </a:p>
         </p:txBody>
       </p:sp>
+    </p:spTree>
+  </p:cSld>
+  <p:clrMapOvr>
+    <a:masterClrMapping/>
+  </p:clrMapOvr>
+  <p:transition>
+    <p:fade thruBlk="1"/>
+  </p:transition>
+</p:sld>
+</file>
+
+<file path=ppt/slides/slide36.xml><?xml version="1.0" encoding="utf-8"?>
+<p:sld xmlns:a="http://schemas.openxmlformats.org/drawingml/2006/main" xmlns:r="http://schemas.openxmlformats.org/officeDocument/2006/relationships" xmlns:p="http://schemas.openxmlformats.org/presentationml/2006/main">
+  <p:cSld>
+    <p:spTree>
+      <p:nvGrpSpPr>
+        <p:cNvPr id="1" name=""/>
+        <p:cNvGrpSpPr/>
+        <p:nvPr/>
+      </p:nvGrpSpPr>
+      <p:grpSpPr>
+        <a:xfrm>
+          <a:off x="0" y="0"/>
+          <a:ext cx="0" cy="0"/>
+          <a:chOff x="0" y="0"/>
+          <a:chExt cx="0" cy="0"/>
+        </a:xfrm>
+      </p:grpSpPr>
       <p:sp>
         <p:nvSpPr>
-          <p:cNvPr id="4" name="Slide Number Placeholder 3"/>
+          <p:cNvPr id="2" name="Slide Number Placeholder 1">
+            <a:extLst>
+              <a:ext uri="{FF2B5EF4-FFF2-40B4-BE49-F238E27FC236}">
+                <a16:creationId xmlns:a16="http://schemas.microsoft.com/office/drawing/2014/main" id="{24432A18-4CA5-4EC7-8492-A2170F4A7B52}"/>
+              </a:ext>
+            </a:extLst>
+          </p:cNvPr>
           <p:cNvSpPr>
             <a:spLocks noGrp="1"/>
           </p:cNvSpPr>
@@ -39443,14 +39801,983 @@
               <a:buNone/>
             </a:pPr>
             <a:fld id="{00000000-1234-1234-1234-123412341234}" type="slidenum">
-              <a:rPr lang="en-GB"/>
-              <a:t>35</a:t>
+              <a:rPr lang="en-GB" smtClean="0"/>
+              <a:t>36</a:t>
             </a:fld>
             <a:endParaRPr lang="en-GB"/>
           </a:p>
         </p:txBody>
       </p:sp>
+      <p:sp>
+        <p:nvSpPr>
+          <p:cNvPr id="3" name="Title 2">
+            <a:extLst>
+              <a:ext uri="{FF2B5EF4-FFF2-40B4-BE49-F238E27FC236}">
+                <a16:creationId xmlns:a16="http://schemas.microsoft.com/office/drawing/2014/main" id="{3868BC7C-9322-4C21-8B90-DAA09B828334}"/>
+              </a:ext>
+            </a:extLst>
+          </p:cNvPr>
+          <p:cNvSpPr>
+            <a:spLocks noGrp="1"/>
+          </p:cNvSpPr>
+          <p:nvPr>
+            <p:ph type="title"/>
+          </p:nvPr>
+        </p:nvSpPr>
+        <p:spPr/>
+        <p:txBody>
+          <a:bodyPr/>
+          <a:lstStyle/>
+          <a:p>
+            <a:r>
+              <a:rPr lang="en-US" sz="3600" dirty="0">
+                <a:latin typeface="Times New Roman" panose="02020603050405020304" pitchFamily="18" charset="0"/>
+                <a:cs typeface="Times New Roman" panose="02020603050405020304" pitchFamily="18" charset="0"/>
+              </a:rPr>
+              <a:t>5.1 </a:t>
+            </a:r>
+            <a:r>
+              <a:rPr lang="en-US" sz="3600" dirty="0" err="1">
+                <a:latin typeface="Times New Roman" panose="02020603050405020304" pitchFamily="18" charset="0"/>
+                <a:cs typeface="Times New Roman" panose="02020603050405020304" pitchFamily="18" charset="0"/>
+              </a:rPr>
+              <a:t>Kết</a:t>
+            </a:r>
+            <a:r>
+              <a:rPr lang="en-US" sz="3600" dirty="0">
+                <a:latin typeface="Times New Roman" panose="02020603050405020304" pitchFamily="18" charset="0"/>
+                <a:cs typeface="Times New Roman" panose="02020603050405020304" pitchFamily="18" charset="0"/>
+              </a:rPr>
+              <a:t> </a:t>
+            </a:r>
+            <a:r>
+              <a:rPr lang="en-US" sz="3600" dirty="0" err="1">
+                <a:latin typeface="Times New Roman" panose="02020603050405020304" pitchFamily="18" charset="0"/>
+                <a:cs typeface="Times New Roman" panose="02020603050405020304" pitchFamily="18" charset="0"/>
+              </a:rPr>
+              <a:t>quả</a:t>
+            </a:r>
+            <a:endParaRPr lang="en-US" sz="3600" dirty="0">
+              <a:latin typeface="Times New Roman" panose="02020603050405020304" pitchFamily="18" charset="0"/>
+              <a:cs typeface="Times New Roman" panose="02020603050405020304" pitchFamily="18" charset="0"/>
+            </a:endParaRPr>
+          </a:p>
+        </p:txBody>
+      </p:sp>
+      <p:sp>
+        <p:nvSpPr>
+          <p:cNvPr id="4" name="Text Placeholder 3">
+            <a:extLst>
+              <a:ext uri="{FF2B5EF4-FFF2-40B4-BE49-F238E27FC236}">
+                <a16:creationId xmlns:a16="http://schemas.microsoft.com/office/drawing/2014/main" id="{1891E4DB-5128-4B75-BF00-1574CB2AA1B1}"/>
+              </a:ext>
+            </a:extLst>
+          </p:cNvPr>
+          <p:cNvSpPr>
+            <a:spLocks noGrp="1"/>
+          </p:cNvSpPr>
+          <p:nvPr>
+            <p:ph type="body" idx="1"/>
+          </p:nvPr>
+        </p:nvSpPr>
+        <p:spPr/>
+        <p:txBody>
+          <a:bodyPr/>
+          <a:lstStyle/>
+          <a:p>
+            <a:r>
+              <a:rPr lang="en-US" sz="2000" dirty="0" err="1"/>
+              <a:t>Tìm</a:t>
+            </a:r>
+            <a:r>
+              <a:rPr lang="en-US" sz="2000" dirty="0"/>
+              <a:t> </a:t>
+            </a:r>
+            <a:r>
+              <a:rPr lang="en-US" sz="2000" dirty="0" err="1"/>
+              <a:t>hiểu</a:t>
+            </a:r>
+            <a:r>
+              <a:rPr lang="en-US" sz="2000" dirty="0"/>
+              <a:t> </a:t>
+            </a:r>
+            <a:r>
+              <a:rPr lang="en-US" sz="2000" dirty="0" err="1"/>
+              <a:t>thêm</a:t>
+            </a:r>
+            <a:r>
+              <a:rPr lang="en-US" sz="2000" dirty="0"/>
+              <a:t> </a:t>
+            </a:r>
+            <a:r>
+              <a:rPr lang="en-US" sz="2000" dirty="0" err="1"/>
+              <a:t>được</a:t>
+            </a:r>
+            <a:r>
+              <a:rPr lang="en-US" sz="2000" dirty="0"/>
+              <a:t> </a:t>
+            </a:r>
+            <a:r>
+              <a:rPr lang="en-US" sz="2000" dirty="0" err="1"/>
+              <a:t>cách</a:t>
+            </a:r>
+            <a:r>
+              <a:rPr lang="en-US" sz="2000" dirty="0"/>
+              <a:t> crawl data </a:t>
+            </a:r>
+            <a:r>
+              <a:rPr lang="en-US" sz="2000" dirty="0" err="1"/>
+              <a:t>từ</a:t>
+            </a:r>
+            <a:r>
+              <a:rPr lang="en-US" sz="2000" dirty="0"/>
+              <a:t> web </a:t>
+            </a:r>
+            <a:r>
+              <a:rPr lang="en-US" sz="2000" dirty="0" err="1"/>
+              <a:t>bằng</a:t>
+            </a:r>
+            <a:r>
+              <a:rPr lang="en-US" sz="2000" dirty="0"/>
+              <a:t> selenium.</a:t>
+            </a:r>
+          </a:p>
+          <a:p>
+            <a:r>
+              <a:rPr lang="en-US" sz="2000" dirty="0" err="1"/>
+              <a:t>Hiểu</a:t>
+            </a:r>
+            <a:r>
+              <a:rPr lang="en-US" sz="2000" dirty="0"/>
+              <a:t> </a:t>
+            </a:r>
+            <a:r>
+              <a:rPr lang="en-US" sz="2000" dirty="0" err="1"/>
+              <a:t>về</a:t>
+            </a:r>
+            <a:r>
+              <a:rPr lang="en-US" sz="2000" dirty="0"/>
+              <a:t> </a:t>
+            </a:r>
+            <a:r>
+              <a:rPr lang="en-US" sz="2000" dirty="0" err="1"/>
+              <a:t>bố</a:t>
+            </a:r>
+            <a:r>
+              <a:rPr lang="en-US" sz="2000" dirty="0"/>
+              <a:t> </a:t>
+            </a:r>
+            <a:r>
+              <a:rPr lang="en-US" sz="2000" dirty="0" err="1"/>
+              <a:t>cục</a:t>
+            </a:r>
+            <a:r>
+              <a:rPr lang="en-US" sz="2000" dirty="0"/>
+              <a:t> </a:t>
+            </a:r>
+            <a:r>
+              <a:rPr lang="en-US" sz="2000" dirty="0" err="1"/>
+              <a:t>giao</a:t>
+            </a:r>
+            <a:r>
+              <a:rPr lang="en-US" sz="2000" dirty="0"/>
+              <a:t> </a:t>
+            </a:r>
+            <a:r>
+              <a:rPr lang="en-US" sz="2000" dirty="0" err="1"/>
+              <a:t>diện</a:t>
+            </a:r>
+            <a:r>
+              <a:rPr lang="en-US" sz="2000" dirty="0"/>
+              <a:t> </a:t>
+            </a:r>
+            <a:r>
+              <a:rPr lang="en-US" sz="2000" dirty="0" err="1"/>
+              <a:t>tkinter</a:t>
+            </a:r>
+            <a:endParaRPr lang="en-US" sz="2000" dirty="0"/>
+          </a:p>
+          <a:p>
+            <a:r>
+              <a:rPr lang="en-US" sz="2000" dirty="0" err="1"/>
+              <a:t>Giúp</a:t>
+            </a:r>
+            <a:r>
+              <a:rPr lang="en-US" sz="2000" dirty="0"/>
+              <a:t> </a:t>
+            </a:r>
+            <a:r>
+              <a:rPr lang="en-US" sz="2000" dirty="0" err="1"/>
+              <a:t>các</a:t>
+            </a:r>
+            <a:r>
+              <a:rPr lang="en-US" sz="2000" dirty="0"/>
+              <a:t> </a:t>
+            </a:r>
+            <a:r>
+              <a:rPr lang="en-US" sz="2000" dirty="0" err="1"/>
+              <a:t>học</a:t>
+            </a:r>
+            <a:r>
+              <a:rPr lang="en-US" sz="2000" dirty="0"/>
+              <a:t> </a:t>
+            </a:r>
+            <a:r>
+              <a:rPr lang="en-US" sz="2000" dirty="0" err="1"/>
+              <a:t>sinh</a:t>
+            </a:r>
+            <a:r>
+              <a:rPr lang="en-US" sz="2000" dirty="0"/>
+              <a:t> 12 THPT </a:t>
+            </a:r>
+            <a:r>
+              <a:rPr lang="en-US" sz="2000" dirty="0" err="1"/>
+              <a:t>có</a:t>
+            </a:r>
+            <a:r>
+              <a:rPr lang="en-US" sz="2000" dirty="0"/>
+              <a:t> </a:t>
+            </a:r>
+            <a:r>
+              <a:rPr lang="en-US" sz="2000" dirty="0" err="1"/>
+              <a:t>thể</a:t>
+            </a:r>
+            <a:r>
+              <a:rPr lang="en-US" sz="2000" dirty="0"/>
+              <a:t> </a:t>
+            </a:r>
+            <a:r>
+              <a:rPr lang="en-US" sz="2000" dirty="0" err="1"/>
+              <a:t>tra</a:t>
+            </a:r>
+            <a:r>
+              <a:rPr lang="en-US" sz="2000" dirty="0"/>
+              <a:t> </a:t>
+            </a:r>
+            <a:r>
+              <a:rPr lang="en-US" sz="2000" dirty="0" err="1"/>
+              <a:t>cứu</a:t>
+            </a:r>
+            <a:r>
+              <a:rPr lang="en-US" sz="2000" dirty="0"/>
+              <a:t> </a:t>
+            </a:r>
+            <a:r>
+              <a:rPr lang="en-US" sz="2000" dirty="0" err="1"/>
+              <a:t>được</a:t>
+            </a:r>
+            <a:r>
+              <a:rPr lang="en-US" sz="2000" dirty="0"/>
+              <a:t> </a:t>
+            </a:r>
+            <a:r>
+              <a:rPr lang="en-US" sz="2000" dirty="0" err="1"/>
+              <a:t>điểm</a:t>
+            </a:r>
+            <a:r>
+              <a:rPr lang="en-US" sz="2000" dirty="0"/>
+              <a:t> </a:t>
+            </a:r>
+            <a:r>
+              <a:rPr lang="en-US" sz="2000" dirty="0" err="1"/>
+              <a:t>chuẩn</a:t>
+            </a:r>
+            <a:r>
+              <a:rPr lang="en-US" sz="2000" dirty="0"/>
+              <a:t> </a:t>
+            </a:r>
+            <a:r>
+              <a:rPr lang="en-US" sz="2000" dirty="0" err="1"/>
+              <a:t>hàng</a:t>
+            </a:r>
+            <a:r>
+              <a:rPr lang="en-US" sz="2000" dirty="0"/>
+              <a:t> </a:t>
+            </a:r>
+            <a:r>
+              <a:rPr lang="en-US" sz="2000" dirty="0" err="1"/>
+              <a:t>năm</a:t>
+            </a:r>
+            <a:r>
+              <a:rPr lang="en-US" sz="2000" dirty="0"/>
+              <a:t> </a:t>
+            </a:r>
+            <a:r>
+              <a:rPr lang="en-US" sz="2000" dirty="0" err="1"/>
+              <a:t>của</a:t>
+            </a:r>
+            <a:r>
+              <a:rPr lang="en-US" sz="2000" dirty="0"/>
+              <a:t> </a:t>
+            </a:r>
+            <a:r>
+              <a:rPr lang="en-US" sz="2000" dirty="0" err="1"/>
+              <a:t>cùng</a:t>
+            </a:r>
+            <a:r>
+              <a:rPr lang="en-US" sz="2000" dirty="0"/>
+              <a:t> 1 </a:t>
+            </a:r>
+            <a:r>
+              <a:rPr lang="en-US" sz="2000" dirty="0" err="1"/>
+              <a:t>ngành</a:t>
+            </a:r>
+            <a:r>
+              <a:rPr lang="en-US" sz="2000" dirty="0"/>
+              <a:t> </a:t>
+            </a:r>
+            <a:r>
+              <a:rPr lang="en-US" sz="2000" dirty="0" err="1"/>
+              <a:t>của</a:t>
+            </a:r>
+            <a:r>
+              <a:rPr lang="en-US" sz="2000" dirty="0"/>
+              <a:t> </a:t>
+            </a:r>
+            <a:r>
+              <a:rPr lang="en-US" sz="2000" dirty="0" err="1"/>
+              <a:t>cá</a:t>
+            </a:r>
+            <a:r>
+              <a:rPr lang="en-US" sz="2000" dirty="0"/>
+              <a:t> </a:t>
+            </a:r>
+            <a:r>
+              <a:rPr lang="en-US" sz="2000" dirty="0" err="1"/>
+              <a:t>trường</a:t>
+            </a:r>
+            <a:r>
+              <a:rPr lang="en-US" sz="2000" dirty="0"/>
+              <a:t> </a:t>
+            </a:r>
+            <a:r>
+              <a:rPr lang="en-US" sz="2000" dirty="0" err="1"/>
+              <a:t>với</a:t>
+            </a:r>
+            <a:r>
+              <a:rPr lang="en-US" sz="2000" dirty="0"/>
+              <a:t> </a:t>
+            </a:r>
+            <a:r>
+              <a:rPr lang="en-US" sz="2000" dirty="0" err="1"/>
+              <a:t>nhau</a:t>
+            </a:r>
+            <a:r>
+              <a:rPr lang="en-US" sz="2000" dirty="0"/>
+              <a:t> </a:t>
+            </a:r>
+            <a:r>
+              <a:rPr lang="en-US" sz="2000" dirty="0" err="1"/>
+              <a:t>cùng</a:t>
+            </a:r>
+            <a:r>
+              <a:rPr lang="en-US" sz="2000" dirty="0"/>
+              <a:t> </a:t>
+            </a:r>
+            <a:r>
+              <a:rPr lang="en-US" sz="2000" dirty="0" err="1"/>
+              <a:t>với</a:t>
+            </a:r>
+            <a:r>
+              <a:rPr lang="en-US" sz="2000" dirty="0"/>
+              <a:t> </a:t>
+            </a:r>
+            <a:r>
+              <a:rPr lang="en-US" sz="2000" dirty="0" err="1"/>
+              <a:t>đó</a:t>
+            </a:r>
+            <a:r>
+              <a:rPr lang="en-US" sz="2000" dirty="0"/>
+              <a:t> </a:t>
+            </a:r>
+            <a:r>
+              <a:rPr lang="en-US" sz="2000" dirty="0" err="1"/>
+              <a:t>là</a:t>
+            </a:r>
+            <a:r>
+              <a:rPr lang="en-US" sz="2000" dirty="0"/>
+              <a:t> 1 </a:t>
+            </a:r>
+            <a:r>
+              <a:rPr lang="en-US" sz="2000" dirty="0" err="1"/>
+              <a:t>số</a:t>
+            </a:r>
+            <a:r>
+              <a:rPr lang="en-US" sz="2000" dirty="0"/>
+              <a:t> </a:t>
+            </a:r>
+            <a:r>
+              <a:rPr lang="en-US" sz="2000" dirty="0" err="1"/>
+              <a:t>thông</a:t>
+            </a:r>
+            <a:r>
+              <a:rPr lang="en-US" sz="2000" dirty="0"/>
+              <a:t> tin </a:t>
+            </a:r>
+            <a:r>
+              <a:rPr lang="en-US" sz="2000" dirty="0" err="1"/>
+              <a:t>như</a:t>
+            </a:r>
+            <a:r>
+              <a:rPr lang="en-US" sz="2000" dirty="0"/>
+              <a:t> </a:t>
+            </a:r>
+            <a:r>
+              <a:rPr lang="en-US" sz="2000" dirty="0" err="1"/>
+              <a:t>học</a:t>
+            </a:r>
+            <a:r>
+              <a:rPr lang="en-US" sz="2000" dirty="0"/>
+              <a:t> </a:t>
+            </a:r>
+            <a:r>
+              <a:rPr lang="en-US" sz="2000" dirty="0" err="1"/>
+              <a:t>phí</a:t>
+            </a:r>
+            <a:r>
+              <a:rPr lang="en-US" sz="2000" dirty="0"/>
+              <a:t>, </a:t>
+            </a:r>
+            <a:r>
+              <a:rPr lang="en-US" sz="2000" dirty="0" err="1"/>
+              <a:t>chỉ</a:t>
+            </a:r>
+            <a:r>
+              <a:rPr lang="en-US" sz="2000" dirty="0"/>
+              <a:t> </a:t>
+            </a:r>
+            <a:r>
+              <a:rPr lang="en-US" sz="2000" dirty="0" err="1"/>
+              <a:t>tiêu</a:t>
+            </a:r>
+            <a:endParaRPr lang="en-US" sz="2000" dirty="0"/>
+          </a:p>
+        </p:txBody>
+      </p:sp>
     </p:spTree>
+    <p:extLst>
+      <p:ext uri="{BB962C8B-B14F-4D97-AF65-F5344CB8AC3E}">
+        <p14:creationId xmlns:p14="http://schemas.microsoft.com/office/powerpoint/2010/main" val="3370946701"/>
+      </p:ext>
+    </p:extLst>
+  </p:cSld>
+  <p:clrMapOvr>
+    <a:masterClrMapping/>
+  </p:clrMapOvr>
+  <p:transition>
+    <p:fade thruBlk="1"/>
+  </p:transition>
+</p:sld>
+</file>
+
+<file path=ppt/slides/slide37.xml><?xml version="1.0" encoding="utf-8"?>
+<p:sld xmlns:a="http://schemas.openxmlformats.org/drawingml/2006/main" xmlns:r="http://schemas.openxmlformats.org/officeDocument/2006/relationships" xmlns:p="http://schemas.openxmlformats.org/presentationml/2006/main">
+  <p:cSld>
+    <p:spTree>
+      <p:nvGrpSpPr>
+        <p:cNvPr id="1" name=""/>
+        <p:cNvGrpSpPr/>
+        <p:nvPr/>
+      </p:nvGrpSpPr>
+      <p:grpSpPr>
+        <a:xfrm>
+          <a:off x="0" y="0"/>
+          <a:ext cx="0" cy="0"/>
+          <a:chOff x="0" y="0"/>
+          <a:chExt cx="0" cy="0"/>
+        </a:xfrm>
+      </p:grpSpPr>
+      <p:sp>
+        <p:nvSpPr>
+          <p:cNvPr id="2" name="Slide Number Placeholder 1">
+            <a:extLst>
+              <a:ext uri="{FF2B5EF4-FFF2-40B4-BE49-F238E27FC236}">
+                <a16:creationId xmlns:a16="http://schemas.microsoft.com/office/drawing/2014/main" id="{C399C0FE-7895-449A-8D53-3E652B68E968}"/>
+              </a:ext>
+            </a:extLst>
+          </p:cNvPr>
+          <p:cNvSpPr>
+            <a:spLocks noGrp="1"/>
+          </p:cNvSpPr>
+          <p:nvPr>
+            <p:ph type="sldNum" idx="12"/>
+          </p:nvPr>
+        </p:nvSpPr>
+        <p:spPr/>
+        <p:txBody>
+          <a:bodyPr/>
+          <a:lstStyle/>
+          <a:p>
+            <a:pPr marL="0" lvl="0" indent="0" algn="ctr" rtl="0">
+              <a:spcBef>
+                <a:spcPts val="0"/>
+              </a:spcBef>
+              <a:spcAft>
+                <a:spcPts val="0"/>
+              </a:spcAft>
+              <a:buNone/>
+            </a:pPr>
+            <a:fld id="{00000000-1234-1234-1234-123412341234}" type="slidenum">
+              <a:rPr lang="en-GB" smtClean="0"/>
+              <a:t>37</a:t>
+            </a:fld>
+            <a:endParaRPr lang="en-GB"/>
+          </a:p>
+        </p:txBody>
+      </p:sp>
+      <p:sp>
+        <p:nvSpPr>
+          <p:cNvPr id="3" name="Title 2">
+            <a:extLst>
+              <a:ext uri="{FF2B5EF4-FFF2-40B4-BE49-F238E27FC236}">
+                <a16:creationId xmlns:a16="http://schemas.microsoft.com/office/drawing/2014/main" id="{32451548-A39A-49EA-A1C5-BA4B2E0A3620}"/>
+              </a:ext>
+            </a:extLst>
+          </p:cNvPr>
+          <p:cNvSpPr>
+            <a:spLocks noGrp="1"/>
+          </p:cNvSpPr>
+          <p:nvPr>
+            <p:ph type="title"/>
+          </p:nvPr>
+        </p:nvSpPr>
+        <p:spPr/>
+        <p:txBody>
+          <a:bodyPr/>
+          <a:lstStyle/>
+          <a:p>
+            <a:r>
+              <a:rPr lang="en-US" sz="2800" dirty="0">
+                <a:latin typeface="Times New Roman" panose="02020603050405020304" pitchFamily="18" charset="0"/>
+                <a:cs typeface="Times New Roman" panose="02020603050405020304" pitchFamily="18" charset="0"/>
+              </a:rPr>
+              <a:t>5.2 </a:t>
+            </a:r>
+            <a:r>
+              <a:rPr lang="en-US" sz="2800" dirty="0" err="1">
+                <a:latin typeface="Times New Roman" panose="02020603050405020304" pitchFamily="18" charset="0"/>
+                <a:cs typeface="Times New Roman" panose="02020603050405020304" pitchFamily="18" charset="0"/>
+              </a:rPr>
+              <a:t>Cải</a:t>
+            </a:r>
+            <a:r>
+              <a:rPr lang="en-US" sz="2800" dirty="0">
+                <a:latin typeface="Times New Roman" panose="02020603050405020304" pitchFamily="18" charset="0"/>
+                <a:cs typeface="Times New Roman" panose="02020603050405020304" pitchFamily="18" charset="0"/>
+              </a:rPr>
+              <a:t> </a:t>
+            </a:r>
+            <a:r>
+              <a:rPr lang="en-US" sz="2800" dirty="0" err="1">
+                <a:latin typeface="Times New Roman" panose="02020603050405020304" pitchFamily="18" charset="0"/>
+                <a:cs typeface="Times New Roman" panose="02020603050405020304" pitchFamily="18" charset="0"/>
+              </a:rPr>
+              <a:t>thiện</a:t>
+            </a:r>
+            <a:r>
+              <a:rPr lang="en-US" sz="2800" dirty="0">
+                <a:latin typeface="Times New Roman" panose="02020603050405020304" pitchFamily="18" charset="0"/>
+                <a:cs typeface="Times New Roman" panose="02020603050405020304" pitchFamily="18" charset="0"/>
+              </a:rPr>
+              <a:t> </a:t>
+            </a:r>
+            <a:r>
+              <a:rPr lang="en-US" sz="2800" dirty="0" err="1">
+                <a:latin typeface="Times New Roman" panose="02020603050405020304" pitchFamily="18" charset="0"/>
+                <a:cs typeface="Times New Roman" panose="02020603050405020304" pitchFamily="18" charset="0"/>
+              </a:rPr>
+              <a:t>và</a:t>
+            </a:r>
+            <a:r>
+              <a:rPr lang="en-US" sz="2800" dirty="0">
+                <a:latin typeface="Times New Roman" panose="02020603050405020304" pitchFamily="18" charset="0"/>
+                <a:cs typeface="Times New Roman" panose="02020603050405020304" pitchFamily="18" charset="0"/>
+              </a:rPr>
+              <a:t> </a:t>
+            </a:r>
+            <a:r>
+              <a:rPr lang="en-US" sz="2800" dirty="0" err="1">
+                <a:latin typeface="Times New Roman" panose="02020603050405020304" pitchFamily="18" charset="0"/>
+                <a:cs typeface="Times New Roman" panose="02020603050405020304" pitchFamily="18" charset="0"/>
+              </a:rPr>
+              <a:t>hướng</a:t>
+            </a:r>
+            <a:r>
+              <a:rPr lang="en-US" sz="2800" dirty="0">
+                <a:latin typeface="Times New Roman" panose="02020603050405020304" pitchFamily="18" charset="0"/>
+                <a:cs typeface="Times New Roman" panose="02020603050405020304" pitchFamily="18" charset="0"/>
+              </a:rPr>
+              <a:t> </a:t>
+            </a:r>
+            <a:r>
+              <a:rPr lang="en-US" sz="2800" dirty="0" err="1">
+                <a:latin typeface="Times New Roman" panose="02020603050405020304" pitchFamily="18" charset="0"/>
+                <a:cs typeface="Times New Roman" panose="02020603050405020304" pitchFamily="18" charset="0"/>
+              </a:rPr>
+              <a:t>phát</a:t>
+            </a:r>
+            <a:r>
+              <a:rPr lang="en-US" sz="2800" dirty="0">
+                <a:latin typeface="Times New Roman" panose="02020603050405020304" pitchFamily="18" charset="0"/>
+                <a:cs typeface="Times New Roman" panose="02020603050405020304" pitchFamily="18" charset="0"/>
+              </a:rPr>
+              <a:t> </a:t>
+            </a:r>
+            <a:r>
+              <a:rPr lang="en-US" sz="2800" dirty="0" err="1">
+                <a:latin typeface="Times New Roman" panose="02020603050405020304" pitchFamily="18" charset="0"/>
+                <a:cs typeface="Times New Roman" panose="02020603050405020304" pitchFamily="18" charset="0"/>
+              </a:rPr>
+              <a:t>triển</a:t>
+            </a:r>
+            <a:endParaRPr lang="en-US" sz="2800" dirty="0">
+              <a:latin typeface="Times New Roman" panose="02020603050405020304" pitchFamily="18" charset="0"/>
+              <a:cs typeface="Times New Roman" panose="02020603050405020304" pitchFamily="18" charset="0"/>
+            </a:endParaRPr>
+          </a:p>
+        </p:txBody>
+      </p:sp>
+      <p:sp>
+        <p:nvSpPr>
+          <p:cNvPr id="4" name="Text Placeholder 3">
+            <a:extLst>
+              <a:ext uri="{FF2B5EF4-FFF2-40B4-BE49-F238E27FC236}">
+                <a16:creationId xmlns:a16="http://schemas.microsoft.com/office/drawing/2014/main" id="{8D3E8C55-7ADA-4D3A-BA84-A5936E375983}"/>
+              </a:ext>
+            </a:extLst>
+          </p:cNvPr>
+          <p:cNvSpPr>
+            <a:spLocks noGrp="1"/>
+          </p:cNvSpPr>
+          <p:nvPr>
+            <p:ph type="body" idx="1"/>
+          </p:nvPr>
+        </p:nvSpPr>
+        <p:spPr/>
+        <p:txBody>
+          <a:bodyPr/>
+          <a:lstStyle/>
+          <a:p>
+            <a:pPr lvl="1"/>
+            <a:r>
+              <a:rPr lang="en-US" sz="1600" dirty="0" err="1"/>
+              <a:t>Tạo</a:t>
+            </a:r>
+            <a:r>
+              <a:rPr lang="en-US" sz="1600" dirty="0"/>
+              <a:t> ra </a:t>
+            </a:r>
+            <a:r>
+              <a:rPr lang="en-US" sz="1600" dirty="0" err="1"/>
+              <a:t>phổ</a:t>
+            </a:r>
+            <a:r>
+              <a:rPr lang="en-US" sz="1600" dirty="0"/>
+              <a:t> </a:t>
+            </a:r>
+            <a:r>
+              <a:rPr lang="en-US" sz="1600" dirty="0" err="1"/>
+              <a:t>điểm</a:t>
+            </a:r>
+            <a:r>
+              <a:rPr lang="en-US" sz="1600" dirty="0"/>
+              <a:t> </a:t>
+            </a:r>
+            <a:r>
+              <a:rPr lang="en-US" sz="1600" dirty="0" err="1"/>
+              <a:t>các</a:t>
+            </a:r>
+            <a:r>
+              <a:rPr lang="en-US" sz="1600" dirty="0"/>
+              <a:t> </a:t>
+            </a:r>
+            <a:r>
+              <a:rPr lang="en-US" sz="1600" dirty="0" err="1"/>
+              <a:t>tổ</a:t>
+            </a:r>
+            <a:r>
+              <a:rPr lang="en-US" sz="1600" dirty="0"/>
+              <a:t> </a:t>
+            </a:r>
+            <a:r>
+              <a:rPr lang="en-US" sz="1600" dirty="0" err="1"/>
+              <a:t>hợp</a:t>
+            </a:r>
+            <a:r>
+              <a:rPr lang="en-US" sz="1600" dirty="0"/>
+              <a:t> </a:t>
+            </a:r>
+            <a:r>
+              <a:rPr lang="en-US" sz="1600" dirty="0" err="1"/>
+              <a:t>theo</a:t>
+            </a:r>
+            <a:r>
+              <a:rPr lang="en-US" sz="1600" dirty="0"/>
+              <a:t> </a:t>
+            </a:r>
+            <a:r>
+              <a:rPr lang="en-US" sz="1600" dirty="0" err="1"/>
+              <a:t>khối</a:t>
+            </a:r>
+            <a:r>
+              <a:rPr lang="en-US" sz="1600" dirty="0"/>
+              <a:t>.</a:t>
+            </a:r>
+          </a:p>
+          <a:p>
+            <a:pPr marL="533400" lvl="1" indent="0">
+              <a:buNone/>
+            </a:pPr>
+            <a:endParaRPr lang="en-US" sz="1600" dirty="0"/>
+          </a:p>
+          <a:p>
+            <a:pPr lvl="1"/>
+            <a:r>
+              <a:rPr lang="en-US" sz="1600" dirty="0" err="1"/>
+              <a:t>Có</a:t>
+            </a:r>
+            <a:r>
+              <a:rPr lang="en-US" sz="1600" dirty="0"/>
+              <a:t> </a:t>
+            </a:r>
+            <a:r>
+              <a:rPr lang="en-US" sz="1600" dirty="0" err="1"/>
+              <a:t>thể</a:t>
+            </a:r>
+            <a:r>
+              <a:rPr lang="en-US" sz="1600" dirty="0"/>
+              <a:t> </a:t>
+            </a:r>
+            <a:r>
+              <a:rPr lang="en-US" sz="1600" dirty="0" err="1"/>
+              <a:t>dự</a:t>
+            </a:r>
+            <a:r>
+              <a:rPr lang="en-US" sz="1600" dirty="0"/>
+              <a:t> </a:t>
+            </a:r>
+            <a:r>
+              <a:rPr lang="en-US" sz="1600" dirty="0" err="1"/>
+              <a:t>đoán</a:t>
+            </a:r>
+            <a:r>
+              <a:rPr lang="en-US" sz="1600" dirty="0"/>
+              <a:t> </a:t>
+            </a:r>
+            <a:r>
+              <a:rPr lang="en-US" sz="1600" dirty="0" err="1"/>
+              <a:t>điểm</a:t>
+            </a:r>
+            <a:r>
+              <a:rPr lang="en-US" sz="1600" dirty="0"/>
+              <a:t> </a:t>
+            </a:r>
+            <a:r>
+              <a:rPr lang="en-US" sz="1600" dirty="0" err="1"/>
+              <a:t>chuẩn</a:t>
+            </a:r>
+            <a:r>
+              <a:rPr lang="en-US" sz="1600" dirty="0"/>
+              <a:t> </a:t>
+            </a:r>
+            <a:r>
+              <a:rPr lang="en-US" sz="1600" dirty="0" err="1"/>
+              <a:t>của</a:t>
+            </a:r>
+            <a:r>
+              <a:rPr lang="en-US" sz="1600" dirty="0"/>
+              <a:t> </a:t>
+            </a:r>
+            <a:r>
+              <a:rPr lang="en-US" sz="1600" dirty="0" err="1"/>
+              <a:t>các</a:t>
+            </a:r>
+            <a:r>
+              <a:rPr lang="en-US" sz="1600" dirty="0"/>
+              <a:t> </a:t>
+            </a:r>
+            <a:r>
+              <a:rPr lang="en-US" sz="1600" dirty="0" err="1"/>
+              <a:t>trường</a:t>
+            </a:r>
+            <a:r>
+              <a:rPr lang="en-US" sz="1600" dirty="0"/>
+              <a:t> ĐH.</a:t>
+            </a:r>
+          </a:p>
+          <a:p>
+            <a:pPr marL="533400" lvl="1" indent="0">
+              <a:buNone/>
+            </a:pPr>
+            <a:endParaRPr lang="en-US" sz="1600" dirty="0"/>
+          </a:p>
+          <a:p>
+            <a:pPr lvl="1"/>
+            <a:r>
+              <a:rPr lang="en-US" sz="1600" dirty="0"/>
+              <a:t>Thu </a:t>
+            </a:r>
+            <a:r>
+              <a:rPr lang="en-US" sz="1600" dirty="0" err="1"/>
+              <a:t>thập</a:t>
+            </a:r>
+            <a:r>
+              <a:rPr lang="en-US" sz="1600" dirty="0"/>
+              <a:t> </a:t>
+            </a:r>
+            <a:r>
+              <a:rPr lang="en-US" sz="1600" dirty="0" err="1"/>
+              <a:t>thêm</a:t>
+            </a:r>
+            <a:r>
+              <a:rPr lang="en-US" sz="1600" dirty="0"/>
+              <a:t> </a:t>
+            </a:r>
+            <a:r>
+              <a:rPr lang="en-US" sz="1600" dirty="0" err="1"/>
+              <a:t>nhiều</a:t>
+            </a:r>
+            <a:r>
+              <a:rPr lang="en-US" sz="1600" dirty="0"/>
+              <a:t> </a:t>
+            </a:r>
+            <a:r>
+              <a:rPr lang="en-US" sz="1600" dirty="0" err="1"/>
+              <a:t>ngành</a:t>
+            </a:r>
+            <a:r>
+              <a:rPr lang="en-US" sz="1600" dirty="0"/>
+              <a:t> </a:t>
+            </a:r>
+            <a:r>
+              <a:rPr lang="en-US" sz="1600" dirty="0" err="1"/>
+              <a:t>khác</a:t>
+            </a:r>
+            <a:endParaRPr lang="en-US" sz="1600" dirty="0"/>
+          </a:p>
+          <a:p>
+            <a:pPr lvl="1"/>
+            <a:endParaRPr lang="en-US" sz="1600" dirty="0"/>
+          </a:p>
+          <a:p>
+            <a:pPr lvl="1"/>
+            <a:r>
+              <a:rPr lang="en-US" sz="1600" dirty="0" err="1"/>
+              <a:t>Dùng</a:t>
+            </a:r>
+            <a:r>
+              <a:rPr lang="en-US" sz="1600" dirty="0"/>
+              <a:t> </a:t>
+            </a:r>
+            <a:r>
+              <a:rPr lang="en-US" sz="1600" dirty="0" err="1"/>
+              <a:t>phần</a:t>
+            </a:r>
+            <a:r>
+              <a:rPr lang="en-US" sz="1600" dirty="0"/>
+              <a:t> </a:t>
+            </a:r>
+            <a:r>
+              <a:rPr lang="en-US" sz="1600" dirty="0" err="1"/>
+              <a:t>mềm</a:t>
+            </a:r>
+            <a:r>
+              <a:rPr lang="en-US" sz="1600" dirty="0"/>
+              <a:t> </a:t>
+            </a:r>
+            <a:r>
+              <a:rPr lang="en-US" sz="1600" dirty="0" err="1"/>
+              <a:t>phân</a:t>
+            </a:r>
+            <a:r>
+              <a:rPr lang="en-US" sz="1600" dirty="0"/>
+              <a:t> </a:t>
+            </a:r>
+            <a:r>
+              <a:rPr lang="en-US" sz="1600" dirty="0" err="1"/>
+              <a:t>tích</a:t>
+            </a:r>
+            <a:r>
+              <a:rPr lang="en-US" sz="1600" dirty="0"/>
+              <a:t> </a:t>
+            </a:r>
+            <a:r>
+              <a:rPr lang="en-US" sz="1600" dirty="0" err="1"/>
+              <a:t>điểm</a:t>
+            </a:r>
+            <a:r>
+              <a:rPr lang="en-US" sz="1600" dirty="0"/>
+              <a:t> </a:t>
+            </a:r>
+            <a:r>
+              <a:rPr lang="en-US" sz="1600" dirty="0" err="1"/>
+              <a:t>các</a:t>
+            </a:r>
+            <a:r>
+              <a:rPr lang="en-US" sz="1600" dirty="0"/>
+              <a:t> </a:t>
+            </a:r>
+            <a:r>
+              <a:rPr lang="en-US" sz="1600" dirty="0" err="1"/>
+              <a:t>kỳ</a:t>
+            </a:r>
+            <a:r>
+              <a:rPr lang="en-US" sz="1600" dirty="0"/>
+              <a:t> </a:t>
+            </a:r>
+            <a:r>
+              <a:rPr lang="en-US" sz="1600" dirty="0" err="1"/>
+              <a:t>thi</a:t>
+            </a:r>
+            <a:r>
+              <a:rPr lang="en-US" sz="1600" dirty="0"/>
+              <a:t> </a:t>
+            </a:r>
+            <a:r>
+              <a:rPr lang="en-US" sz="1600" dirty="0" err="1"/>
+              <a:t>tuyển</a:t>
+            </a:r>
+            <a:r>
+              <a:rPr lang="en-US" sz="1600" dirty="0"/>
+              <a:t> </a:t>
+            </a:r>
+            <a:r>
+              <a:rPr lang="en-US" sz="1600" dirty="0" err="1"/>
+              <a:t>sinh</a:t>
+            </a:r>
+            <a:r>
+              <a:rPr lang="en-US" sz="1600" dirty="0"/>
+              <a:t> </a:t>
+            </a:r>
+            <a:r>
+              <a:rPr lang="en-US" sz="1600" dirty="0" err="1"/>
+              <a:t>tiếp</a:t>
+            </a:r>
+            <a:r>
+              <a:rPr lang="en-US" sz="1600" dirty="0"/>
+              <a:t> </a:t>
+            </a:r>
+            <a:r>
+              <a:rPr lang="en-US" sz="1600" dirty="0" err="1"/>
+              <a:t>theo</a:t>
+            </a:r>
+            <a:endParaRPr lang="en-US" sz="1600" dirty="0"/>
+          </a:p>
+          <a:p>
+            <a:pPr lvl="1"/>
+            <a:endParaRPr lang="en-US" sz="2000" dirty="0"/>
+          </a:p>
+          <a:p>
+            <a:endParaRPr lang="en-US" dirty="0"/>
+          </a:p>
+        </p:txBody>
+      </p:sp>
+    </p:spTree>
+    <p:extLst>
+      <p:ext uri="{BB962C8B-B14F-4D97-AF65-F5344CB8AC3E}">
+        <p14:creationId xmlns:p14="http://schemas.microsoft.com/office/powerpoint/2010/main" val="3566798422"/>
+      </p:ext>
+    </p:extLst>
   </p:cSld>
   <p:clrMapOvr>
     <a:masterClrMapping/>
@@ -39513,7 +40840,7 @@
               <a:buNone/>
             </a:pPr>
             <a:r>
-              <a:rPr lang="en-US" altLang="en-GB"/>
+              <a:rPr lang="en-US" altLang="en-GB" dirty="0"/>
               <a:t>I.GIỚI THIỆU </a:t>
             </a:r>
           </a:p>
@@ -39555,18 +40882,636 @@
               <a:buChar char="▹"/>
             </a:pPr>
             <a:r>
-              <a:rPr lang="en-GB" sz="1800"/>
-              <a:t>Để giải quyết sự lo lắng của học sinh 12 sau khi thi ĐH, phần mềm được viết để giúp hỗ trợ các thí sinh có thể so sánh điểm thi của mình so với điểm chuẩn các năm của các trường trong cùng 1 ngành và có thể xem được phổ điểm thi để có thể điều chỉnh nguyện vọng 1 cách hợp lý</a:t>
-            </a:r>
-            <a:r>
-              <a:rPr lang="en-US" altLang="en-GB" sz="1800"/>
+              <a:rPr lang="en-GB" sz="1800" dirty="0" err="1"/>
+              <a:t>Để</a:t>
+            </a:r>
+            <a:r>
+              <a:rPr lang="en-GB" sz="1800" dirty="0"/>
               <a:t> </a:t>
             </a:r>
             <a:r>
-              <a:rPr lang="en-US" sz="1800">
+              <a:rPr lang="en-GB" sz="1800" dirty="0" err="1"/>
+              <a:t>giải</a:t>
+            </a:r>
+            <a:r>
+              <a:rPr lang="en-GB" sz="1800" dirty="0"/>
+              <a:t> </a:t>
+            </a:r>
+            <a:r>
+              <a:rPr lang="en-GB" sz="1800" dirty="0" err="1"/>
+              <a:t>quyết</a:t>
+            </a:r>
+            <a:r>
+              <a:rPr lang="en-GB" sz="1800" dirty="0"/>
+              <a:t> </a:t>
+            </a:r>
+            <a:r>
+              <a:rPr lang="en-GB" sz="1800" dirty="0" err="1"/>
+              <a:t>sự</a:t>
+            </a:r>
+            <a:r>
+              <a:rPr lang="en-GB" sz="1800" dirty="0"/>
+              <a:t> lo </a:t>
+            </a:r>
+            <a:r>
+              <a:rPr lang="en-GB" sz="1800" dirty="0" err="1"/>
+              <a:t>lắng</a:t>
+            </a:r>
+            <a:r>
+              <a:rPr lang="en-GB" sz="1800" dirty="0"/>
+              <a:t> </a:t>
+            </a:r>
+            <a:r>
+              <a:rPr lang="en-GB" sz="1800" dirty="0" err="1"/>
+              <a:t>của</a:t>
+            </a:r>
+            <a:r>
+              <a:rPr lang="en-GB" sz="1800" dirty="0"/>
+              <a:t> </a:t>
+            </a:r>
+            <a:r>
+              <a:rPr lang="en-GB" sz="1800" dirty="0" err="1"/>
+              <a:t>học</a:t>
+            </a:r>
+            <a:r>
+              <a:rPr lang="en-GB" sz="1800" dirty="0"/>
+              <a:t> </a:t>
+            </a:r>
+            <a:r>
+              <a:rPr lang="en-GB" sz="1800" dirty="0" err="1"/>
+              <a:t>sinh</a:t>
+            </a:r>
+            <a:r>
+              <a:rPr lang="en-GB" sz="1800" dirty="0"/>
+              <a:t> 12 </a:t>
+            </a:r>
+            <a:r>
+              <a:rPr lang="en-GB" sz="1800" dirty="0" err="1"/>
+              <a:t>sau</a:t>
+            </a:r>
+            <a:r>
+              <a:rPr lang="en-GB" sz="1800" dirty="0"/>
+              <a:t> </a:t>
+            </a:r>
+            <a:r>
+              <a:rPr lang="en-GB" sz="1800" dirty="0" err="1"/>
+              <a:t>khi</a:t>
+            </a:r>
+            <a:r>
+              <a:rPr lang="en-GB" sz="1800" dirty="0"/>
+              <a:t> </a:t>
+            </a:r>
+            <a:r>
+              <a:rPr lang="en-GB" sz="1800" dirty="0" err="1"/>
+              <a:t>thi</a:t>
+            </a:r>
+            <a:r>
+              <a:rPr lang="en-GB" sz="1800" dirty="0"/>
+              <a:t> ĐH, </a:t>
+            </a:r>
+            <a:r>
+              <a:rPr lang="en-GB" sz="1800" dirty="0" err="1"/>
+              <a:t>phần</a:t>
+            </a:r>
+            <a:r>
+              <a:rPr lang="en-GB" sz="1800" dirty="0"/>
+              <a:t> </a:t>
+            </a:r>
+            <a:r>
+              <a:rPr lang="en-GB" sz="1800" dirty="0" err="1"/>
+              <a:t>mềm</a:t>
+            </a:r>
+            <a:r>
+              <a:rPr lang="en-GB" sz="1800" dirty="0"/>
+              <a:t> </a:t>
+            </a:r>
+            <a:r>
+              <a:rPr lang="en-GB" sz="1800" dirty="0" err="1"/>
+              <a:t>được</a:t>
+            </a:r>
+            <a:r>
+              <a:rPr lang="en-GB" sz="1800" dirty="0"/>
+              <a:t> </a:t>
+            </a:r>
+            <a:r>
+              <a:rPr lang="en-GB" sz="1800" dirty="0" err="1"/>
+              <a:t>viết</a:t>
+            </a:r>
+            <a:r>
+              <a:rPr lang="en-GB" sz="1800" dirty="0"/>
+              <a:t> </a:t>
+            </a:r>
+            <a:r>
+              <a:rPr lang="en-GB" sz="1800" dirty="0" err="1"/>
+              <a:t>để</a:t>
+            </a:r>
+            <a:r>
+              <a:rPr lang="en-GB" sz="1800" dirty="0"/>
+              <a:t> </a:t>
+            </a:r>
+            <a:r>
+              <a:rPr lang="en-GB" sz="1800" dirty="0" err="1"/>
+              <a:t>giúp</a:t>
+            </a:r>
+            <a:r>
+              <a:rPr lang="en-GB" sz="1800" dirty="0"/>
+              <a:t> </a:t>
+            </a:r>
+            <a:r>
+              <a:rPr lang="en-GB" sz="1800" dirty="0" err="1"/>
+              <a:t>hỗ</a:t>
+            </a:r>
+            <a:r>
+              <a:rPr lang="en-GB" sz="1800" dirty="0"/>
+              <a:t> </a:t>
+            </a:r>
+            <a:r>
+              <a:rPr lang="en-GB" sz="1800" dirty="0" err="1"/>
+              <a:t>trợ</a:t>
+            </a:r>
+            <a:r>
+              <a:rPr lang="en-GB" sz="1800" dirty="0"/>
+              <a:t> </a:t>
+            </a:r>
+            <a:r>
+              <a:rPr lang="en-GB" sz="1800" dirty="0" err="1"/>
+              <a:t>các</a:t>
+            </a:r>
+            <a:r>
+              <a:rPr lang="en-GB" sz="1800" dirty="0"/>
+              <a:t> </a:t>
+            </a:r>
+            <a:r>
+              <a:rPr lang="en-GB" sz="1800" dirty="0" err="1"/>
+              <a:t>thí</a:t>
+            </a:r>
+            <a:r>
+              <a:rPr lang="en-GB" sz="1800" dirty="0"/>
+              <a:t> </a:t>
+            </a:r>
+            <a:r>
+              <a:rPr lang="en-GB" sz="1800" dirty="0" err="1"/>
+              <a:t>sinh</a:t>
+            </a:r>
+            <a:r>
+              <a:rPr lang="en-GB" sz="1800" dirty="0"/>
+              <a:t> </a:t>
+            </a:r>
+            <a:r>
+              <a:rPr lang="en-GB" sz="1800" dirty="0" err="1"/>
+              <a:t>có</a:t>
+            </a:r>
+            <a:r>
+              <a:rPr lang="en-GB" sz="1800" dirty="0"/>
+              <a:t> </a:t>
+            </a:r>
+            <a:r>
+              <a:rPr lang="en-GB" sz="1800" dirty="0" err="1"/>
+              <a:t>thể</a:t>
+            </a:r>
+            <a:r>
+              <a:rPr lang="en-GB" sz="1800" dirty="0"/>
+              <a:t> so </a:t>
+            </a:r>
+            <a:r>
+              <a:rPr lang="en-GB" sz="1800" dirty="0" err="1"/>
+              <a:t>sánh</a:t>
+            </a:r>
+            <a:r>
+              <a:rPr lang="en-GB" sz="1800" dirty="0"/>
+              <a:t> </a:t>
+            </a:r>
+            <a:r>
+              <a:rPr lang="en-GB" sz="1800" dirty="0" err="1"/>
+              <a:t>điểm</a:t>
+            </a:r>
+            <a:r>
+              <a:rPr lang="en-GB" sz="1800" dirty="0"/>
+              <a:t> </a:t>
+            </a:r>
+            <a:r>
+              <a:rPr lang="en-GB" sz="1800" dirty="0" err="1"/>
+              <a:t>thi</a:t>
+            </a:r>
+            <a:r>
+              <a:rPr lang="en-GB" sz="1800" dirty="0"/>
+              <a:t> </a:t>
+            </a:r>
+            <a:r>
+              <a:rPr lang="en-GB" sz="1800" dirty="0" err="1"/>
+              <a:t>của</a:t>
+            </a:r>
+            <a:r>
+              <a:rPr lang="en-GB" sz="1800" dirty="0"/>
+              <a:t> </a:t>
+            </a:r>
+            <a:r>
+              <a:rPr lang="en-GB" sz="1800" dirty="0" err="1"/>
+              <a:t>mình</a:t>
+            </a:r>
+            <a:r>
+              <a:rPr lang="en-GB" sz="1800" dirty="0"/>
+              <a:t> so </a:t>
+            </a:r>
+            <a:r>
+              <a:rPr lang="en-GB" sz="1800" dirty="0" err="1"/>
+              <a:t>với</a:t>
+            </a:r>
+            <a:r>
+              <a:rPr lang="en-GB" sz="1800" dirty="0"/>
+              <a:t> </a:t>
+            </a:r>
+            <a:r>
+              <a:rPr lang="en-GB" sz="1800" dirty="0" err="1"/>
+              <a:t>điểm</a:t>
+            </a:r>
+            <a:r>
+              <a:rPr lang="en-GB" sz="1800" dirty="0"/>
+              <a:t> </a:t>
+            </a:r>
+            <a:r>
+              <a:rPr lang="en-GB" sz="1800" dirty="0" err="1"/>
+              <a:t>chuẩn</a:t>
+            </a:r>
+            <a:r>
+              <a:rPr lang="en-GB" sz="1800" dirty="0"/>
+              <a:t> </a:t>
+            </a:r>
+            <a:r>
+              <a:rPr lang="en-GB" sz="1800" dirty="0" err="1"/>
+              <a:t>các</a:t>
+            </a:r>
+            <a:r>
+              <a:rPr lang="en-GB" sz="1800" dirty="0"/>
+              <a:t> </a:t>
+            </a:r>
+            <a:r>
+              <a:rPr lang="en-GB" sz="1800" dirty="0" err="1"/>
+              <a:t>năm</a:t>
+            </a:r>
+            <a:r>
+              <a:rPr lang="en-GB" sz="1800" dirty="0"/>
+              <a:t> </a:t>
+            </a:r>
+            <a:r>
+              <a:rPr lang="en-GB" sz="1800" dirty="0" err="1"/>
+              <a:t>của</a:t>
+            </a:r>
+            <a:r>
+              <a:rPr lang="en-GB" sz="1800" dirty="0"/>
+              <a:t> </a:t>
+            </a:r>
+            <a:r>
+              <a:rPr lang="en-GB" sz="1800" dirty="0" err="1"/>
+              <a:t>các</a:t>
+            </a:r>
+            <a:r>
+              <a:rPr lang="en-GB" sz="1800" dirty="0"/>
+              <a:t> </a:t>
+            </a:r>
+            <a:r>
+              <a:rPr lang="en-GB" sz="1800" dirty="0" err="1"/>
+              <a:t>trường</a:t>
+            </a:r>
+            <a:r>
+              <a:rPr lang="en-GB" sz="1800" dirty="0"/>
+              <a:t> </a:t>
+            </a:r>
+            <a:r>
+              <a:rPr lang="en-GB" sz="1800" dirty="0" err="1"/>
+              <a:t>trong</a:t>
+            </a:r>
+            <a:r>
+              <a:rPr lang="en-GB" sz="1800" dirty="0"/>
+              <a:t> </a:t>
+            </a:r>
+            <a:r>
+              <a:rPr lang="en-GB" sz="1800" dirty="0" err="1"/>
+              <a:t>cùng</a:t>
+            </a:r>
+            <a:r>
+              <a:rPr lang="en-GB" sz="1800" dirty="0"/>
+              <a:t> 1 </a:t>
+            </a:r>
+            <a:r>
+              <a:rPr lang="en-GB" sz="1800" dirty="0" err="1"/>
+              <a:t>ngành</a:t>
+            </a:r>
+            <a:r>
+              <a:rPr lang="en-GB" sz="1800" dirty="0"/>
+              <a:t> </a:t>
+            </a:r>
+            <a:r>
+              <a:rPr lang="en-GB" sz="1800" dirty="0" err="1"/>
+              <a:t>và</a:t>
+            </a:r>
+            <a:r>
+              <a:rPr lang="en-GB" sz="1800" dirty="0"/>
+              <a:t> </a:t>
+            </a:r>
+            <a:r>
+              <a:rPr lang="en-GB" sz="1800" dirty="0" err="1"/>
+              <a:t>có</a:t>
+            </a:r>
+            <a:r>
+              <a:rPr lang="en-GB" sz="1800" dirty="0"/>
+              <a:t> </a:t>
+            </a:r>
+            <a:r>
+              <a:rPr lang="en-GB" sz="1800" dirty="0" err="1"/>
+              <a:t>thể</a:t>
+            </a:r>
+            <a:r>
+              <a:rPr lang="en-GB" sz="1800" dirty="0"/>
+              <a:t> </a:t>
+            </a:r>
+            <a:r>
+              <a:rPr lang="en-GB" sz="1800" dirty="0" err="1"/>
+              <a:t>xem</a:t>
+            </a:r>
+            <a:r>
+              <a:rPr lang="en-GB" sz="1800" dirty="0"/>
+              <a:t> </a:t>
+            </a:r>
+            <a:r>
+              <a:rPr lang="en-GB" sz="1800" dirty="0" err="1"/>
+              <a:t>được</a:t>
+            </a:r>
+            <a:r>
+              <a:rPr lang="en-GB" sz="1800" dirty="0"/>
+              <a:t> </a:t>
+            </a:r>
+            <a:r>
+              <a:rPr lang="en-GB" sz="1800" dirty="0" err="1"/>
+              <a:t>phổ</a:t>
+            </a:r>
+            <a:r>
+              <a:rPr lang="en-GB" sz="1800" dirty="0"/>
+              <a:t> </a:t>
+            </a:r>
+            <a:r>
+              <a:rPr lang="en-GB" sz="1800" dirty="0" err="1"/>
+              <a:t>điểm</a:t>
+            </a:r>
+            <a:r>
+              <a:rPr lang="en-GB" sz="1800" dirty="0"/>
+              <a:t> </a:t>
+            </a:r>
+            <a:r>
+              <a:rPr lang="en-GB" sz="1800" dirty="0" err="1"/>
+              <a:t>thi</a:t>
+            </a:r>
+            <a:r>
+              <a:rPr lang="en-GB" sz="1800" dirty="0"/>
+              <a:t> </a:t>
+            </a:r>
+            <a:r>
+              <a:rPr lang="en-GB" sz="1800" dirty="0" err="1"/>
+              <a:t>để</a:t>
+            </a:r>
+            <a:r>
+              <a:rPr lang="en-GB" sz="1800" dirty="0"/>
+              <a:t> </a:t>
+            </a:r>
+            <a:r>
+              <a:rPr lang="en-GB" sz="1800" dirty="0" err="1"/>
+              <a:t>có</a:t>
+            </a:r>
+            <a:r>
+              <a:rPr lang="en-GB" sz="1800" dirty="0"/>
+              <a:t> </a:t>
+            </a:r>
+            <a:r>
+              <a:rPr lang="en-GB" sz="1800" dirty="0" err="1"/>
+              <a:t>thể</a:t>
+            </a:r>
+            <a:r>
+              <a:rPr lang="en-GB" sz="1800" dirty="0"/>
+              <a:t> </a:t>
+            </a:r>
+            <a:r>
+              <a:rPr lang="en-GB" sz="1800" dirty="0" err="1"/>
+              <a:t>điều</a:t>
+            </a:r>
+            <a:r>
+              <a:rPr lang="en-GB" sz="1800" dirty="0"/>
+              <a:t> </a:t>
+            </a:r>
+            <a:r>
+              <a:rPr lang="en-GB" sz="1800" dirty="0" err="1"/>
+              <a:t>chỉnh</a:t>
+            </a:r>
+            <a:r>
+              <a:rPr lang="en-GB" sz="1800" dirty="0"/>
+              <a:t> </a:t>
+            </a:r>
+            <a:r>
+              <a:rPr lang="en-GB" sz="1800" dirty="0" err="1"/>
+              <a:t>nguyện</a:t>
+            </a:r>
+            <a:r>
+              <a:rPr lang="en-GB" sz="1800" dirty="0"/>
+              <a:t> </a:t>
+            </a:r>
+            <a:r>
+              <a:rPr lang="en-GB" sz="1800" dirty="0" err="1"/>
+              <a:t>vọng</a:t>
+            </a:r>
+            <a:r>
+              <a:rPr lang="en-GB" sz="1800" dirty="0"/>
+              <a:t> </a:t>
+            </a:r>
+            <a:r>
+              <a:rPr lang="en-GB" sz="1800" dirty="0" err="1"/>
+              <a:t>một</a:t>
+            </a:r>
+            <a:r>
+              <a:rPr lang="en-GB" sz="1800" dirty="0"/>
+              <a:t> </a:t>
+            </a:r>
+            <a:r>
+              <a:rPr lang="en-GB" sz="1800" dirty="0" err="1"/>
+              <a:t>cách</a:t>
+            </a:r>
+            <a:r>
+              <a:rPr lang="en-GB" sz="1800" dirty="0"/>
+              <a:t> </a:t>
+            </a:r>
+            <a:r>
+              <a:rPr lang="en-GB" sz="1800" dirty="0" err="1"/>
+              <a:t>hợp</a:t>
+            </a:r>
+            <a:r>
+              <a:rPr lang="en-GB" sz="1800" dirty="0"/>
+              <a:t> </a:t>
+            </a:r>
+            <a:r>
+              <a:rPr lang="en-GB" sz="1800" dirty="0" err="1"/>
+              <a:t>lý</a:t>
+            </a:r>
+            <a:r>
+              <a:rPr lang="en-GB" sz="1800" dirty="0"/>
+              <a:t>,</a:t>
+            </a:r>
+            <a:r>
+              <a:rPr lang="en-US" altLang="en-GB" sz="1800" dirty="0"/>
+              <a:t> </a:t>
+            </a:r>
+            <a:r>
+              <a:rPr lang="en-US" sz="1800" dirty="0" err="1">
                 <a:sym typeface="+mn-ea"/>
               </a:rPr>
-              <a:t>tăng khả năng đỗ vào các trường ĐH với đúng nguyện vọng của mình.</a:t>
+              <a:t>tăng</a:t>
+            </a:r>
+            <a:r>
+              <a:rPr lang="en-US" sz="1800" dirty="0">
+                <a:sym typeface="+mn-ea"/>
+              </a:rPr>
+              <a:t> </a:t>
+            </a:r>
+            <a:r>
+              <a:rPr lang="en-US" sz="1800" dirty="0" err="1">
+                <a:sym typeface="+mn-ea"/>
+              </a:rPr>
+              <a:t>khả</a:t>
+            </a:r>
+            <a:r>
+              <a:rPr lang="en-US" sz="1800" dirty="0">
+                <a:sym typeface="+mn-ea"/>
+              </a:rPr>
+              <a:t> </a:t>
+            </a:r>
+            <a:r>
+              <a:rPr lang="en-US" sz="1800" dirty="0" err="1">
+                <a:sym typeface="+mn-ea"/>
+              </a:rPr>
+              <a:t>năng</a:t>
+            </a:r>
+            <a:r>
+              <a:rPr lang="en-US" sz="1800" dirty="0">
+                <a:sym typeface="+mn-ea"/>
+              </a:rPr>
+              <a:t> </a:t>
+            </a:r>
+            <a:r>
+              <a:rPr lang="en-US" sz="1800" dirty="0" err="1">
+                <a:sym typeface="+mn-ea"/>
+              </a:rPr>
+              <a:t>đỗ</a:t>
+            </a:r>
+            <a:r>
+              <a:rPr lang="en-US" sz="1800" dirty="0">
+                <a:sym typeface="+mn-ea"/>
+              </a:rPr>
+              <a:t> </a:t>
+            </a:r>
+            <a:r>
+              <a:rPr lang="en-US" sz="1800" dirty="0" err="1">
+                <a:sym typeface="+mn-ea"/>
+              </a:rPr>
+              <a:t>vào</a:t>
+            </a:r>
+            <a:r>
+              <a:rPr lang="en-US" sz="1800" dirty="0">
+                <a:sym typeface="+mn-ea"/>
+              </a:rPr>
+              <a:t> </a:t>
+            </a:r>
+            <a:r>
+              <a:rPr lang="en-US" sz="1800" dirty="0" err="1">
+                <a:sym typeface="+mn-ea"/>
+              </a:rPr>
+              <a:t>các</a:t>
+            </a:r>
+            <a:r>
+              <a:rPr lang="en-US" sz="1800" dirty="0">
+                <a:sym typeface="+mn-ea"/>
+              </a:rPr>
+              <a:t> </a:t>
+            </a:r>
+            <a:r>
+              <a:rPr lang="en-US" sz="1800" dirty="0" err="1">
+                <a:sym typeface="+mn-ea"/>
+              </a:rPr>
+              <a:t>trường</a:t>
+            </a:r>
+            <a:r>
+              <a:rPr lang="en-US" sz="1800" dirty="0">
+                <a:sym typeface="+mn-ea"/>
+              </a:rPr>
+              <a:t> ĐH </a:t>
+            </a:r>
+            <a:r>
+              <a:rPr lang="en-US" sz="1800" dirty="0" err="1">
+                <a:sym typeface="+mn-ea"/>
+              </a:rPr>
+              <a:t>với</a:t>
+            </a:r>
+            <a:r>
+              <a:rPr lang="en-US" sz="1800" dirty="0">
+                <a:sym typeface="+mn-ea"/>
+              </a:rPr>
+              <a:t> </a:t>
+            </a:r>
+            <a:r>
+              <a:rPr lang="en-US" sz="1800" dirty="0" err="1">
+                <a:sym typeface="+mn-ea"/>
+              </a:rPr>
+              <a:t>đúng</a:t>
+            </a:r>
+            <a:r>
+              <a:rPr lang="en-US" sz="1800" dirty="0">
+                <a:sym typeface="+mn-ea"/>
+              </a:rPr>
+              <a:t> </a:t>
+            </a:r>
+            <a:r>
+              <a:rPr lang="en-US" sz="1800" dirty="0" err="1">
+                <a:sym typeface="+mn-ea"/>
+              </a:rPr>
+              <a:t>nguyện</a:t>
+            </a:r>
+            <a:r>
+              <a:rPr lang="en-US" sz="1800" dirty="0">
+                <a:sym typeface="+mn-ea"/>
+              </a:rPr>
+              <a:t> </a:t>
+            </a:r>
+            <a:r>
+              <a:rPr lang="en-US" sz="1800" dirty="0" err="1">
+                <a:sym typeface="+mn-ea"/>
+              </a:rPr>
+              <a:t>vọng</a:t>
+            </a:r>
+            <a:r>
+              <a:rPr lang="en-US" sz="1800" dirty="0">
+                <a:sym typeface="+mn-ea"/>
+              </a:rPr>
+              <a:t> </a:t>
+            </a:r>
+            <a:r>
+              <a:rPr lang="en-US" sz="1800" dirty="0" err="1">
+                <a:sym typeface="+mn-ea"/>
+              </a:rPr>
+              <a:t>của</a:t>
+            </a:r>
+            <a:r>
+              <a:rPr lang="en-US" sz="1800" dirty="0">
+                <a:sym typeface="+mn-ea"/>
+              </a:rPr>
+              <a:t> </a:t>
+            </a:r>
+            <a:r>
+              <a:rPr lang="en-US" sz="1800" dirty="0" err="1">
+                <a:sym typeface="+mn-ea"/>
+              </a:rPr>
+              <a:t>mình</a:t>
+            </a:r>
+            <a:r>
+              <a:rPr lang="en-US" sz="1800" dirty="0">
+                <a:sym typeface="+mn-ea"/>
+              </a:rPr>
+              <a:t>.</a:t>
             </a:r>
           </a:p>
           <a:p>
@@ -39580,7 +41525,7 @@
               <a:buSzPts val="2400"/>
               <a:buNone/>
             </a:pPr>
-            <a:endParaRPr lang="en-US" sz="1800"/>
+            <a:endParaRPr lang="en-US" sz="1800" dirty="0"/>
           </a:p>
           <a:p>
             <a:pPr marL="457200" lvl="0" indent="-381000" algn="l" rtl="0">
@@ -39594,12 +41539,354 @@
               <a:buChar char="▹"/>
             </a:pPr>
             <a:r>
-              <a:rPr lang="en-US" sz="1800">
+              <a:rPr lang="en-US" sz="1800" dirty="0" err="1">
                 <a:sym typeface="+mn-ea"/>
               </a:rPr>
-              <a:t>Bên cạnh đó phần mềm còn giúp các thí sinh có thể biết thêm được 1 số thông tin về chỉ tiêu, học phí và thông tin cần thiết của các trường ĐH.</a:t>
-            </a:r>
-            <a:endParaRPr lang="en-US" sz="1800"/>
+              <a:t>Bên</a:t>
+            </a:r>
+            <a:r>
+              <a:rPr lang="en-US" sz="1800" dirty="0">
+                <a:sym typeface="+mn-ea"/>
+              </a:rPr>
+              <a:t> </a:t>
+            </a:r>
+            <a:r>
+              <a:rPr lang="en-US" sz="1800" dirty="0" err="1">
+                <a:sym typeface="+mn-ea"/>
+              </a:rPr>
+              <a:t>cạnh</a:t>
+            </a:r>
+            <a:r>
+              <a:rPr lang="en-US" sz="1800" dirty="0">
+                <a:sym typeface="+mn-ea"/>
+              </a:rPr>
+              <a:t> </a:t>
+            </a:r>
+            <a:r>
+              <a:rPr lang="en-US" sz="1800" dirty="0" err="1">
+                <a:sym typeface="+mn-ea"/>
+              </a:rPr>
+              <a:t>đó</a:t>
+            </a:r>
+            <a:r>
+              <a:rPr lang="en-US" sz="1800" dirty="0">
+                <a:sym typeface="+mn-ea"/>
+              </a:rPr>
+              <a:t> </a:t>
+            </a:r>
+            <a:r>
+              <a:rPr lang="en-US" sz="1800" dirty="0" err="1">
+                <a:sym typeface="+mn-ea"/>
+              </a:rPr>
+              <a:t>phần</a:t>
+            </a:r>
+            <a:r>
+              <a:rPr lang="en-US" sz="1800" dirty="0">
+                <a:sym typeface="+mn-ea"/>
+              </a:rPr>
+              <a:t> </a:t>
+            </a:r>
+            <a:r>
+              <a:rPr lang="en-US" sz="1800" dirty="0" err="1">
+                <a:sym typeface="+mn-ea"/>
+              </a:rPr>
+              <a:t>mềm</a:t>
+            </a:r>
+            <a:r>
+              <a:rPr lang="en-US" sz="1800" dirty="0">
+                <a:sym typeface="+mn-ea"/>
+              </a:rPr>
+              <a:t> </a:t>
+            </a:r>
+            <a:r>
+              <a:rPr lang="en-US" sz="1800" dirty="0" err="1">
+                <a:sym typeface="+mn-ea"/>
+              </a:rPr>
+              <a:t>còn</a:t>
+            </a:r>
+            <a:r>
+              <a:rPr lang="en-US" sz="1800" dirty="0">
+                <a:sym typeface="+mn-ea"/>
+              </a:rPr>
+              <a:t> </a:t>
+            </a:r>
+            <a:r>
+              <a:rPr lang="en-US" sz="1800" dirty="0" err="1">
+                <a:sym typeface="+mn-ea"/>
+              </a:rPr>
+              <a:t>giúp</a:t>
+            </a:r>
+            <a:r>
+              <a:rPr lang="en-US" sz="1800" dirty="0">
+                <a:sym typeface="+mn-ea"/>
+              </a:rPr>
+              <a:t> </a:t>
+            </a:r>
+            <a:r>
+              <a:rPr lang="en-US" sz="1800" dirty="0" err="1">
+                <a:sym typeface="+mn-ea"/>
+              </a:rPr>
+              <a:t>các</a:t>
+            </a:r>
+            <a:r>
+              <a:rPr lang="en-US" sz="1800" dirty="0">
+                <a:sym typeface="+mn-ea"/>
+              </a:rPr>
+              <a:t> </a:t>
+            </a:r>
+            <a:r>
+              <a:rPr lang="en-US" sz="1800" dirty="0" err="1">
+                <a:sym typeface="+mn-ea"/>
+              </a:rPr>
+              <a:t>thí</a:t>
+            </a:r>
+            <a:r>
+              <a:rPr lang="en-US" sz="1800" dirty="0">
+                <a:sym typeface="+mn-ea"/>
+              </a:rPr>
+              <a:t> </a:t>
+            </a:r>
+            <a:r>
+              <a:rPr lang="en-US" sz="1800" dirty="0" err="1">
+                <a:sym typeface="+mn-ea"/>
+              </a:rPr>
+              <a:t>sinh</a:t>
+            </a:r>
+            <a:r>
+              <a:rPr lang="en-US" sz="1800" dirty="0">
+                <a:sym typeface="+mn-ea"/>
+              </a:rPr>
+              <a:t> </a:t>
+            </a:r>
+            <a:r>
+              <a:rPr lang="en-US" sz="1800" dirty="0" err="1">
+                <a:sym typeface="+mn-ea"/>
+              </a:rPr>
+              <a:t>có</a:t>
+            </a:r>
+            <a:r>
+              <a:rPr lang="en-US" sz="1800" dirty="0">
+                <a:sym typeface="+mn-ea"/>
+              </a:rPr>
+              <a:t> </a:t>
+            </a:r>
+            <a:r>
+              <a:rPr lang="en-US" sz="1800" dirty="0" err="1">
+                <a:sym typeface="+mn-ea"/>
+              </a:rPr>
+              <a:t>thể</a:t>
+            </a:r>
+            <a:r>
+              <a:rPr lang="en-US" sz="1800" dirty="0">
+                <a:sym typeface="+mn-ea"/>
+              </a:rPr>
+              <a:t> </a:t>
+            </a:r>
+            <a:r>
+              <a:rPr lang="en-US" sz="1800" dirty="0" err="1">
+                <a:sym typeface="+mn-ea"/>
+              </a:rPr>
+              <a:t>biết</a:t>
+            </a:r>
+            <a:r>
+              <a:rPr lang="en-US" sz="1800" dirty="0">
+                <a:sym typeface="+mn-ea"/>
+              </a:rPr>
+              <a:t> </a:t>
+            </a:r>
+            <a:r>
+              <a:rPr lang="en-US" sz="1800" dirty="0" err="1">
+                <a:sym typeface="+mn-ea"/>
+              </a:rPr>
+              <a:t>thêm</a:t>
+            </a:r>
+            <a:r>
+              <a:rPr lang="en-US" sz="1800" dirty="0">
+                <a:sym typeface="+mn-ea"/>
+              </a:rPr>
+              <a:t> </a:t>
+            </a:r>
+            <a:r>
+              <a:rPr lang="en-US" sz="1800" dirty="0" err="1">
+                <a:sym typeface="+mn-ea"/>
+              </a:rPr>
+              <a:t>được</a:t>
+            </a:r>
+            <a:r>
+              <a:rPr lang="en-US" sz="1800" dirty="0">
+                <a:sym typeface="+mn-ea"/>
+              </a:rPr>
+              <a:t> 1 </a:t>
+            </a:r>
+            <a:r>
+              <a:rPr lang="en-US" sz="1800" dirty="0" err="1">
+                <a:sym typeface="+mn-ea"/>
+              </a:rPr>
+              <a:t>số</a:t>
+            </a:r>
+            <a:r>
+              <a:rPr lang="en-US" sz="1800" dirty="0">
+                <a:sym typeface="+mn-ea"/>
+              </a:rPr>
+              <a:t> </a:t>
+            </a:r>
+            <a:r>
+              <a:rPr lang="en-US" sz="1800" dirty="0" err="1">
+                <a:sym typeface="+mn-ea"/>
+              </a:rPr>
+              <a:t>thông</a:t>
+            </a:r>
+            <a:r>
+              <a:rPr lang="en-US" sz="1800" dirty="0">
+                <a:sym typeface="+mn-ea"/>
+              </a:rPr>
+              <a:t> tin </a:t>
+            </a:r>
+            <a:r>
+              <a:rPr lang="en-US" sz="1800" dirty="0" err="1">
+                <a:sym typeface="+mn-ea"/>
+              </a:rPr>
+              <a:t>về</a:t>
+            </a:r>
+            <a:r>
+              <a:rPr lang="en-US" sz="1800" dirty="0">
+                <a:sym typeface="+mn-ea"/>
+              </a:rPr>
+              <a:t> </a:t>
+            </a:r>
+            <a:r>
+              <a:rPr lang="en-US" sz="1800" dirty="0" err="1">
+                <a:sym typeface="+mn-ea"/>
+              </a:rPr>
+              <a:t>chỉ</a:t>
+            </a:r>
+            <a:r>
+              <a:rPr lang="en-US" sz="1800" dirty="0">
+                <a:sym typeface="+mn-ea"/>
+              </a:rPr>
+              <a:t> </a:t>
+            </a:r>
+            <a:r>
+              <a:rPr lang="en-US" sz="1800" dirty="0" err="1">
+                <a:sym typeface="+mn-ea"/>
+              </a:rPr>
+              <a:t>tiêu</a:t>
+            </a:r>
+            <a:r>
+              <a:rPr lang="en-US" sz="1800" dirty="0">
+                <a:sym typeface="+mn-ea"/>
+              </a:rPr>
+              <a:t>, </a:t>
+            </a:r>
+            <a:r>
+              <a:rPr lang="en-US" sz="1800" dirty="0" err="1">
+                <a:sym typeface="+mn-ea"/>
+              </a:rPr>
+              <a:t>học</a:t>
+            </a:r>
+            <a:r>
+              <a:rPr lang="en-US" sz="1800" dirty="0">
+                <a:sym typeface="+mn-ea"/>
+              </a:rPr>
+              <a:t> </a:t>
+            </a:r>
+            <a:r>
+              <a:rPr lang="en-US" sz="1800" dirty="0" err="1">
+                <a:sym typeface="+mn-ea"/>
+              </a:rPr>
+              <a:t>phí</a:t>
+            </a:r>
+            <a:r>
+              <a:rPr lang="en-US" sz="1800" dirty="0">
+                <a:sym typeface="+mn-ea"/>
+              </a:rPr>
+              <a:t> </a:t>
+            </a:r>
+            <a:r>
+              <a:rPr lang="en-US" sz="1800" dirty="0" err="1">
+                <a:sym typeface="+mn-ea"/>
+              </a:rPr>
+              <a:t>và</a:t>
+            </a:r>
+            <a:r>
+              <a:rPr lang="en-US" sz="1800" dirty="0">
+                <a:sym typeface="+mn-ea"/>
+              </a:rPr>
+              <a:t> </a:t>
+            </a:r>
+            <a:r>
+              <a:rPr lang="en-US" sz="1800" dirty="0" err="1">
+                <a:sym typeface="+mn-ea"/>
+              </a:rPr>
+              <a:t>thông</a:t>
+            </a:r>
+            <a:r>
+              <a:rPr lang="en-US" sz="1800" dirty="0">
+                <a:sym typeface="+mn-ea"/>
+              </a:rPr>
+              <a:t> tin </a:t>
+            </a:r>
+            <a:r>
+              <a:rPr lang="en-US" sz="1800" dirty="0" err="1">
+                <a:sym typeface="+mn-ea"/>
+              </a:rPr>
+              <a:t>cần</a:t>
+            </a:r>
+            <a:r>
+              <a:rPr lang="en-US" sz="1800" dirty="0">
+                <a:sym typeface="+mn-ea"/>
+              </a:rPr>
+              <a:t> </a:t>
+            </a:r>
+            <a:r>
+              <a:rPr lang="en-US" sz="1800" dirty="0" err="1">
+                <a:sym typeface="+mn-ea"/>
+              </a:rPr>
+              <a:t>thiết</a:t>
+            </a:r>
+            <a:r>
+              <a:rPr lang="en-US" sz="1800" dirty="0">
+                <a:sym typeface="+mn-ea"/>
+              </a:rPr>
+              <a:t> </a:t>
+            </a:r>
+            <a:r>
+              <a:rPr lang="en-US" sz="1800" dirty="0" err="1">
+                <a:sym typeface="+mn-ea"/>
+              </a:rPr>
+              <a:t>của</a:t>
+            </a:r>
+            <a:r>
+              <a:rPr lang="en-US" sz="1800" dirty="0">
+                <a:sym typeface="+mn-ea"/>
+              </a:rPr>
+              <a:t> </a:t>
+            </a:r>
+            <a:r>
+              <a:rPr lang="en-US" sz="1800" dirty="0" err="1">
+                <a:sym typeface="+mn-ea"/>
+              </a:rPr>
+              <a:t>các</a:t>
+            </a:r>
+            <a:r>
+              <a:rPr lang="en-US" sz="1800" dirty="0">
+                <a:sym typeface="+mn-ea"/>
+              </a:rPr>
+              <a:t> </a:t>
+            </a:r>
+            <a:r>
+              <a:rPr lang="en-US" sz="1800" dirty="0" err="1">
+                <a:sym typeface="+mn-ea"/>
+              </a:rPr>
+              <a:t>trường</a:t>
+            </a:r>
+            <a:r>
+              <a:rPr lang="en-US" sz="1800" dirty="0">
+                <a:sym typeface="+mn-ea"/>
+              </a:rPr>
+              <a:t> ĐH.</a:t>
+            </a:r>
+            <a:endParaRPr lang="en-US" sz="1800" dirty="0"/>
           </a:p>
           <a:p>
             <a:pPr marL="457200" lvl="0" indent="-381000" algn="l" rtl="0">
@@ -39612,7 +41899,7 @@
               <a:buSzPts val="2400"/>
               <a:buChar char="▹"/>
             </a:pPr>
-            <a:endParaRPr lang="en-US" altLang="en-GB" sz="1800"/>
+            <a:endParaRPr lang="en-US" altLang="en-GB" sz="1800" dirty="0"/>
           </a:p>
         </p:txBody>
       </p:sp>
@@ -39670,6 +41957,182 @@
 </file>
 
 <file path=ppt/slides/slide5.xml><?xml version="1.0" encoding="utf-8"?>
+<p:sld xmlns:a="http://schemas.openxmlformats.org/drawingml/2006/main" xmlns:r="http://schemas.openxmlformats.org/officeDocument/2006/relationships" xmlns:p="http://schemas.openxmlformats.org/presentationml/2006/main">
+  <p:cSld>
+    <p:spTree>
+      <p:nvGrpSpPr>
+        <p:cNvPr id="1" name=""/>
+        <p:cNvGrpSpPr/>
+        <p:nvPr/>
+      </p:nvGrpSpPr>
+      <p:grpSpPr>
+        <a:xfrm>
+          <a:off x="0" y="0"/>
+          <a:ext cx="0" cy="0"/>
+          <a:chOff x="0" y="0"/>
+          <a:chExt cx="0" cy="0"/>
+        </a:xfrm>
+      </p:grpSpPr>
+      <p:sp>
+        <p:nvSpPr>
+          <p:cNvPr id="2" name="Slide Number Placeholder 1">
+            <a:extLst>
+              <a:ext uri="{FF2B5EF4-FFF2-40B4-BE49-F238E27FC236}">
+                <a16:creationId xmlns:a16="http://schemas.microsoft.com/office/drawing/2014/main" id="{BACF83FE-E4FB-4782-9D38-A06D94081F08}"/>
+              </a:ext>
+            </a:extLst>
+          </p:cNvPr>
+          <p:cNvSpPr>
+            <a:spLocks noGrp="1"/>
+          </p:cNvSpPr>
+          <p:nvPr>
+            <p:ph type="sldNum" idx="12"/>
+          </p:nvPr>
+        </p:nvSpPr>
+        <p:spPr/>
+        <p:txBody>
+          <a:bodyPr/>
+          <a:lstStyle/>
+          <a:p>
+            <a:pPr marL="0" lvl="0" indent="0" algn="ctr" rtl="0">
+              <a:spcBef>
+                <a:spcPts val="0"/>
+              </a:spcBef>
+              <a:spcAft>
+                <a:spcPts val="0"/>
+              </a:spcAft>
+              <a:buNone/>
+            </a:pPr>
+            <a:fld id="{00000000-1234-1234-1234-123412341234}" type="slidenum">
+              <a:rPr lang="en-GB" smtClean="0"/>
+              <a:t>5</a:t>
+            </a:fld>
+            <a:endParaRPr lang="en-GB"/>
+          </a:p>
+        </p:txBody>
+      </p:sp>
+      <p:sp>
+        <p:nvSpPr>
+          <p:cNvPr id="3" name="Title 2">
+            <a:extLst>
+              <a:ext uri="{FF2B5EF4-FFF2-40B4-BE49-F238E27FC236}">
+                <a16:creationId xmlns:a16="http://schemas.microsoft.com/office/drawing/2014/main" id="{596F34A5-3DD2-41B0-9A72-DD68FFF0E80D}"/>
+              </a:ext>
+            </a:extLst>
+          </p:cNvPr>
+          <p:cNvSpPr>
+            <a:spLocks noGrp="1"/>
+          </p:cNvSpPr>
+          <p:nvPr>
+            <p:ph type="title"/>
+          </p:nvPr>
+        </p:nvSpPr>
+        <p:spPr/>
+        <p:txBody>
+          <a:bodyPr/>
+          <a:lstStyle/>
+          <a:p>
+            <a:r>
+              <a:rPr lang="en-US" altLang="en-GB" dirty="0"/>
+              <a:t>I.GIỚI THIỆU </a:t>
+            </a:r>
+            <a:endParaRPr lang="en-US" dirty="0"/>
+          </a:p>
+        </p:txBody>
+      </p:sp>
+      <p:sp>
+        <p:nvSpPr>
+          <p:cNvPr id="4" name="Text Placeholder 3">
+            <a:extLst>
+              <a:ext uri="{FF2B5EF4-FFF2-40B4-BE49-F238E27FC236}">
+                <a16:creationId xmlns:a16="http://schemas.microsoft.com/office/drawing/2014/main" id="{79825F73-82B9-4B2B-AF78-E3B2A6392ACF}"/>
+              </a:ext>
+            </a:extLst>
+          </p:cNvPr>
+          <p:cNvSpPr>
+            <a:spLocks noGrp="1"/>
+          </p:cNvSpPr>
+          <p:nvPr>
+            <p:ph type="body" idx="1"/>
+          </p:nvPr>
+        </p:nvSpPr>
+        <p:spPr/>
+        <p:txBody>
+          <a:bodyPr/>
+          <a:lstStyle/>
+          <a:p>
+            <a:r>
+              <a:rPr lang="en-US" dirty="0" err="1"/>
+              <a:t>Ngôn</a:t>
+            </a:r>
+            <a:r>
+              <a:rPr lang="en-US" dirty="0"/>
+              <a:t> </a:t>
+            </a:r>
+            <a:r>
+              <a:rPr lang="en-US" dirty="0" err="1"/>
+              <a:t>ngữ</a:t>
+            </a:r>
+            <a:r>
+              <a:rPr lang="en-US" dirty="0"/>
+              <a:t>: python</a:t>
+            </a:r>
+          </a:p>
+          <a:p>
+            <a:r>
+              <a:rPr lang="en-US" dirty="0"/>
+              <a:t>Crawl </a:t>
+            </a:r>
+            <a:r>
+              <a:rPr lang="en-US" dirty="0" err="1"/>
+              <a:t>dữ</a:t>
+            </a:r>
+            <a:r>
+              <a:rPr lang="en-US" dirty="0"/>
+              <a:t> </a:t>
+            </a:r>
+            <a:r>
+              <a:rPr lang="en-US" dirty="0" err="1"/>
+              <a:t>liệu</a:t>
+            </a:r>
+            <a:r>
+              <a:rPr lang="en-US" dirty="0"/>
+              <a:t>: Selenium</a:t>
+            </a:r>
+          </a:p>
+          <a:p>
+            <a:r>
+              <a:rPr lang="en-US" dirty="0"/>
+              <a:t>Interface : </a:t>
+            </a:r>
+            <a:r>
+              <a:rPr lang="en-US" dirty="0" err="1"/>
+              <a:t>Tkinter</a:t>
+            </a:r>
+            <a:endParaRPr lang="en-US" dirty="0"/>
+          </a:p>
+          <a:p>
+            <a:endParaRPr lang="en-US" dirty="0"/>
+          </a:p>
+        </p:txBody>
+      </p:sp>
+    </p:spTree>
+    <p:extLst>
+      <p:ext uri="{BB962C8B-B14F-4D97-AF65-F5344CB8AC3E}">
+        <p14:creationId xmlns:p14="http://schemas.microsoft.com/office/powerpoint/2010/main" val="4122182583"/>
+      </p:ext>
+    </p:extLst>
+  </p:cSld>
+  <p:clrMapOvr>
+    <a:masterClrMapping/>
+  </p:clrMapOvr>
+  <p:transition>
+    <p:fade thruBlk="1"/>
+  </p:transition>
+</p:sld>
+</file>
+
+<file path=ppt/slides/slide6.xml><?xml version="1.0" encoding="utf-8"?>
 <p:sld xmlns:a="http://schemas.openxmlformats.org/drawingml/2006/main" xmlns:r="http://schemas.openxmlformats.org/officeDocument/2006/relationships" xmlns:p="http://schemas.openxmlformats.org/presentationml/2006/main">
   <p:cSld>
     <p:spTree>
@@ -39738,7 +42201,7 @@
 </p:sld>
 </file>
 
-<file path=ppt/slides/slide6.xml><?xml version="1.0" encoding="utf-8"?>
+<file path=ppt/slides/slide7.xml><?xml version="1.0" encoding="utf-8"?>
 <p:sld xmlns:a="http://schemas.openxmlformats.org/drawingml/2006/main" xmlns:r="http://schemas.openxmlformats.org/officeDocument/2006/relationships" xmlns:p="http://schemas.openxmlformats.org/presentationml/2006/main">
   <p:cSld>
     <p:spTree>
@@ -39868,7 +42331,7 @@
             </a:r>
             <a:r>
               <a:rPr lang="en-US" sz="1800" dirty="0" err="1"/>
-              <a:t>nghành</a:t>
+              <a:t>ngành</a:t>
             </a:r>
             <a:r>
               <a:rPr lang="en-US" sz="1800" dirty="0"/>
@@ -39881,6 +42344,131 @@
             <a:r>
               <a:rPr lang="en-US" sz="1800" dirty="0"/>
               <a:t> ĐH.</a:t>
+            </a:r>
+          </a:p>
+          <a:p>
+            <a:endParaRPr lang="en-US" sz="1800" dirty="0"/>
+          </a:p>
+          <a:p>
+            <a:r>
+              <a:rPr lang="en-US" sz="1800" dirty="0" err="1"/>
+              <a:t>Muốn</a:t>
+            </a:r>
+            <a:r>
+              <a:rPr lang="en-US" sz="1800" dirty="0"/>
+              <a:t> </a:t>
+            </a:r>
+            <a:r>
+              <a:rPr lang="en-US" sz="1800" dirty="0" err="1"/>
+              <a:t>xem</a:t>
+            </a:r>
+            <a:r>
+              <a:rPr lang="en-US" sz="1800" dirty="0"/>
+              <a:t> </a:t>
+            </a:r>
+            <a:r>
+              <a:rPr lang="en-US" sz="1800" dirty="0" err="1"/>
+              <a:t>phổ</a:t>
+            </a:r>
+            <a:r>
+              <a:rPr lang="en-US" sz="1800" dirty="0"/>
+              <a:t> </a:t>
+            </a:r>
+            <a:r>
+              <a:rPr lang="en-US" sz="1800" dirty="0" err="1"/>
+              <a:t>điểm</a:t>
+            </a:r>
+            <a:r>
+              <a:rPr lang="en-US" sz="1800" dirty="0"/>
+              <a:t> =&gt; </a:t>
+            </a:r>
+            <a:r>
+              <a:rPr lang="en-US" sz="1800" dirty="0" err="1"/>
+              <a:t>chọn</a:t>
+            </a:r>
+            <a:r>
+              <a:rPr lang="en-US" sz="1800" dirty="0"/>
+              <a:t> </a:t>
+            </a:r>
+            <a:r>
+              <a:rPr lang="en-US" sz="1800" dirty="0" err="1"/>
+              <a:t>môn</a:t>
+            </a:r>
+            <a:r>
+              <a:rPr lang="en-US" sz="1800" dirty="0"/>
+              <a:t> </a:t>
+            </a:r>
+            <a:r>
+              <a:rPr lang="en-US" sz="1800" dirty="0" err="1"/>
+              <a:t>cần</a:t>
+            </a:r>
+            <a:r>
+              <a:rPr lang="en-US" sz="1800" dirty="0"/>
+              <a:t> </a:t>
+            </a:r>
+            <a:r>
+              <a:rPr lang="en-US" sz="1800" dirty="0" err="1"/>
+              <a:t>xem</a:t>
+            </a:r>
+            <a:r>
+              <a:rPr lang="en-US" sz="1800" dirty="0"/>
+              <a:t> =&gt; </a:t>
+            </a:r>
+            <a:r>
+              <a:rPr lang="en-US" sz="1800" dirty="0" err="1"/>
+              <a:t>Hiển</a:t>
+            </a:r>
+            <a:r>
+              <a:rPr lang="en-US" sz="1800" dirty="0"/>
+              <a:t> </a:t>
+            </a:r>
+            <a:r>
+              <a:rPr lang="en-US" sz="1800" dirty="0" err="1"/>
+              <a:t>thị</a:t>
+            </a:r>
+            <a:r>
+              <a:rPr lang="en-US" sz="1800" dirty="0"/>
+              <a:t> </a:t>
+            </a:r>
+            <a:r>
+              <a:rPr lang="en-US" sz="1800" dirty="0" err="1"/>
+              <a:t>lên</a:t>
+            </a:r>
+            <a:r>
+              <a:rPr lang="en-US" sz="1800" dirty="0"/>
+              <a:t> </a:t>
+            </a:r>
+            <a:r>
+              <a:rPr lang="en-US" sz="1800" dirty="0" err="1"/>
+              <a:t>giao</a:t>
+            </a:r>
+            <a:r>
+              <a:rPr lang="en-US" sz="1800" dirty="0"/>
+              <a:t> </a:t>
+            </a:r>
+            <a:r>
+              <a:rPr lang="en-US" sz="1800" dirty="0" err="1"/>
+              <a:t>diện</a:t>
+            </a:r>
+            <a:r>
+              <a:rPr lang="en-US" sz="1800" dirty="0"/>
+              <a:t> </a:t>
+            </a:r>
+            <a:r>
+              <a:rPr lang="en-US" sz="1800" dirty="0" err="1"/>
+              <a:t>phổ</a:t>
+            </a:r>
+            <a:r>
+              <a:rPr lang="en-US" sz="1800" dirty="0"/>
+              <a:t> </a:t>
+            </a:r>
+            <a:r>
+              <a:rPr lang="en-US" sz="1800" dirty="0" err="1"/>
+              <a:t>điểm</a:t>
+            </a:r>
+            <a:r>
+              <a:rPr lang="en-US" sz="1800" dirty="0"/>
+              <a:t>.</a:t>
             </a:r>
           </a:p>
           <a:p>
@@ -39900,7 +42488,7 @@
             </a:r>
             <a:r>
               <a:rPr lang="en-US" sz="1800" dirty="0" err="1"/>
-              <a:t>xem</a:t>
+              <a:t>biết</a:t>
             </a:r>
             <a:r>
               <a:rPr lang="en-US" sz="1800" dirty="0"/>
@@ -39908,7 +42496,7 @@
             </a:r>
             <a:r>
               <a:rPr lang="en-US" sz="1800" dirty="0" err="1"/>
-              <a:t>phổ</a:t>
+              <a:t>thêm</a:t>
             </a:r>
             <a:r>
               <a:rPr lang="en-US" sz="1800" dirty="0"/>
@@ -39916,7 +42504,47 @@
             </a:r>
             <a:r>
               <a:rPr lang="en-US" sz="1800" dirty="0" err="1"/>
+              <a:t>thông</a:t>
+            </a:r>
+            <a:r>
+              <a:rPr lang="en-US" sz="1800" dirty="0"/>
+              <a:t> tin </a:t>
+            </a:r>
+            <a:r>
+              <a:rPr lang="en-US" sz="1800" dirty="0" err="1"/>
+              <a:t>về</a:t>
+            </a:r>
+            <a:r>
+              <a:rPr lang="en-US" sz="1800" dirty="0"/>
+              <a:t> </a:t>
+            </a:r>
+            <a:r>
+              <a:rPr lang="en-US" sz="1800" dirty="0" err="1"/>
               <a:t>điểm</a:t>
+            </a:r>
+            <a:r>
+              <a:rPr lang="en-US" sz="1800" dirty="0"/>
+              <a:t> </a:t>
+            </a:r>
+            <a:r>
+              <a:rPr lang="en-US" sz="1800" dirty="0" err="1"/>
+              <a:t>chuẩn</a:t>
+            </a:r>
+            <a:r>
+              <a:rPr lang="en-US" sz="1800" dirty="0"/>
+              <a:t>, </a:t>
+            </a:r>
+            <a:r>
+              <a:rPr lang="en-US" sz="1800" dirty="0" err="1"/>
+              <a:t>học</a:t>
+            </a:r>
+            <a:r>
+              <a:rPr lang="en-US" sz="1800" dirty="0"/>
+              <a:t> </a:t>
+            </a:r>
+            <a:r>
+              <a:rPr lang="en-US" sz="1800" dirty="0" err="1"/>
+              <a:t>phí</a:t>
             </a:r>
             <a:r>
               <a:rPr lang="en-US" sz="1800" dirty="0"/>
@@ -39932,7 +42560,15 @@
             </a:r>
             <a:r>
               <a:rPr lang="en-US" sz="1800" dirty="0" err="1"/>
-              <a:t>môn</a:t>
+              <a:t>ngành</a:t>
+            </a:r>
+            <a:r>
+              <a:rPr lang="en-US" sz="1800" dirty="0"/>
+              <a:t> =&gt; </a:t>
+            </a:r>
+            <a:r>
+              <a:rPr lang="en-US" sz="1800" dirty="0" err="1"/>
+              <a:t>Hiển</a:t>
             </a:r>
             <a:r>
               <a:rPr lang="en-US" sz="1800" dirty="0"/>
@@ -39940,7 +42576,7 @@
             </a:r>
             <a:r>
               <a:rPr lang="en-US" sz="1800" dirty="0" err="1"/>
-              <a:t>cần</a:t>
+              <a:t>thị</a:t>
             </a:r>
             <a:r>
               <a:rPr lang="en-US" sz="1800" dirty="0"/>
@@ -39948,15 +42584,7 @@
             </a:r>
             <a:r>
               <a:rPr lang="en-US" sz="1800" dirty="0" err="1"/>
-              <a:t>xem</a:t>
-            </a:r>
-            <a:r>
-              <a:rPr lang="en-US" sz="1800" dirty="0"/>
-              <a:t> =&gt; </a:t>
-            </a:r>
-            <a:r>
-              <a:rPr lang="en-US" sz="1800" dirty="0" err="1"/>
-              <a:t>Hiển</a:t>
+              <a:t>lên</a:t>
             </a:r>
             <a:r>
               <a:rPr lang="en-US" sz="1800" dirty="0"/>
@@ -39964,7 +42592,7 @@
             </a:r>
             <a:r>
               <a:rPr lang="en-US" sz="1800" dirty="0" err="1"/>
-              <a:t>thị</a:t>
+              <a:t>giao</a:t>
             </a:r>
             <a:r>
               <a:rPr lang="en-US" sz="1800" dirty="0"/>
@@ -39972,7 +42600,7 @@
             </a:r>
             <a:r>
               <a:rPr lang="en-US" sz="1800" dirty="0" err="1"/>
-              <a:t>lên</a:t>
+              <a:t>diện</a:t>
             </a:r>
             <a:r>
               <a:rPr lang="en-US" sz="1800" dirty="0"/>
@@ -39980,7 +42608,7 @@
             </a:r>
             <a:r>
               <a:rPr lang="en-US" sz="1800" dirty="0" err="1"/>
-              <a:t>giao</a:t>
+              <a:t>các</a:t>
             </a:r>
             <a:r>
               <a:rPr lang="en-US" sz="1800" dirty="0"/>
@@ -39988,7 +42616,15 @@
             </a:r>
             <a:r>
               <a:rPr lang="en-US" sz="1800" dirty="0" err="1"/>
-              <a:t>diện</a:t>
+              <a:t>trường</a:t>
+            </a:r>
+            <a:r>
+              <a:rPr lang="en-US" sz="1800" dirty="0"/>
+              <a:t>, </a:t>
+            </a:r>
+            <a:r>
+              <a:rPr lang="en-US" sz="1800" dirty="0" err="1"/>
+              <a:t>ngành</a:t>
             </a:r>
             <a:r>
               <a:rPr lang="en-US" sz="1800" dirty="0"/>
@@ -39996,7 +42632,7 @@
             </a:r>
             <a:r>
               <a:rPr lang="en-US" sz="1800" dirty="0" err="1"/>
-              <a:t>phổ</a:t>
+              <a:t>hợp</a:t>
             </a:r>
             <a:r>
               <a:rPr lang="en-US" sz="1800" dirty="0"/>
@@ -40004,769 +42640,11 @@
             </a:r>
             <a:r>
               <a:rPr lang="en-US" sz="1800" dirty="0" err="1"/>
-              <a:t>điểm</a:t>
+              <a:t>lý</a:t>
             </a:r>
             <a:r>
               <a:rPr lang="en-US" sz="1800" dirty="0"/>
               <a:t>.</a:t>
-            </a:r>
-          </a:p>
-          <a:p>
-            <a:pPr marL="76200" indent="0">
-              <a:buNone/>
-            </a:pPr>
-            <a:endParaRPr lang="en-US" sz="1800" dirty="0"/>
-          </a:p>
-          <a:p>
-            <a:r>
-              <a:rPr lang="en-US" sz="1800" dirty="0" err="1"/>
-              <a:t>Muốn</a:t>
-            </a:r>
-            <a:r>
-              <a:rPr lang="en-US" sz="1800" dirty="0"/>
-              <a:t> </a:t>
-            </a:r>
-            <a:r>
-              <a:rPr lang="en-US" sz="1800" dirty="0" err="1"/>
-              <a:t>biết</a:t>
-            </a:r>
-            <a:r>
-              <a:rPr lang="en-US" sz="1800" dirty="0"/>
-              <a:t> </a:t>
-            </a:r>
-            <a:r>
-              <a:rPr lang="en-US" sz="1800" dirty="0" err="1"/>
-              <a:t>thêm</a:t>
-            </a:r>
-            <a:r>
-              <a:rPr lang="en-US" sz="1800" dirty="0"/>
-              <a:t> </a:t>
-            </a:r>
-            <a:r>
-              <a:rPr lang="en-US" sz="1800" dirty="0" err="1"/>
-              <a:t>thông</a:t>
-            </a:r>
-            <a:r>
-              <a:rPr lang="en-US" sz="1800" dirty="0"/>
-              <a:t> tin </a:t>
-            </a:r>
-            <a:r>
-              <a:rPr lang="en-US" sz="1800" dirty="0" err="1"/>
-              <a:t>về</a:t>
-            </a:r>
-            <a:r>
-              <a:rPr lang="en-US" sz="1800" dirty="0"/>
-              <a:t> </a:t>
-            </a:r>
-            <a:r>
-              <a:rPr lang="en-US" sz="1800" dirty="0" err="1"/>
-              <a:t>điểm</a:t>
-            </a:r>
-            <a:r>
-              <a:rPr lang="en-US" sz="1800" dirty="0"/>
-              <a:t> </a:t>
-            </a:r>
-            <a:r>
-              <a:rPr lang="en-US" sz="1800" dirty="0" err="1"/>
-              <a:t>chuẩn</a:t>
-            </a:r>
-            <a:r>
-              <a:rPr lang="en-US" sz="1800" dirty="0"/>
-              <a:t>, </a:t>
-            </a:r>
-            <a:r>
-              <a:rPr lang="en-US" sz="1800" dirty="0" err="1"/>
-              <a:t>học</a:t>
-            </a:r>
-            <a:r>
-              <a:rPr lang="en-US" sz="1800" dirty="0"/>
-              <a:t> </a:t>
-            </a:r>
-            <a:r>
-              <a:rPr lang="en-US" sz="1800" dirty="0" err="1"/>
-              <a:t>phí</a:t>
-            </a:r>
-            <a:r>
-              <a:rPr lang="en-US" sz="1800" dirty="0"/>
-              <a:t> =&gt; </a:t>
-            </a:r>
-            <a:r>
-              <a:rPr lang="en-US" sz="1800" dirty="0" err="1"/>
-              <a:t>chọn</a:t>
-            </a:r>
-            <a:r>
-              <a:rPr lang="en-US" sz="1800" dirty="0"/>
-              <a:t> </a:t>
-            </a:r>
-            <a:r>
-              <a:rPr lang="en-US" sz="1800" dirty="0" err="1"/>
-              <a:t>nghành</a:t>
-            </a:r>
-            <a:r>
-              <a:rPr lang="en-US" sz="1800" dirty="0"/>
-              <a:t> =&gt; </a:t>
-            </a:r>
-            <a:r>
-              <a:rPr lang="en-US" sz="1800" dirty="0" err="1"/>
-              <a:t>Hiển</a:t>
-            </a:r>
-            <a:r>
-              <a:rPr lang="en-US" sz="1800" dirty="0"/>
-              <a:t> </a:t>
-            </a:r>
-            <a:r>
-              <a:rPr lang="en-US" sz="1800" dirty="0" err="1"/>
-              <a:t>thị</a:t>
-            </a:r>
-            <a:r>
-              <a:rPr lang="en-US" sz="1800" dirty="0"/>
-              <a:t> </a:t>
-            </a:r>
-            <a:r>
-              <a:rPr lang="en-US" sz="1800" dirty="0" err="1"/>
-              <a:t>lên</a:t>
-            </a:r>
-            <a:r>
-              <a:rPr lang="en-US" sz="1800" dirty="0"/>
-              <a:t> </a:t>
-            </a:r>
-            <a:r>
-              <a:rPr lang="en-US" sz="1800" dirty="0" err="1"/>
-              <a:t>giao</a:t>
-            </a:r>
-            <a:r>
-              <a:rPr lang="en-US" sz="1800" dirty="0"/>
-              <a:t> </a:t>
-            </a:r>
-            <a:r>
-              <a:rPr lang="en-US" sz="1800" dirty="0" err="1"/>
-              <a:t>diện</a:t>
-            </a:r>
-            <a:r>
-              <a:rPr lang="en-US" sz="1800" dirty="0"/>
-              <a:t> </a:t>
-            </a:r>
-            <a:r>
-              <a:rPr lang="en-US" sz="1800" dirty="0" err="1"/>
-              <a:t>các</a:t>
-            </a:r>
-            <a:r>
-              <a:rPr lang="en-US" sz="1800" dirty="0"/>
-              <a:t> </a:t>
-            </a:r>
-            <a:r>
-              <a:rPr lang="en-US" sz="1800" dirty="0" err="1"/>
-              <a:t>trường</a:t>
-            </a:r>
-            <a:r>
-              <a:rPr lang="en-US" sz="1800" dirty="0"/>
-              <a:t>, </a:t>
-            </a:r>
-            <a:r>
-              <a:rPr lang="en-US" sz="1800" dirty="0" err="1"/>
-              <a:t>nghành</a:t>
-            </a:r>
-            <a:r>
-              <a:rPr lang="en-US" sz="1800" dirty="0"/>
-              <a:t> </a:t>
-            </a:r>
-            <a:r>
-              <a:rPr lang="en-US" sz="1800" dirty="0" err="1"/>
-              <a:t>hợp</a:t>
-            </a:r>
-            <a:r>
-              <a:rPr lang="en-US" sz="1800" dirty="0"/>
-              <a:t> </a:t>
-            </a:r>
-            <a:r>
-              <a:rPr lang="en-US" sz="1800" dirty="0" err="1"/>
-              <a:t>lý</a:t>
-            </a:r>
-            <a:r>
-              <a:rPr lang="en-US" sz="1800" dirty="0"/>
-              <a:t>.</a:t>
-            </a:r>
-          </a:p>
-        </p:txBody>
-      </p:sp>
-      <p:sp>
-        <p:nvSpPr>
-          <p:cNvPr id="4" name="Slide Number Placeholder 3"/>
-          <p:cNvSpPr>
-            <a:spLocks noGrp="1"/>
-          </p:cNvSpPr>
-          <p:nvPr>
-            <p:ph type="sldNum" idx="12"/>
-          </p:nvPr>
-        </p:nvSpPr>
-        <p:spPr/>
-        <p:txBody>
-          <a:bodyPr/>
-          <a:lstStyle/>
-          <a:p>
-            <a:pPr marL="0" lvl="0" indent="0" algn="ctr" rtl="0">
-              <a:spcBef>
-                <a:spcPts val="0"/>
-              </a:spcBef>
-              <a:spcAft>
-                <a:spcPts val="0"/>
-              </a:spcAft>
-              <a:buNone/>
-            </a:pPr>
-            <a:fld id="{00000000-1234-1234-1234-123412341234}" type="slidenum">
-              <a:rPr lang="en-GB"/>
-              <a:t>6</a:t>
-            </a:fld>
-            <a:endParaRPr lang="en-GB"/>
-          </a:p>
-        </p:txBody>
-      </p:sp>
-    </p:spTree>
-  </p:cSld>
-  <p:clrMapOvr>
-    <a:masterClrMapping/>
-  </p:clrMapOvr>
-  <p:transition>
-    <p:fade thruBlk="1"/>
-  </p:transition>
-</p:sld>
-</file>
-
-<file path=ppt/slides/slide7.xml><?xml version="1.0" encoding="utf-8"?>
-<p:sld xmlns:a="http://schemas.openxmlformats.org/drawingml/2006/main" xmlns:r="http://schemas.openxmlformats.org/officeDocument/2006/relationships" xmlns:p="http://schemas.openxmlformats.org/presentationml/2006/main">
-  <p:cSld>
-    <p:spTree>
-      <p:nvGrpSpPr>
-        <p:cNvPr id="1" name=""/>
-        <p:cNvGrpSpPr/>
-        <p:nvPr/>
-      </p:nvGrpSpPr>
-      <p:grpSpPr>
-        <a:xfrm>
-          <a:off x="0" y="0"/>
-          <a:ext cx="0" cy="0"/>
-          <a:chOff x="0" y="0"/>
-          <a:chExt cx="0" cy="0"/>
-        </a:xfrm>
-      </p:grpSpPr>
-      <p:sp>
-        <p:nvSpPr>
-          <p:cNvPr id="2" name="Title 1"/>
-          <p:cNvSpPr>
-            <a:spLocks noGrp="1"/>
-          </p:cNvSpPr>
-          <p:nvPr>
-            <p:ph type="title"/>
-          </p:nvPr>
-        </p:nvSpPr>
-        <p:spPr>
-          <a:xfrm>
-            <a:off x="395605" y="123190"/>
-            <a:ext cx="5138420" cy="804545"/>
-          </a:xfrm>
-        </p:spPr>
-        <p:txBody>
-          <a:bodyPr/>
-          <a:lstStyle/>
-          <a:p>
-            <a:r>
-              <a:rPr lang="en-US"/>
-              <a:t>2.2 User stories</a:t>
-            </a:r>
-          </a:p>
-        </p:txBody>
-      </p:sp>
-      <p:sp>
-        <p:nvSpPr>
-          <p:cNvPr id="3" name="Text Placeholder 2"/>
-          <p:cNvSpPr>
-            <a:spLocks noGrp="1"/>
-          </p:cNvSpPr>
-          <p:nvPr>
-            <p:ph type="body" idx="1"/>
-          </p:nvPr>
-        </p:nvSpPr>
-        <p:spPr>
-          <a:xfrm>
-            <a:off x="467360" y="771525"/>
-            <a:ext cx="5138420" cy="4477385"/>
-          </a:xfrm>
-        </p:spPr>
-        <p:txBody>
-          <a:bodyPr/>
-          <a:lstStyle/>
-          <a:p>
-            <a:r>
-              <a:rPr lang="en-US" sz="1800" dirty="0" err="1"/>
-              <a:t>Biểu</a:t>
-            </a:r>
-            <a:r>
-              <a:rPr lang="en-US" sz="1800" dirty="0"/>
-              <a:t> </a:t>
-            </a:r>
-            <a:r>
-              <a:rPr lang="en-US" sz="1800" dirty="0" err="1"/>
-              <a:t>đồ</a:t>
-            </a:r>
-            <a:r>
-              <a:rPr lang="en-US" sz="1800" dirty="0"/>
-              <a:t> </a:t>
-            </a:r>
-            <a:r>
-              <a:rPr lang="en-US" sz="1800" dirty="0" err="1"/>
-              <a:t>điểm</a:t>
-            </a:r>
-            <a:r>
-              <a:rPr lang="en-US" sz="1800" dirty="0"/>
-              <a:t> </a:t>
-            </a:r>
-            <a:r>
-              <a:rPr lang="en-US" sz="1800" dirty="0" err="1"/>
-              <a:t>từng</a:t>
-            </a:r>
-            <a:r>
-              <a:rPr lang="en-US" sz="1800" dirty="0"/>
-              <a:t> </a:t>
-            </a:r>
-            <a:r>
-              <a:rPr lang="en-US" sz="1800" dirty="0" err="1"/>
-              <a:t>môn</a:t>
-            </a:r>
-            <a:r>
-              <a:rPr lang="en-US" sz="1800" dirty="0"/>
-              <a:t> </a:t>
-            </a:r>
-            <a:r>
-              <a:rPr lang="en-US" sz="1800" dirty="0" err="1"/>
-              <a:t>học</a:t>
-            </a:r>
-            <a:endParaRPr lang="en-US" sz="1800" dirty="0"/>
-          </a:p>
-          <a:p>
-            <a:pPr lvl="1"/>
-            <a:r>
-              <a:rPr lang="en-US" sz="1800" dirty="0" err="1"/>
-              <a:t>Lựa</a:t>
-            </a:r>
-            <a:r>
-              <a:rPr lang="en-US" sz="1800" dirty="0"/>
-              <a:t> </a:t>
-            </a:r>
-            <a:r>
-              <a:rPr lang="en-US" sz="1800" dirty="0" err="1"/>
-              <a:t>chọn</a:t>
-            </a:r>
-            <a:r>
-              <a:rPr lang="en-US" sz="1800" dirty="0"/>
-              <a:t> </a:t>
-            </a:r>
-            <a:r>
-              <a:rPr lang="en-US" sz="1800" dirty="0" err="1"/>
-              <a:t>môn</a:t>
-            </a:r>
-            <a:r>
-              <a:rPr lang="en-US" sz="1800" dirty="0"/>
-              <a:t> </a:t>
-            </a:r>
-            <a:r>
-              <a:rPr lang="en-US" sz="1800" dirty="0" err="1"/>
-              <a:t>cần</a:t>
-            </a:r>
-            <a:r>
-              <a:rPr lang="en-US" sz="1800" dirty="0"/>
-              <a:t> </a:t>
-            </a:r>
-            <a:r>
-              <a:rPr lang="en-US" sz="1800" dirty="0" err="1"/>
-              <a:t>xem</a:t>
-            </a:r>
-            <a:r>
-              <a:rPr lang="en-US" sz="1800" dirty="0"/>
-              <a:t> </a:t>
-            </a:r>
-            <a:r>
-              <a:rPr lang="en-US" sz="1800" dirty="0" err="1"/>
-              <a:t>phổ</a:t>
-            </a:r>
-            <a:r>
-              <a:rPr lang="en-US" sz="1800" dirty="0"/>
-              <a:t> </a:t>
-            </a:r>
-            <a:r>
-              <a:rPr lang="en-US" sz="1800" dirty="0" err="1"/>
-              <a:t>điểm</a:t>
-            </a:r>
-            <a:endParaRPr lang="en-US" sz="1800" dirty="0"/>
-          </a:p>
-          <a:p>
-            <a:pPr lvl="1"/>
-            <a:r>
-              <a:rPr lang="en-US" sz="1800" dirty="0" err="1"/>
-              <a:t>Hiển</a:t>
-            </a:r>
-            <a:r>
-              <a:rPr lang="en-US" sz="1800" dirty="0"/>
-              <a:t> </a:t>
-            </a:r>
-            <a:r>
-              <a:rPr lang="en-US" sz="1800" dirty="0" err="1"/>
-              <a:t>thị</a:t>
-            </a:r>
-            <a:r>
-              <a:rPr lang="en-US" sz="1800" dirty="0"/>
-              <a:t> </a:t>
-            </a:r>
-            <a:r>
-              <a:rPr lang="en-US" sz="1800" dirty="0" err="1"/>
-              <a:t>lên</a:t>
-            </a:r>
-            <a:r>
-              <a:rPr lang="en-US" sz="1800" dirty="0"/>
-              <a:t> </a:t>
-            </a:r>
-            <a:r>
-              <a:rPr lang="en-US" sz="1800" dirty="0" err="1"/>
-              <a:t>giao</a:t>
-            </a:r>
-            <a:r>
-              <a:rPr lang="en-US" sz="1800" dirty="0"/>
-              <a:t> </a:t>
-            </a:r>
-            <a:r>
-              <a:rPr lang="en-US" sz="1800" dirty="0" err="1"/>
-              <a:t>diện</a:t>
-            </a:r>
-            <a:endParaRPr lang="en-US" sz="1800" dirty="0"/>
-          </a:p>
-          <a:p>
-            <a:r>
-              <a:rPr lang="en-US" sz="1800" dirty="0" err="1"/>
-              <a:t>Chọn</a:t>
-            </a:r>
-            <a:r>
-              <a:rPr lang="en-US" sz="1800" dirty="0"/>
-              <a:t> </a:t>
-            </a:r>
-            <a:r>
-              <a:rPr lang="en-US" sz="1800" dirty="0" err="1"/>
-              <a:t>trường</a:t>
-            </a:r>
-            <a:r>
-              <a:rPr lang="en-US" sz="1800" dirty="0"/>
-              <a:t> ĐH </a:t>
-            </a:r>
-            <a:r>
-              <a:rPr lang="en-US" sz="1800" dirty="0" err="1"/>
-              <a:t>theo</a:t>
-            </a:r>
-            <a:r>
-              <a:rPr lang="en-US" sz="1800" dirty="0"/>
-              <a:t> </a:t>
-            </a:r>
-            <a:r>
-              <a:rPr lang="en-US" sz="1800" dirty="0" err="1"/>
-              <a:t>điểm</a:t>
-            </a:r>
-            <a:endParaRPr lang="en-US" sz="1800" dirty="0"/>
-          </a:p>
-          <a:p>
-            <a:pPr lvl="1"/>
-            <a:r>
-              <a:rPr lang="en-US" sz="1800" dirty="0" err="1"/>
-              <a:t>Nhập</a:t>
-            </a:r>
-            <a:r>
-              <a:rPr lang="en-US" sz="1800" dirty="0"/>
-              <a:t> </a:t>
-            </a:r>
-            <a:r>
-              <a:rPr lang="en-US" sz="1800" dirty="0" err="1"/>
-              <a:t>điểm</a:t>
-            </a:r>
-            <a:r>
-              <a:rPr lang="en-US" sz="1800" dirty="0"/>
-              <a:t> </a:t>
-            </a:r>
-            <a:r>
-              <a:rPr lang="en-US" sz="1800" dirty="0" err="1"/>
-              <a:t>tổ</a:t>
-            </a:r>
-            <a:r>
-              <a:rPr lang="en-US" sz="1800" dirty="0"/>
-              <a:t> </a:t>
-            </a:r>
-            <a:r>
-              <a:rPr lang="en-US" sz="1800" dirty="0" err="1"/>
-              <a:t>hợp</a:t>
-            </a:r>
-            <a:r>
-              <a:rPr lang="en-US" sz="1800" dirty="0"/>
-              <a:t> </a:t>
-            </a:r>
-          </a:p>
-          <a:p>
-            <a:pPr lvl="1"/>
-            <a:r>
-              <a:rPr lang="en-US" sz="1800" dirty="0" err="1"/>
-              <a:t>Chọn</a:t>
-            </a:r>
-            <a:r>
-              <a:rPr lang="en-US" sz="1800" dirty="0"/>
-              <a:t> </a:t>
-            </a:r>
-            <a:r>
-              <a:rPr lang="en-US" sz="1800" dirty="0" err="1"/>
-              <a:t>nghành</a:t>
-            </a:r>
-            <a:endParaRPr lang="en-US" sz="1800" dirty="0"/>
-          </a:p>
-          <a:p>
-            <a:pPr lvl="1"/>
-            <a:r>
-              <a:rPr lang="en-US" sz="1800" dirty="0" err="1"/>
-              <a:t>Hiển</a:t>
-            </a:r>
-            <a:r>
-              <a:rPr lang="en-US" sz="1800" dirty="0"/>
-              <a:t> </a:t>
-            </a:r>
-            <a:r>
-              <a:rPr lang="en-US" sz="1800" dirty="0" err="1"/>
-              <a:t>thị</a:t>
-            </a:r>
-            <a:r>
-              <a:rPr lang="en-US" sz="1800" dirty="0"/>
-              <a:t> </a:t>
-            </a:r>
-            <a:r>
-              <a:rPr lang="en-US" sz="1800" dirty="0" err="1"/>
-              <a:t>lên</a:t>
-            </a:r>
-            <a:r>
-              <a:rPr lang="en-US" sz="1800" dirty="0"/>
-              <a:t> </a:t>
-            </a:r>
-            <a:r>
-              <a:rPr lang="en-US" sz="1800" dirty="0" err="1"/>
-              <a:t>giao</a:t>
-            </a:r>
-            <a:r>
-              <a:rPr lang="en-US" sz="1800" dirty="0"/>
-              <a:t> </a:t>
-            </a:r>
-            <a:r>
-              <a:rPr lang="en-US" sz="1800" dirty="0" err="1"/>
-              <a:t>diện</a:t>
-            </a:r>
-            <a:r>
-              <a:rPr lang="en-US" sz="1800" dirty="0"/>
-              <a:t> </a:t>
-            </a:r>
-            <a:r>
-              <a:rPr lang="en-US" sz="1800" dirty="0" err="1"/>
-              <a:t>các</a:t>
-            </a:r>
-            <a:r>
-              <a:rPr lang="en-US" sz="1800" dirty="0"/>
-              <a:t> </a:t>
-            </a:r>
-            <a:r>
-              <a:rPr lang="en-US" sz="1800" dirty="0" err="1"/>
-              <a:t>trường</a:t>
-            </a:r>
-            <a:r>
-              <a:rPr lang="en-US" sz="1800" dirty="0"/>
-              <a:t> </a:t>
-            </a:r>
-            <a:r>
-              <a:rPr lang="en-US" sz="1800" dirty="0" err="1"/>
-              <a:t>nghành</a:t>
-            </a:r>
-            <a:r>
-              <a:rPr lang="en-US" sz="1800" dirty="0"/>
-              <a:t> </a:t>
-            </a:r>
-            <a:r>
-              <a:rPr lang="en-US" sz="1800" dirty="0" err="1"/>
-              <a:t>phù</a:t>
-            </a:r>
-            <a:r>
-              <a:rPr lang="en-US" sz="1800" dirty="0"/>
-              <a:t> </a:t>
-            </a:r>
-            <a:r>
-              <a:rPr lang="en-US" sz="1800" dirty="0" err="1"/>
-              <a:t>hợp</a:t>
-            </a:r>
-            <a:endParaRPr lang="en-US" sz="1800" dirty="0"/>
-          </a:p>
-          <a:p>
-            <a:r>
-              <a:rPr lang="en-US" sz="1800" dirty="0"/>
-              <a:t>So </a:t>
-            </a:r>
-            <a:r>
-              <a:rPr lang="en-US" sz="1800" dirty="0" err="1"/>
-              <a:t>sánh</a:t>
-            </a:r>
-            <a:r>
-              <a:rPr lang="en-US" sz="1800" dirty="0"/>
-              <a:t> </a:t>
-            </a:r>
-            <a:r>
-              <a:rPr lang="en-US" sz="1800" dirty="0" err="1"/>
-              <a:t>các</a:t>
-            </a:r>
-            <a:r>
-              <a:rPr lang="en-US" sz="1800" dirty="0"/>
-              <a:t> </a:t>
-            </a:r>
-            <a:r>
-              <a:rPr lang="en-US" sz="1800" dirty="0" err="1"/>
-              <a:t>nghành</a:t>
-            </a:r>
-            <a:r>
-              <a:rPr lang="en-US" sz="1800" dirty="0"/>
-              <a:t> </a:t>
-            </a:r>
-            <a:r>
-              <a:rPr lang="en-US" sz="1800" dirty="0" err="1"/>
-              <a:t>học</a:t>
-            </a:r>
-            <a:r>
-              <a:rPr lang="en-US" sz="1800" dirty="0"/>
-              <a:t> </a:t>
-            </a:r>
-            <a:r>
-              <a:rPr lang="en-US" sz="1800" dirty="0" err="1"/>
-              <a:t>giữa</a:t>
-            </a:r>
-            <a:r>
-              <a:rPr lang="en-US" sz="1800" dirty="0"/>
-              <a:t> </a:t>
-            </a:r>
-            <a:r>
-              <a:rPr lang="en-US" sz="1800" dirty="0" err="1"/>
-              <a:t>các</a:t>
-            </a:r>
-            <a:r>
-              <a:rPr lang="en-US" sz="1800" dirty="0"/>
-              <a:t> </a:t>
-            </a:r>
-            <a:r>
-              <a:rPr lang="en-US" sz="1800" dirty="0" err="1"/>
-              <a:t>trường</a:t>
-            </a:r>
-            <a:endParaRPr lang="en-US" sz="1800" dirty="0"/>
-          </a:p>
-          <a:p>
-            <a:pPr lvl="1"/>
-            <a:r>
-              <a:rPr lang="en-US" sz="1800" dirty="0" err="1"/>
-              <a:t>Chọn</a:t>
-            </a:r>
-            <a:r>
-              <a:rPr lang="en-US" sz="1800" dirty="0"/>
-              <a:t> </a:t>
-            </a:r>
-            <a:r>
-              <a:rPr lang="en-US" sz="1800" dirty="0" err="1"/>
-              <a:t>nghành</a:t>
-            </a:r>
-            <a:r>
-              <a:rPr lang="en-US" sz="1800" dirty="0"/>
-              <a:t> </a:t>
-            </a:r>
-          </a:p>
-          <a:p>
-            <a:pPr lvl="1"/>
-            <a:r>
-              <a:rPr lang="en-US" sz="1800" dirty="0" err="1"/>
-              <a:t>Hiển</a:t>
-            </a:r>
-            <a:r>
-              <a:rPr lang="en-US" sz="1800" dirty="0"/>
-              <a:t> </a:t>
-            </a:r>
-            <a:r>
-              <a:rPr lang="en-US" sz="1800" dirty="0" err="1"/>
-              <a:t>thị</a:t>
-            </a:r>
-            <a:r>
-              <a:rPr lang="en-US" sz="1800" dirty="0"/>
-              <a:t> </a:t>
-            </a:r>
-            <a:r>
-              <a:rPr lang="en-US" sz="1800" dirty="0" err="1"/>
-              <a:t>lên</a:t>
-            </a:r>
-            <a:r>
-              <a:rPr lang="en-US" sz="1800" dirty="0"/>
-              <a:t> </a:t>
-            </a:r>
-            <a:r>
-              <a:rPr lang="en-US" sz="1800" dirty="0" err="1"/>
-              <a:t>giao</a:t>
-            </a:r>
-            <a:r>
-              <a:rPr lang="en-US" sz="1800" dirty="0"/>
-              <a:t> </a:t>
-            </a:r>
-            <a:r>
-              <a:rPr lang="en-US" sz="1800" dirty="0" err="1"/>
-              <a:t>diện</a:t>
-            </a:r>
-            <a:r>
-              <a:rPr lang="en-US" sz="1800" dirty="0"/>
-              <a:t> </a:t>
-            </a:r>
-            <a:r>
-              <a:rPr lang="en-US" sz="1800" dirty="0" err="1"/>
-              <a:t>thông</a:t>
-            </a:r>
-            <a:r>
-              <a:rPr lang="en-US" sz="1800" dirty="0"/>
-              <a:t> tin </a:t>
-            </a:r>
-            <a:r>
-              <a:rPr lang="en-US" sz="1800" dirty="0" err="1"/>
-              <a:t>cùng</a:t>
-            </a:r>
-            <a:r>
-              <a:rPr lang="en-US" sz="1800" dirty="0"/>
-              <a:t> 1 </a:t>
-            </a:r>
-            <a:r>
-              <a:rPr lang="en-US" sz="1800" dirty="0" err="1"/>
-              <a:t>nghành</a:t>
-            </a:r>
-            <a:r>
-              <a:rPr lang="en-US" sz="1800" dirty="0"/>
-              <a:t> </a:t>
-            </a:r>
-            <a:r>
-              <a:rPr lang="en-US" sz="1800" dirty="0" err="1"/>
-              <a:t>của</a:t>
-            </a:r>
-            <a:r>
-              <a:rPr lang="en-US" sz="1800" dirty="0"/>
-              <a:t> </a:t>
-            </a:r>
-            <a:r>
-              <a:rPr lang="en-US" sz="1800" dirty="0" err="1"/>
-              <a:t>các</a:t>
-            </a:r>
-            <a:r>
-              <a:rPr lang="en-US" sz="1800" dirty="0"/>
-              <a:t> </a:t>
-            </a:r>
-            <a:r>
-              <a:rPr lang="en-US" sz="1800" dirty="0" err="1"/>
-              <a:t>trường</a:t>
-            </a:r>
-            <a:r>
-              <a:rPr lang="en-US" sz="1800" dirty="0"/>
-              <a:t> </a:t>
             </a:r>
           </a:p>
         </p:txBody>
@@ -40838,7 +42716,529 @@
             <a:spLocks noGrp="1"/>
           </p:cNvSpPr>
           <p:nvPr>
-            <p:ph type="ctrTitle"/>
+            <p:ph type="title"/>
+          </p:nvPr>
+        </p:nvSpPr>
+        <p:spPr>
+          <a:xfrm>
+            <a:off x="395605" y="123190"/>
+            <a:ext cx="5138420" cy="804545"/>
+          </a:xfrm>
+        </p:spPr>
+        <p:txBody>
+          <a:bodyPr/>
+          <a:lstStyle/>
+          <a:p>
+            <a:r>
+              <a:rPr lang="en-US"/>
+              <a:t>2.2 User stories</a:t>
+            </a:r>
+          </a:p>
+        </p:txBody>
+      </p:sp>
+      <p:sp>
+        <p:nvSpPr>
+          <p:cNvPr id="3" name="Text Placeholder 2"/>
+          <p:cNvSpPr>
+            <a:spLocks noGrp="1"/>
+          </p:cNvSpPr>
+          <p:nvPr>
+            <p:ph type="body" idx="1"/>
+          </p:nvPr>
+        </p:nvSpPr>
+        <p:spPr>
+          <a:xfrm>
+            <a:off x="467360" y="771525"/>
+            <a:ext cx="5138420" cy="4477385"/>
+          </a:xfrm>
+        </p:spPr>
+        <p:txBody>
+          <a:bodyPr/>
+          <a:lstStyle/>
+          <a:p>
+            <a:r>
+              <a:rPr lang="en-US" sz="1800" dirty="0" err="1"/>
+              <a:t>Biểu</a:t>
+            </a:r>
+            <a:r>
+              <a:rPr lang="en-US" sz="1800" dirty="0"/>
+              <a:t> </a:t>
+            </a:r>
+            <a:r>
+              <a:rPr lang="en-US" sz="1800" dirty="0" err="1"/>
+              <a:t>đồ</a:t>
+            </a:r>
+            <a:r>
+              <a:rPr lang="en-US" sz="1800" dirty="0"/>
+              <a:t> </a:t>
+            </a:r>
+            <a:r>
+              <a:rPr lang="en-US" sz="1800" dirty="0" err="1"/>
+              <a:t>điểm</a:t>
+            </a:r>
+            <a:r>
+              <a:rPr lang="en-US" sz="1800" dirty="0"/>
+              <a:t> </a:t>
+            </a:r>
+            <a:r>
+              <a:rPr lang="en-US" sz="1800" dirty="0" err="1"/>
+              <a:t>từng</a:t>
+            </a:r>
+            <a:r>
+              <a:rPr lang="en-US" sz="1800" dirty="0"/>
+              <a:t> </a:t>
+            </a:r>
+            <a:r>
+              <a:rPr lang="en-US" sz="1800" dirty="0" err="1"/>
+              <a:t>môn</a:t>
+            </a:r>
+            <a:r>
+              <a:rPr lang="en-US" sz="1800" dirty="0"/>
+              <a:t> </a:t>
+            </a:r>
+            <a:r>
+              <a:rPr lang="en-US" sz="1800" dirty="0" err="1"/>
+              <a:t>học</a:t>
+            </a:r>
+            <a:endParaRPr lang="en-US" sz="1800" dirty="0"/>
+          </a:p>
+          <a:p>
+            <a:pPr lvl="1"/>
+            <a:r>
+              <a:rPr lang="en-US" sz="1800" dirty="0" err="1"/>
+              <a:t>Lựa</a:t>
+            </a:r>
+            <a:r>
+              <a:rPr lang="en-US" sz="1800" dirty="0"/>
+              <a:t> </a:t>
+            </a:r>
+            <a:r>
+              <a:rPr lang="en-US" sz="1800" dirty="0" err="1"/>
+              <a:t>chọn</a:t>
+            </a:r>
+            <a:r>
+              <a:rPr lang="en-US" sz="1800" dirty="0"/>
+              <a:t> </a:t>
+            </a:r>
+            <a:r>
+              <a:rPr lang="en-US" sz="1800" dirty="0" err="1"/>
+              <a:t>môn</a:t>
+            </a:r>
+            <a:r>
+              <a:rPr lang="en-US" sz="1800" dirty="0"/>
+              <a:t> </a:t>
+            </a:r>
+            <a:r>
+              <a:rPr lang="en-US" sz="1800" dirty="0" err="1"/>
+              <a:t>cần</a:t>
+            </a:r>
+            <a:r>
+              <a:rPr lang="en-US" sz="1800" dirty="0"/>
+              <a:t> </a:t>
+            </a:r>
+            <a:r>
+              <a:rPr lang="en-US" sz="1800" dirty="0" err="1"/>
+              <a:t>xem</a:t>
+            </a:r>
+            <a:r>
+              <a:rPr lang="en-US" sz="1800" dirty="0"/>
+              <a:t> </a:t>
+            </a:r>
+            <a:r>
+              <a:rPr lang="en-US" sz="1800" dirty="0" err="1"/>
+              <a:t>phổ</a:t>
+            </a:r>
+            <a:r>
+              <a:rPr lang="en-US" sz="1800" dirty="0"/>
+              <a:t> </a:t>
+            </a:r>
+            <a:r>
+              <a:rPr lang="en-US" sz="1800" dirty="0" err="1"/>
+              <a:t>điểm</a:t>
+            </a:r>
+            <a:endParaRPr lang="en-US" sz="1800" dirty="0"/>
+          </a:p>
+          <a:p>
+            <a:pPr lvl="1"/>
+            <a:r>
+              <a:rPr lang="en-US" sz="1800" dirty="0" err="1"/>
+              <a:t>Hiển</a:t>
+            </a:r>
+            <a:r>
+              <a:rPr lang="en-US" sz="1800" dirty="0"/>
+              <a:t> </a:t>
+            </a:r>
+            <a:r>
+              <a:rPr lang="en-US" sz="1800" dirty="0" err="1"/>
+              <a:t>thị</a:t>
+            </a:r>
+            <a:r>
+              <a:rPr lang="en-US" sz="1800" dirty="0"/>
+              <a:t> </a:t>
+            </a:r>
+            <a:r>
+              <a:rPr lang="en-US" sz="1800" dirty="0" err="1"/>
+              <a:t>lên</a:t>
+            </a:r>
+            <a:r>
+              <a:rPr lang="en-US" sz="1800" dirty="0"/>
+              <a:t> </a:t>
+            </a:r>
+            <a:r>
+              <a:rPr lang="en-US" sz="1800" dirty="0" err="1"/>
+              <a:t>giao</a:t>
+            </a:r>
+            <a:r>
+              <a:rPr lang="en-US" sz="1800" dirty="0"/>
+              <a:t> </a:t>
+            </a:r>
+            <a:r>
+              <a:rPr lang="en-US" sz="1800" dirty="0" err="1"/>
+              <a:t>diện</a:t>
+            </a:r>
+            <a:endParaRPr lang="en-US" sz="1800" dirty="0"/>
+          </a:p>
+          <a:p>
+            <a:r>
+              <a:rPr lang="en-US" sz="1800" dirty="0" err="1"/>
+              <a:t>Chọn</a:t>
+            </a:r>
+            <a:r>
+              <a:rPr lang="en-US" sz="1800" dirty="0"/>
+              <a:t> </a:t>
+            </a:r>
+            <a:r>
+              <a:rPr lang="en-US" sz="1800" dirty="0" err="1"/>
+              <a:t>trường</a:t>
+            </a:r>
+            <a:r>
+              <a:rPr lang="en-US" sz="1800" dirty="0"/>
+              <a:t> ĐH </a:t>
+            </a:r>
+            <a:r>
+              <a:rPr lang="en-US" sz="1800" dirty="0" err="1"/>
+              <a:t>theo</a:t>
+            </a:r>
+            <a:r>
+              <a:rPr lang="en-US" sz="1800" dirty="0"/>
+              <a:t> </a:t>
+            </a:r>
+            <a:r>
+              <a:rPr lang="en-US" sz="1800" dirty="0" err="1"/>
+              <a:t>điểm</a:t>
+            </a:r>
+            <a:endParaRPr lang="en-US" sz="1800" dirty="0"/>
+          </a:p>
+          <a:p>
+            <a:pPr lvl="1"/>
+            <a:r>
+              <a:rPr lang="en-US" sz="1800" dirty="0" err="1"/>
+              <a:t>Nhập</a:t>
+            </a:r>
+            <a:r>
+              <a:rPr lang="en-US" sz="1800" dirty="0"/>
+              <a:t> </a:t>
+            </a:r>
+            <a:r>
+              <a:rPr lang="en-US" sz="1800" dirty="0" err="1"/>
+              <a:t>điểm</a:t>
+            </a:r>
+            <a:r>
+              <a:rPr lang="en-US" sz="1800" dirty="0"/>
+              <a:t> </a:t>
+            </a:r>
+            <a:r>
+              <a:rPr lang="en-US" sz="1800" dirty="0" err="1"/>
+              <a:t>tổ</a:t>
+            </a:r>
+            <a:r>
+              <a:rPr lang="en-US" sz="1800" dirty="0"/>
+              <a:t> </a:t>
+            </a:r>
+            <a:r>
+              <a:rPr lang="en-US" sz="1800" dirty="0" err="1"/>
+              <a:t>hợp</a:t>
+            </a:r>
+            <a:r>
+              <a:rPr lang="en-US" sz="1800" dirty="0"/>
+              <a:t> </a:t>
+            </a:r>
+          </a:p>
+          <a:p>
+            <a:pPr lvl="1"/>
+            <a:r>
+              <a:rPr lang="en-US" sz="1800" dirty="0" err="1"/>
+              <a:t>Chọn</a:t>
+            </a:r>
+            <a:r>
+              <a:rPr lang="en-US" sz="1800" dirty="0"/>
+              <a:t> </a:t>
+            </a:r>
+            <a:r>
+              <a:rPr lang="en-US" sz="1800" dirty="0" err="1"/>
+              <a:t>ngành</a:t>
+            </a:r>
+            <a:endParaRPr lang="en-US" sz="1800" dirty="0"/>
+          </a:p>
+          <a:p>
+            <a:pPr lvl="1"/>
+            <a:r>
+              <a:rPr lang="en-US" sz="1800" dirty="0" err="1"/>
+              <a:t>Hiển</a:t>
+            </a:r>
+            <a:r>
+              <a:rPr lang="en-US" sz="1800" dirty="0"/>
+              <a:t> </a:t>
+            </a:r>
+            <a:r>
+              <a:rPr lang="en-US" sz="1800" dirty="0" err="1"/>
+              <a:t>thị</a:t>
+            </a:r>
+            <a:r>
+              <a:rPr lang="en-US" sz="1800" dirty="0"/>
+              <a:t> </a:t>
+            </a:r>
+            <a:r>
+              <a:rPr lang="en-US" sz="1800" dirty="0" err="1"/>
+              <a:t>lên</a:t>
+            </a:r>
+            <a:r>
+              <a:rPr lang="en-US" sz="1800" dirty="0"/>
+              <a:t> </a:t>
+            </a:r>
+            <a:r>
+              <a:rPr lang="en-US" sz="1800" dirty="0" err="1"/>
+              <a:t>giao</a:t>
+            </a:r>
+            <a:r>
+              <a:rPr lang="en-US" sz="1800" dirty="0"/>
+              <a:t> </a:t>
+            </a:r>
+            <a:r>
+              <a:rPr lang="en-US" sz="1800" dirty="0" err="1"/>
+              <a:t>diện</a:t>
+            </a:r>
+            <a:r>
+              <a:rPr lang="en-US" sz="1800" dirty="0"/>
+              <a:t> </a:t>
+            </a:r>
+            <a:r>
+              <a:rPr lang="en-US" sz="1800" dirty="0" err="1"/>
+              <a:t>các</a:t>
+            </a:r>
+            <a:r>
+              <a:rPr lang="en-US" sz="1800" dirty="0"/>
+              <a:t> </a:t>
+            </a:r>
+            <a:r>
+              <a:rPr lang="en-US" sz="1800" dirty="0" err="1"/>
+              <a:t>trường</a:t>
+            </a:r>
+            <a:r>
+              <a:rPr lang="en-US" sz="1800" dirty="0"/>
+              <a:t> </a:t>
+            </a:r>
+            <a:r>
+              <a:rPr lang="en-US" sz="1800" dirty="0" err="1"/>
+              <a:t>ngành</a:t>
+            </a:r>
+            <a:r>
+              <a:rPr lang="en-US" sz="1800" dirty="0"/>
+              <a:t> </a:t>
+            </a:r>
+            <a:r>
+              <a:rPr lang="en-US" sz="1800" dirty="0" err="1"/>
+              <a:t>phù</a:t>
+            </a:r>
+            <a:r>
+              <a:rPr lang="en-US" sz="1800" dirty="0"/>
+              <a:t> </a:t>
+            </a:r>
+            <a:r>
+              <a:rPr lang="en-US" sz="1800" dirty="0" err="1"/>
+              <a:t>hợp</a:t>
+            </a:r>
+            <a:endParaRPr lang="en-US" sz="1800" dirty="0"/>
+          </a:p>
+          <a:p>
+            <a:r>
+              <a:rPr lang="en-US" sz="1800" dirty="0"/>
+              <a:t>So </a:t>
+            </a:r>
+            <a:r>
+              <a:rPr lang="en-US" sz="1800" dirty="0" err="1"/>
+              <a:t>sánh</a:t>
+            </a:r>
+            <a:r>
+              <a:rPr lang="en-US" sz="1800" dirty="0"/>
+              <a:t> </a:t>
+            </a:r>
+            <a:r>
+              <a:rPr lang="en-US" sz="1800" dirty="0" err="1"/>
+              <a:t>các</a:t>
+            </a:r>
+            <a:r>
+              <a:rPr lang="en-US" sz="1800" dirty="0"/>
+              <a:t> </a:t>
+            </a:r>
+            <a:r>
+              <a:rPr lang="en-US" sz="1800" dirty="0" err="1"/>
+              <a:t>ngành</a:t>
+            </a:r>
+            <a:r>
+              <a:rPr lang="en-US" sz="1800" dirty="0"/>
+              <a:t> </a:t>
+            </a:r>
+            <a:r>
+              <a:rPr lang="en-US" sz="1800" dirty="0" err="1"/>
+              <a:t>học</a:t>
+            </a:r>
+            <a:r>
+              <a:rPr lang="en-US" sz="1800" dirty="0"/>
+              <a:t> </a:t>
+            </a:r>
+            <a:r>
+              <a:rPr lang="en-US" sz="1800" dirty="0" err="1"/>
+              <a:t>giữa</a:t>
+            </a:r>
+            <a:r>
+              <a:rPr lang="en-US" sz="1800" dirty="0"/>
+              <a:t> </a:t>
+            </a:r>
+            <a:r>
+              <a:rPr lang="en-US" sz="1800" dirty="0" err="1"/>
+              <a:t>các</a:t>
+            </a:r>
+            <a:r>
+              <a:rPr lang="en-US" sz="1800" dirty="0"/>
+              <a:t> </a:t>
+            </a:r>
+            <a:r>
+              <a:rPr lang="en-US" sz="1800" dirty="0" err="1"/>
+              <a:t>trường</a:t>
+            </a:r>
+            <a:endParaRPr lang="en-US" sz="1800" dirty="0"/>
+          </a:p>
+          <a:p>
+            <a:pPr lvl="1"/>
+            <a:r>
+              <a:rPr lang="en-US" sz="1800" dirty="0" err="1"/>
+              <a:t>Chọn</a:t>
+            </a:r>
+            <a:r>
+              <a:rPr lang="en-US" sz="1800" dirty="0"/>
+              <a:t> </a:t>
+            </a:r>
+            <a:r>
+              <a:rPr lang="en-US" sz="1800" dirty="0" err="1"/>
+              <a:t>ngành</a:t>
+            </a:r>
+            <a:r>
+              <a:rPr lang="en-US" sz="1800" dirty="0"/>
+              <a:t> </a:t>
+            </a:r>
+          </a:p>
+          <a:p>
+            <a:pPr lvl="1"/>
+            <a:r>
+              <a:rPr lang="en-US" sz="1800" dirty="0" err="1"/>
+              <a:t>Hiển</a:t>
+            </a:r>
+            <a:r>
+              <a:rPr lang="en-US" sz="1800" dirty="0"/>
+              <a:t> </a:t>
+            </a:r>
+            <a:r>
+              <a:rPr lang="en-US" sz="1800" dirty="0" err="1"/>
+              <a:t>thị</a:t>
+            </a:r>
+            <a:r>
+              <a:rPr lang="en-US" sz="1800" dirty="0"/>
+              <a:t> </a:t>
+            </a:r>
+            <a:r>
+              <a:rPr lang="en-US" sz="1800" dirty="0" err="1"/>
+              <a:t>lên</a:t>
+            </a:r>
+            <a:r>
+              <a:rPr lang="en-US" sz="1800" dirty="0"/>
+              <a:t> </a:t>
+            </a:r>
+            <a:r>
+              <a:rPr lang="en-US" sz="1800" dirty="0" err="1"/>
+              <a:t>giao</a:t>
+            </a:r>
+            <a:r>
+              <a:rPr lang="en-US" sz="1800" dirty="0"/>
+              <a:t> </a:t>
+            </a:r>
+            <a:r>
+              <a:rPr lang="en-US" sz="1800" dirty="0" err="1"/>
+              <a:t>diện</a:t>
+            </a:r>
+            <a:r>
+              <a:rPr lang="en-US" sz="1800" dirty="0"/>
+              <a:t> </a:t>
+            </a:r>
+            <a:r>
+              <a:rPr lang="en-US" sz="1800" dirty="0" err="1"/>
+              <a:t>thông</a:t>
+            </a:r>
+            <a:r>
+              <a:rPr lang="en-US" sz="1800" dirty="0"/>
+              <a:t> tin </a:t>
+            </a:r>
+            <a:r>
+              <a:rPr lang="en-US" sz="1800" dirty="0" err="1"/>
+              <a:t>cùng</a:t>
+            </a:r>
+            <a:r>
+              <a:rPr lang="en-US" sz="1800" dirty="0"/>
+              <a:t> 1 </a:t>
+            </a:r>
+            <a:r>
+              <a:rPr lang="en-US" sz="1800" dirty="0" err="1"/>
+              <a:t>ngành</a:t>
+            </a:r>
+            <a:r>
+              <a:rPr lang="en-US" sz="1800" dirty="0"/>
+              <a:t> </a:t>
+            </a:r>
+            <a:r>
+              <a:rPr lang="en-US" sz="1800" dirty="0" err="1"/>
+              <a:t>của</a:t>
+            </a:r>
+            <a:r>
+              <a:rPr lang="en-US" sz="1800" dirty="0"/>
+              <a:t> </a:t>
+            </a:r>
+            <a:r>
+              <a:rPr lang="en-US" sz="1800" dirty="0" err="1"/>
+              <a:t>các</a:t>
+            </a:r>
+            <a:r>
+              <a:rPr lang="en-US" sz="1800" dirty="0"/>
+              <a:t> </a:t>
+            </a:r>
+            <a:r>
+              <a:rPr lang="en-US" sz="1800" dirty="0" err="1"/>
+              <a:t>trường</a:t>
+            </a:r>
+            <a:r>
+              <a:rPr lang="en-US" sz="1800" dirty="0"/>
+              <a:t> </a:t>
+            </a:r>
+          </a:p>
+        </p:txBody>
+      </p:sp>
+      <p:sp>
+        <p:nvSpPr>
+          <p:cNvPr id="4" name="Slide Number Placeholder 3"/>
+          <p:cNvSpPr>
+            <a:spLocks noGrp="1"/>
+          </p:cNvSpPr>
+          <p:nvPr>
+            <p:ph type="sldNum" idx="12"/>
           </p:nvPr>
         </p:nvSpPr>
         <p:spPr/>
@@ -40846,10 +43246,20 @@
           <a:bodyPr/>
           <a:lstStyle/>
           <a:p>
-            <a:r>
-              <a:rPr lang="en-US"/>
-              <a:t>3.THIẾT KẾ </a:t>
-            </a:r>
+            <a:pPr marL="0" lvl="0" indent="0" algn="ctr" rtl="0">
+              <a:spcBef>
+                <a:spcPts val="0"/>
+              </a:spcBef>
+              <a:spcAft>
+                <a:spcPts val="0"/>
+              </a:spcAft>
+              <a:buNone/>
+            </a:pPr>
+            <a:fld id="{00000000-1234-1234-1234-123412341234}" type="slidenum">
+              <a:rPr lang="en-GB"/>
+              <a:t>8</a:t>
+            </a:fld>
+            <a:endParaRPr lang="en-GB"/>
           </a:p>
         </p:txBody>
       </p:sp>
@@ -40888,56 +43298,7 @@
             <a:spLocks noGrp="1"/>
           </p:cNvSpPr>
           <p:nvPr>
-            <p:ph type="title"/>
-          </p:nvPr>
-        </p:nvSpPr>
-        <p:spPr>
-          <a:xfrm>
-            <a:off x="457200" y="307340"/>
-            <a:ext cx="5601335" cy="1136650"/>
-          </a:xfrm>
-        </p:spPr>
-        <p:txBody>
-          <a:bodyPr/>
-          <a:lstStyle/>
-          <a:p>
-            <a:r>
-              <a:rPr lang="en-US"/>
-              <a:t>3.1 DATA MODELING </a:t>
-            </a:r>
-            <a:br>
-              <a:rPr lang="en-US"/>
-            </a:br>
-            <a:r>
-              <a:rPr lang="en-US" sz="2400">
-                <a:ln/>
-                <a:solidFill>
-                  <a:schemeClr val="tx1">
-                    <a:lumMod val="65000"/>
-                    <a:lumOff val="35000"/>
-                  </a:schemeClr>
-                </a:solidFill>
-                <a:effectLst>
-                  <a:outerShdw blurRad="38100" dist="19050" dir="2700000" algn="tl" rotWithShape="0">
-                    <a:schemeClr val="dk1">
-                      <a:alpha val="40000"/>
-                    </a:schemeClr>
-                  </a:outerShdw>
-                </a:effectLst>
-              </a:rPr>
-              <a:t>a. Biểu đồ điểm từng môn học</a:t>
-            </a:r>
-          </a:p>
-        </p:txBody>
-      </p:sp>
-      <p:sp>
-        <p:nvSpPr>
-          <p:cNvPr id="4" name="Slide Number Placeholder 3"/>
-          <p:cNvSpPr>
-            <a:spLocks noGrp="1"/>
-          </p:cNvSpPr>
-          <p:nvPr>
-            <p:ph type="sldNum" idx="12"/>
+            <p:ph type="ctrTitle"/>
           </p:nvPr>
         </p:nvSpPr>
         <p:spPr/>
@@ -40945,47 +43306,13 @@
           <a:bodyPr/>
           <a:lstStyle/>
           <a:p>
-            <a:pPr marL="0" lvl="0" indent="0" algn="ctr" rtl="0">
-              <a:spcBef>
-                <a:spcPts val="0"/>
-              </a:spcBef>
-              <a:spcAft>
-                <a:spcPts val="0"/>
-              </a:spcAft>
-              <a:buNone/>
-            </a:pPr>
-            <a:fld id="{00000000-1234-1234-1234-123412341234}" type="slidenum">
-              <a:rPr lang="en-GB"/>
-              <a:t>9</a:t>
-            </a:fld>
-            <a:endParaRPr lang="en-GB"/>
+            <a:r>
+              <a:rPr lang="en-US"/>
+              <a:t>3.THIẾT KẾ </a:t>
+            </a:r>
           </a:p>
         </p:txBody>
       </p:sp>
-      <p:pic>
-        <p:nvPicPr>
-          <p:cNvPr id="6" name="Picture 5" descr="1"/>
-          <p:cNvPicPr>
-            <a:picLocks noChangeAspect="1"/>
-          </p:cNvPicPr>
-          <p:nvPr/>
-        </p:nvPicPr>
-        <p:blipFill>
-          <a:blip r:embed="rId2"/>
-          <a:stretch>
-            <a:fillRect/>
-          </a:stretch>
-        </p:blipFill>
-        <p:spPr>
-          <a:xfrm>
-            <a:off x="1043940" y="1707515"/>
-            <a:ext cx="4098290" cy="2927350"/>
-          </a:xfrm>
-          <a:prstGeom prst="rect">
-            <a:avLst/>
-          </a:prstGeom>
-        </p:spPr>
-      </p:pic>
     </p:spTree>
   </p:cSld>
   <p:clrMapOvr>
